--- a/Prova Aptidão Profisional/PAP Documentos/Apresentação PAP_Ayres.pptx
+++ b/Prova Aptidão Profisional/PAP Documentos/Apresentação PAP_Ayres.pptx
@@ -107,6 +107,11 @@
       </a:defRPr>
     </a:lvl9pPr>
   </p:defaultTextStyle>
+  <p:extLst>
+    <p:ext uri="{EFAFB233-063F-42B5-8137-9DF3F51BA10A}">
+      <p15:sldGuideLst xmlns:p15="http://schemas.microsoft.com/office/powerpoint/2012/main"/>
+    </p:ext>
+  </p:extLst>
 </p:presentation>
 </file>
 
@@ -269,7 +274,7 @@
           <a:p>
             <a:fld id="{1A0E5F98-8507-4395-9B50-BA339B80AF66}" type="datetimeFigureOut">
               <a:rPr lang="pt-PT" smtClean="0"/>
-              <a:t>06/05/2022</a:t>
+              <a:t>09/05/2022</a:t>
             </a:fld>
             <a:endParaRPr lang="pt-PT"/>
           </a:p>
@@ -467,7 +472,7 @@
           <a:p>
             <a:fld id="{1A0E5F98-8507-4395-9B50-BA339B80AF66}" type="datetimeFigureOut">
               <a:rPr lang="pt-PT" smtClean="0"/>
-              <a:t>06/05/2022</a:t>
+              <a:t>09/05/2022</a:t>
             </a:fld>
             <a:endParaRPr lang="pt-PT"/>
           </a:p>
@@ -675,7 +680,7 @@
           <a:p>
             <a:fld id="{1A0E5F98-8507-4395-9B50-BA339B80AF66}" type="datetimeFigureOut">
               <a:rPr lang="pt-PT" smtClean="0"/>
-              <a:t>06/05/2022</a:t>
+              <a:t>09/05/2022</a:t>
             </a:fld>
             <a:endParaRPr lang="pt-PT"/>
           </a:p>
@@ -1210,7 +1215,7 @@
           <a:p>
             <a:fld id="{91162ED4-134C-4E94-B418-E67EB33BE706}" type="datetimeFigureOut">
               <a:rPr lang="pt-PT" smtClean="0"/>
-              <a:t>05/05/2022</a:t>
+              <a:t>09/05/2022</a:t>
             </a:fld>
             <a:endParaRPr lang="pt-PT"/>
           </a:p>
@@ -1412,7 +1417,7 @@
           <a:p>
             <a:fld id="{91162ED4-134C-4E94-B418-E67EB33BE706}" type="datetimeFigureOut">
               <a:rPr lang="pt-PT" smtClean="0"/>
-              <a:t>05/05/2022</a:t>
+              <a:t>09/05/2022</a:t>
             </a:fld>
             <a:endParaRPr lang="pt-PT"/>
           </a:p>
@@ -1983,7 +1988,7 @@
           <a:p>
             <a:fld id="{91162ED4-134C-4E94-B418-E67EB33BE706}" type="datetimeFigureOut">
               <a:rPr lang="pt-PT" smtClean="0"/>
-              <a:t>05/05/2022</a:t>
+              <a:t>09/05/2022</a:t>
             </a:fld>
             <a:endParaRPr lang="pt-PT"/>
           </a:p>
@@ -2285,7 +2290,7 @@
           <a:p>
             <a:fld id="{91162ED4-134C-4E94-B418-E67EB33BE706}" type="datetimeFigureOut">
               <a:rPr lang="pt-PT" smtClean="0"/>
-              <a:t>05/05/2022</a:t>
+              <a:t>09/05/2022</a:t>
             </a:fld>
             <a:endParaRPr lang="pt-PT"/>
           </a:p>
@@ -2722,7 +2727,7 @@
           <a:p>
             <a:fld id="{91162ED4-134C-4E94-B418-E67EB33BE706}" type="datetimeFigureOut">
               <a:rPr lang="pt-PT" smtClean="0"/>
-              <a:t>05/05/2022</a:t>
+              <a:t>09/05/2022</a:t>
             </a:fld>
             <a:endParaRPr lang="pt-PT"/>
           </a:p>
@@ -2840,7 +2845,7 @@
           <a:p>
             <a:fld id="{91162ED4-134C-4E94-B418-E67EB33BE706}" type="datetimeFigureOut">
               <a:rPr lang="pt-PT" smtClean="0"/>
-              <a:t>05/05/2022</a:t>
+              <a:t>09/05/2022</a:t>
             </a:fld>
             <a:endParaRPr lang="pt-PT"/>
           </a:p>
@@ -2935,7 +2940,7 @@
           <a:p>
             <a:fld id="{91162ED4-134C-4E94-B418-E67EB33BE706}" type="datetimeFigureOut">
               <a:rPr lang="pt-PT" smtClean="0"/>
-              <a:t>05/05/2022</a:t>
+              <a:t>09/05/2022</a:t>
             </a:fld>
             <a:endParaRPr lang="pt-PT"/>
           </a:p>
@@ -3317,7 +3322,7 @@
           <a:p>
             <a:fld id="{91162ED4-134C-4E94-B418-E67EB33BE706}" type="datetimeFigureOut">
               <a:rPr lang="pt-PT" smtClean="0"/>
-              <a:t>05/05/2022</a:t>
+              <a:t>09/05/2022</a:t>
             </a:fld>
             <a:endParaRPr lang="pt-PT"/>
           </a:p>
@@ -3559,7 +3564,7 @@
           <a:p>
             <a:fld id="{1A0E5F98-8507-4395-9B50-BA339B80AF66}" type="datetimeFigureOut">
               <a:rPr lang="pt-PT" smtClean="0"/>
-              <a:t>06/05/2022</a:t>
+              <a:t>09/05/2022</a:t>
             </a:fld>
             <a:endParaRPr lang="pt-PT"/>
           </a:p>
@@ -3909,7 +3914,7 @@
           <a:p>
             <a:fld id="{91162ED4-134C-4E94-B418-E67EB33BE706}" type="datetimeFigureOut">
               <a:rPr lang="pt-PT" smtClean="0"/>
-              <a:t>05/05/2022</a:t>
+              <a:t>09/05/2022</a:t>
             </a:fld>
             <a:endParaRPr lang="pt-PT"/>
           </a:p>
@@ -4149,7 +4154,7 @@
           <a:p>
             <a:fld id="{91162ED4-134C-4E94-B418-E67EB33BE706}" type="datetimeFigureOut">
               <a:rPr lang="pt-PT" smtClean="0"/>
-              <a:t>05/05/2022</a:t>
+              <a:t>09/05/2022</a:t>
             </a:fld>
             <a:endParaRPr lang="pt-PT"/>
           </a:p>
@@ -4329,7 +4334,7 @@
           <a:p>
             <a:fld id="{91162ED4-134C-4E94-B418-E67EB33BE706}" type="datetimeFigureOut">
               <a:rPr lang="pt-PT" smtClean="0"/>
-              <a:t>05/05/2022</a:t>
+              <a:t>09/05/2022</a:t>
             </a:fld>
             <a:endParaRPr lang="pt-PT"/>
           </a:p>
@@ -4592,7 +4597,7 @@
           <a:p>
             <a:fld id="{1A0E5F98-8507-4395-9B50-BA339B80AF66}" type="datetimeFigureOut">
               <a:rPr lang="pt-PT" smtClean="0"/>
-              <a:t>06/05/2022</a:t>
+              <a:t>09/05/2022</a:t>
             </a:fld>
             <a:endParaRPr lang="pt-PT"/>
           </a:p>
@@ -4857,7 +4862,7 @@
           <a:p>
             <a:fld id="{1A0E5F98-8507-4395-9B50-BA339B80AF66}" type="datetimeFigureOut">
               <a:rPr lang="pt-PT" smtClean="0"/>
-              <a:t>06/05/2022</a:t>
+              <a:t>09/05/2022</a:t>
             </a:fld>
             <a:endParaRPr lang="pt-PT"/>
           </a:p>
@@ -5269,7 +5274,7 @@
           <a:p>
             <a:fld id="{1A0E5F98-8507-4395-9B50-BA339B80AF66}" type="datetimeFigureOut">
               <a:rPr lang="pt-PT" smtClean="0"/>
-              <a:t>06/05/2022</a:t>
+              <a:t>09/05/2022</a:t>
             </a:fld>
             <a:endParaRPr lang="pt-PT"/>
           </a:p>
@@ -5410,7 +5415,7 @@
           <a:p>
             <a:fld id="{1A0E5F98-8507-4395-9B50-BA339B80AF66}" type="datetimeFigureOut">
               <a:rPr lang="pt-PT" smtClean="0"/>
-              <a:t>06/05/2022</a:t>
+              <a:t>09/05/2022</a:t>
             </a:fld>
             <a:endParaRPr lang="pt-PT"/>
           </a:p>
@@ -5523,7 +5528,7 @@
           <a:p>
             <a:fld id="{1A0E5F98-8507-4395-9B50-BA339B80AF66}" type="datetimeFigureOut">
               <a:rPr lang="pt-PT" smtClean="0"/>
-              <a:t>06/05/2022</a:t>
+              <a:t>09/05/2022</a:t>
             </a:fld>
             <a:endParaRPr lang="pt-PT"/>
           </a:p>
@@ -5834,7 +5839,7 @@
           <a:p>
             <a:fld id="{1A0E5F98-8507-4395-9B50-BA339B80AF66}" type="datetimeFigureOut">
               <a:rPr lang="pt-PT" smtClean="0"/>
-              <a:t>06/05/2022</a:t>
+              <a:t>09/05/2022</a:t>
             </a:fld>
             <a:endParaRPr lang="pt-PT"/>
           </a:p>
@@ -6122,7 +6127,7 @@
           <a:p>
             <a:fld id="{1A0E5F98-8507-4395-9B50-BA339B80AF66}" type="datetimeFigureOut">
               <a:rPr lang="pt-PT" smtClean="0"/>
-              <a:t>06/05/2022</a:t>
+              <a:t>09/05/2022</a:t>
             </a:fld>
             <a:endParaRPr lang="pt-PT"/>
           </a:p>
@@ -6363,7 +6368,7 @@
           <a:p>
             <a:fld id="{1A0E5F98-8507-4395-9B50-BA339B80AF66}" type="datetimeFigureOut">
               <a:rPr lang="pt-PT" smtClean="0"/>
-              <a:t>06/05/2022</a:t>
+              <a:t>09/05/2022</a:t>
             </a:fld>
             <a:endParaRPr lang="pt-PT"/>
           </a:p>
@@ -6945,7 +6950,7 @@
           <a:p>
             <a:fld id="{91162ED4-134C-4E94-B418-E67EB33BE706}" type="datetimeFigureOut">
               <a:rPr lang="pt-PT" smtClean="0"/>
-              <a:t>05/05/2022</a:t>
+              <a:t>09/05/2022</a:t>
             </a:fld>
             <a:endParaRPr lang="pt-PT"/>
           </a:p>

--- a/Prova Aptidão Profisional/PAP Documentos/Apresentação PAP_Ayres.pptx
+++ b/Prova Aptidão Profisional/PAP Documentos/Apresentação PAP_Ayres.pptx
@@ -3,10 +3,10 @@
 <p:presentation xmlns:a="http://schemas.openxmlformats.org/drawingml/2006/main" xmlns:r="http://schemas.openxmlformats.org/officeDocument/2006/relationships" xmlns:p="http://schemas.openxmlformats.org/presentationml/2006/main" saveSubsetFonts="1">
   <p:sldMasterIdLst>
     <p:sldMasterId id="2147483648" r:id="rId1"/>
-    <p:sldMasterId id="2147483660" r:id="rId2"/>
   </p:sldMasterIdLst>
   <p:sldIdLst>
-    <p:sldId id="257" r:id="rId3"/>
+    <p:sldId id="257" r:id="rId2"/>
+    <p:sldId id="259" r:id="rId3"/>
     <p:sldId id="256" r:id="rId4"/>
     <p:sldId id="258" r:id="rId5"/>
   </p:sldIdLst>
@@ -753,2692 +753,6 @@
 </p:sldLayout>
 </file>
 
-<file path=ppt/slideLayouts/slideLayout12.xml><?xml version="1.0" encoding="utf-8"?>
-<p:sldLayout xmlns:a="http://schemas.openxmlformats.org/drawingml/2006/main" xmlns:r="http://schemas.openxmlformats.org/officeDocument/2006/relationships" xmlns:p="http://schemas.openxmlformats.org/presentationml/2006/main" showMasterSp="0" type="title" preserve="1">
-  <p:cSld name="Diapositivo de Título">
-    <p:bg>
-      <p:bgRef idx="1002">
-        <a:schemeClr val="bg2"/>
-      </p:bgRef>
-    </p:bg>
-    <p:spTree>
-      <p:nvGrpSpPr>
-        <p:cNvPr id="1" name=""/>
-        <p:cNvGrpSpPr/>
-        <p:nvPr/>
-      </p:nvGrpSpPr>
-      <p:grpSpPr>
-        <a:xfrm>
-          <a:off x="0" y="0"/>
-          <a:ext cx="0" cy="0"/>
-          <a:chOff x="0" y="0"/>
-          <a:chExt cx="0" cy="0"/>
-        </a:xfrm>
-      </p:grpSpPr>
-      <p:sp>
-        <p:nvSpPr>
-          <p:cNvPr id="16" name="Rectangle 15"/>
-          <p:cNvSpPr/>
-          <p:nvPr/>
-        </p:nvSpPr>
-        <p:spPr>
-          <a:xfrm>
-            <a:off x="0" y="0"/>
-            <a:ext cx="12192000" cy="6858000"/>
-          </a:xfrm>
-          <a:prstGeom prst="rect">
-            <a:avLst/>
-          </a:prstGeom>
-          <a:blipFill dpi="0" rotWithShape="1">
-            <a:blip r:embed="rId2">
-              <a:alphaModFix amt="45000"/>
-              <a:duotone>
-                <a:schemeClr val="accent1">
-                  <a:shade val="45000"/>
-                  <a:satMod val="135000"/>
-                </a:schemeClr>
-                <a:prstClr val="white"/>
-              </a:duotone>
-            </a:blip>
-            <a:srcRect/>
-            <a:tile tx="-44450" ty="38100" sx="85000" sy="85000" flip="none" algn="tl"/>
-          </a:blipFill>
-          <a:ln>
-            <a:noFill/>
-          </a:ln>
-        </p:spPr>
-        <p:style>
-          <a:lnRef idx="2">
-            <a:schemeClr val="accent1">
-              <a:shade val="50000"/>
-            </a:schemeClr>
-          </a:lnRef>
-          <a:fillRef idx="1">
-            <a:schemeClr val="accent1"/>
-          </a:fillRef>
-          <a:effectRef idx="0">
-            <a:schemeClr val="accent1"/>
-          </a:effectRef>
-          <a:fontRef idx="minor">
-            <a:schemeClr val="lt1"/>
-          </a:fontRef>
-        </p:style>
-      </p:sp>
-      <p:sp>
-        <p:nvSpPr>
-          <p:cNvPr id="10" name="Rectangle 9"/>
-          <p:cNvSpPr/>
-          <p:nvPr/>
-        </p:nvSpPr>
-        <p:spPr>
-          <a:xfrm>
-            <a:off x="1307870" y="1267730"/>
-            <a:ext cx="9576262" cy="4307950"/>
-          </a:xfrm>
-          <a:prstGeom prst="rect">
-            <a:avLst/>
-          </a:prstGeom>
-          <a:solidFill>
-            <a:schemeClr val="bg1"/>
-          </a:solidFill>
-          <a:ln w="6350" cap="flat" cmpd="sng" algn="ctr">
-            <a:noFill/>
-            <a:prstDash val="solid"/>
-          </a:ln>
-          <a:effectLst>
-            <a:outerShdw blurRad="50800" algn="ctr" rotWithShape="0">
-              <a:prstClr val="black">
-                <a:alpha val="66000"/>
-              </a:prstClr>
-            </a:outerShdw>
-            <a:softEdge rad="0"/>
-          </a:effectLst>
-        </p:spPr>
-      </p:sp>
-      <p:sp>
-        <p:nvSpPr>
-          <p:cNvPr id="11" name="Rectangle 10"/>
-          <p:cNvSpPr/>
-          <p:nvPr/>
-        </p:nvSpPr>
-        <p:spPr>
-          <a:xfrm>
-            <a:off x="1447801" y="1411615"/>
-            <a:ext cx="9296400" cy="4034770"/>
-          </a:xfrm>
-          <a:prstGeom prst="rect">
-            <a:avLst/>
-          </a:prstGeom>
-          <a:noFill/>
-          <a:ln w="6350" cap="sq" cmpd="sng" algn="ctr">
-            <a:solidFill>
-              <a:schemeClr val="tx1">
-                <a:lumMod val="75000"/>
-                <a:lumOff val="25000"/>
-              </a:schemeClr>
-            </a:solidFill>
-            <a:prstDash val="solid"/>
-            <a:miter lim="800000"/>
-          </a:ln>
-          <a:effectLst/>
-        </p:spPr>
-      </p:sp>
-      <p:sp>
-        <p:nvSpPr>
-          <p:cNvPr id="15" name="Rectangle 14"/>
-          <p:cNvSpPr/>
-          <p:nvPr/>
-        </p:nvSpPr>
-        <p:spPr>
-          <a:xfrm>
-            <a:off x="5135880" y="1267730"/>
-            <a:ext cx="1920240" cy="731520"/>
-          </a:xfrm>
-          <a:prstGeom prst="rect">
-            <a:avLst/>
-          </a:prstGeom>
-          <a:solidFill>
-            <a:schemeClr val="bg2"/>
-          </a:solidFill>
-          <a:ln>
-            <a:noFill/>
-          </a:ln>
-        </p:spPr>
-        <p:style>
-          <a:lnRef idx="2">
-            <a:schemeClr val="accent1">
-              <a:shade val="50000"/>
-            </a:schemeClr>
-          </a:lnRef>
-          <a:fillRef idx="1">
-            <a:schemeClr val="accent1"/>
-          </a:fillRef>
-          <a:effectRef idx="0">
-            <a:schemeClr val="accent1"/>
-          </a:effectRef>
-          <a:fontRef idx="minor">
-            <a:schemeClr val="lt1"/>
-          </a:fontRef>
-        </p:style>
-      </p:sp>
-      <p:grpSp>
-        <p:nvGrpSpPr>
-          <p:cNvPr id="4" name="Group 3"/>
-          <p:cNvGrpSpPr/>
-          <p:nvPr/>
-        </p:nvGrpSpPr>
-        <p:grpSpPr>
-          <a:xfrm>
-            <a:off x="5250180" y="1267730"/>
-            <a:ext cx="1691640" cy="645295"/>
-            <a:chOff x="5318306" y="1386268"/>
-            <a:chExt cx="1567331" cy="645295"/>
-          </a:xfrm>
-        </p:grpSpPr>
-        <p:cxnSp>
-          <p:nvCxnSpPr>
-            <p:cNvPr id="17" name="Straight Connector 16"/>
-            <p:cNvCxnSpPr/>
-            <p:nvPr/>
-          </p:nvCxnSpPr>
-          <p:spPr>
-            <a:xfrm>
-              <a:off x="5318306" y="1386268"/>
-              <a:ext cx="0" cy="640080"/>
-            </a:xfrm>
-            <a:prstGeom prst="line">
-              <a:avLst/>
-            </a:prstGeom>
-            <a:solidFill>
-              <a:schemeClr val="tx1">
-                <a:lumMod val="85000"/>
-                <a:lumOff val="15000"/>
-              </a:schemeClr>
-            </a:solidFill>
-            <a:ln>
-              <a:solidFill>
-                <a:schemeClr val="tx1"/>
-              </a:solidFill>
-              <a:miter lim="800000"/>
-            </a:ln>
-          </p:spPr>
-          <p:style>
-            <a:lnRef idx="1">
-              <a:schemeClr val="accent1"/>
-            </a:lnRef>
-            <a:fillRef idx="0">
-              <a:schemeClr val="accent1"/>
-            </a:fillRef>
-            <a:effectRef idx="0">
-              <a:schemeClr val="accent1"/>
-            </a:effectRef>
-            <a:fontRef idx="minor">
-              <a:schemeClr val="tx1"/>
-            </a:fontRef>
-          </p:style>
-        </p:cxnSp>
-        <p:cxnSp>
-          <p:nvCxnSpPr>
-            <p:cNvPr id="18" name="Straight Connector 17"/>
-            <p:cNvCxnSpPr/>
-            <p:nvPr/>
-          </p:nvCxnSpPr>
-          <p:spPr>
-            <a:xfrm>
-              <a:off x="6885637" y="1386268"/>
-              <a:ext cx="0" cy="640080"/>
-            </a:xfrm>
-            <a:prstGeom prst="line">
-              <a:avLst/>
-            </a:prstGeom>
-            <a:solidFill>
-              <a:schemeClr val="tx1">
-                <a:lumMod val="85000"/>
-                <a:lumOff val="15000"/>
-              </a:schemeClr>
-            </a:solidFill>
-            <a:ln>
-              <a:solidFill>
-                <a:schemeClr val="tx1"/>
-              </a:solidFill>
-              <a:miter lim="800000"/>
-            </a:ln>
-          </p:spPr>
-          <p:style>
-            <a:lnRef idx="1">
-              <a:schemeClr val="accent1"/>
-            </a:lnRef>
-            <a:fillRef idx="0">
-              <a:schemeClr val="accent1"/>
-            </a:fillRef>
-            <a:effectRef idx="0">
-              <a:schemeClr val="accent1"/>
-            </a:effectRef>
-            <a:fontRef idx="minor">
-              <a:schemeClr val="tx1"/>
-            </a:fontRef>
-          </p:style>
-        </p:cxnSp>
-        <p:cxnSp>
-          <p:nvCxnSpPr>
-            <p:cNvPr id="19" name="Straight Connector 18"/>
-            <p:cNvCxnSpPr/>
-            <p:nvPr/>
-          </p:nvCxnSpPr>
-          <p:spPr>
-            <a:xfrm>
-              <a:off x="5318306" y="2031563"/>
-              <a:ext cx="1567331" cy="0"/>
-            </a:xfrm>
-            <a:prstGeom prst="line">
-              <a:avLst/>
-            </a:prstGeom>
-            <a:solidFill>
-              <a:schemeClr val="tx1">
-                <a:lumMod val="85000"/>
-                <a:lumOff val="15000"/>
-              </a:schemeClr>
-            </a:solidFill>
-            <a:ln>
-              <a:solidFill>
-                <a:schemeClr val="tx1"/>
-              </a:solidFill>
-              <a:miter lim="800000"/>
-            </a:ln>
-          </p:spPr>
-          <p:style>
-            <a:lnRef idx="1">
-              <a:schemeClr val="accent1"/>
-            </a:lnRef>
-            <a:fillRef idx="0">
-              <a:schemeClr val="accent1"/>
-            </a:fillRef>
-            <a:effectRef idx="0">
-              <a:schemeClr val="accent1"/>
-            </a:effectRef>
-            <a:fontRef idx="minor">
-              <a:schemeClr val="tx1"/>
-            </a:fontRef>
-          </p:style>
-        </p:cxnSp>
-      </p:grpSp>
-      <p:sp>
-        <p:nvSpPr>
-          <p:cNvPr id="2" name="Title 1"/>
-          <p:cNvSpPr>
-            <a:spLocks noGrp="1"/>
-          </p:cNvSpPr>
-          <p:nvPr>
-            <p:ph type="ctrTitle"/>
-          </p:nvPr>
-        </p:nvSpPr>
-        <p:spPr>
-          <a:xfrm>
-            <a:off x="1561708" y="2091263"/>
-            <a:ext cx="9068586" cy="2590800"/>
-          </a:xfrm>
-        </p:spPr>
-        <p:txBody>
-          <a:bodyPr tIns="45720" bIns="45720" anchor="ctr">
-            <a:noAutofit/>
-          </a:bodyPr>
-          <a:lstStyle>
-            <a:lvl1pPr algn="ctr">
-              <a:lnSpc>
-                <a:spcPct val="83000"/>
-              </a:lnSpc>
-              <a:defRPr lang="en-US" sz="7200" b="0" kern="1200" cap="all" spc="-100" baseline="0" dirty="0">
-                <a:solidFill>
-                  <a:schemeClr val="tx1">
-                    <a:lumMod val="85000"/>
-                    <a:lumOff val="15000"/>
-                  </a:schemeClr>
-                </a:solidFill>
-                <a:effectLst/>
-                <a:latin typeface="+mj-lt"/>
-                <a:ea typeface="+mn-ea"/>
-                <a:cs typeface="+mn-cs"/>
-              </a:defRPr>
-            </a:lvl1pPr>
-          </a:lstStyle>
-          <a:p>
-            <a:r>
-              <a:rPr lang="pt-PT"/>
-              <a:t>Clique para editar o estilo de título do Modelo Global</a:t>
-            </a:r>
-            <a:endParaRPr lang="en-US" dirty="0"/>
-          </a:p>
-        </p:txBody>
-      </p:sp>
-      <p:sp>
-        <p:nvSpPr>
-          <p:cNvPr id="3" name="Subtitle 2"/>
-          <p:cNvSpPr>
-            <a:spLocks noGrp="1"/>
-          </p:cNvSpPr>
-          <p:nvPr>
-            <p:ph type="subTitle" idx="1"/>
-          </p:nvPr>
-        </p:nvSpPr>
-        <p:spPr>
-          <a:xfrm>
-            <a:off x="1562100" y="4682062"/>
-            <a:ext cx="9070848" cy="457201"/>
-          </a:xfrm>
-        </p:spPr>
-        <p:txBody>
-          <a:bodyPr>
-            <a:normAutofit/>
-          </a:bodyPr>
-          <a:lstStyle>
-            <a:lvl1pPr marL="0" indent="0" algn="ctr">
-              <a:spcBef>
-                <a:spcPts val="0"/>
-              </a:spcBef>
-              <a:buNone/>
-              <a:defRPr sz="1600" spc="80" baseline="0">
-                <a:solidFill>
-                  <a:schemeClr val="tx1"/>
-                </a:solidFill>
-              </a:defRPr>
-            </a:lvl1pPr>
-            <a:lvl2pPr marL="457200" indent="0" algn="ctr">
-              <a:buNone/>
-              <a:defRPr sz="1600"/>
-            </a:lvl2pPr>
-            <a:lvl3pPr marL="914400" indent="0" algn="ctr">
-              <a:buNone/>
-              <a:defRPr sz="1600"/>
-            </a:lvl3pPr>
-            <a:lvl4pPr marL="1371600" indent="0" algn="ctr">
-              <a:buNone/>
-              <a:defRPr sz="1600"/>
-            </a:lvl4pPr>
-            <a:lvl5pPr marL="1828800" indent="0" algn="ctr">
-              <a:buNone/>
-              <a:defRPr sz="1600"/>
-            </a:lvl5pPr>
-            <a:lvl6pPr marL="2286000" indent="0" algn="ctr">
-              <a:buNone/>
-              <a:defRPr sz="1600"/>
-            </a:lvl6pPr>
-            <a:lvl7pPr marL="2743200" indent="0" algn="ctr">
-              <a:buNone/>
-              <a:defRPr sz="1600"/>
-            </a:lvl7pPr>
-            <a:lvl8pPr marL="3200400" indent="0" algn="ctr">
-              <a:buNone/>
-              <a:defRPr sz="1600"/>
-            </a:lvl8pPr>
-            <a:lvl9pPr marL="3657600" indent="0" algn="ctr">
-              <a:buNone/>
-              <a:defRPr sz="1600"/>
-            </a:lvl9pPr>
-          </a:lstStyle>
-          <a:p>
-            <a:r>
-              <a:rPr lang="pt-PT"/>
-              <a:t>Clique para editar o estilo de subtítulo do Modelo Global</a:t>
-            </a:r>
-            <a:endParaRPr lang="en-US" dirty="0"/>
-          </a:p>
-        </p:txBody>
-      </p:sp>
-      <p:sp>
-        <p:nvSpPr>
-          <p:cNvPr id="20" name="Date Placeholder 19"/>
-          <p:cNvSpPr>
-            <a:spLocks noGrp="1"/>
-          </p:cNvSpPr>
-          <p:nvPr>
-            <p:ph type="dt" sz="half" idx="10"/>
-          </p:nvPr>
-        </p:nvSpPr>
-        <p:spPr>
-          <a:xfrm>
-            <a:off x="5318760" y="1341255"/>
-            <a:ext cx="1554480" cy="527213"/>
-          </a:xfrm>
-        </p:spPr>
-        <p:txBody>
-          <a:bodyPr/>
-          <a:lstStyle>
-            <a:lvl1pPr algn="ctr">
-              <a:defRPr sz="1300" spc="0" baseline="0">
-                <a:solidFill>
-                  <a:schemeClr val="tx1"/>
-                </a:solidFill>
-                <a:latin typeface="+mn-lt"/>
-              </a:defRPr>
-            </a:lvl1pPr>
-          </a:lstStyle>
-          <a:p>
-            <a:fld id="{91162ED4-134C-4E94-B418-E67EB33BE706}" type="datetimeFigureOut">
-              <a:rPr lang="pt-PT" smtClean="0"/>
-              <a:t>09/05/2022</a:t>
-            </a:fld>
-            <a:endParaRPr lang="pt-PT"/>
-          </a:p>
-        </p:txBody>
-      </p:sp>
-      <p:sp>
-        <p:nvSpPr>
-          <p:cNvPr id="21" name="Footer Placeholder 20"/>
-          <p:cNvSpPr>
-            <a:spLocks noGrp="1"/>
-          </p:cNvSpPr>
-          <p:nvPr>
-            <p:ph type="ftr" sz="quarter" idx="11"/>
-          </p:nvPr>
-        </p:nvSpPr>
-        <p:spPr>
-          <a:xfrm>
-            <a:off x="1453896" y="5211060"/>
-            <a:ext cx="5905500" cy="228600"/>
-          </a:xfrm>
-        </p:spPr>
-        <p:txBody>
-          <a:bodyPr/>
-          <a:lstStyle>
-            <a:lvl1pPr algn="l">
-              <a:defRPr>
-                <a:solidFill>
-                  <a:schemeClr val="tx1">
-                    <a:lumMod val="75000"/>
-                    <a:lumOff val="25000"/>
-                  </a:schemeClr>
-                </a:solidFill>
-              </a:defRPr>
-            </a:lvl1pPr>
-          </a:lstStyle>
-          <a:p>
-            <a:endParaRPr lang="pt-PT"/>
-          </a:p>
-        </p:txBody>
-      </p:sp>
-      <p:sp>
-        <p:nvSpPr>
-          <p:cNvPr id="22" name="Slide Number Placeholder 21"/>
-          <p:cNvSpPr>
-            <a:spLocks noGrp="1"/>
-          </p:cNvSpPr>
-          <p:nvPr>
-            <p:ph type="sldNum" sz="quarter" idx="12"/>
-          </p:nvPr>
-        </p:nvSpPr>
-        <p:spPr>
-          <a:xfrm>
-            <a:off x="8606919" y="5212080"/>
-            <a:ext cx="2111881" cy="228600"/>
-          </a:xfrm>
-        </p:spPr>
-        <p:txBody>
-          <a:bodyPr/>
-          <a:lstStyle>
-            <a:lvl1pPr>
-              <a:defRPr>
-                <a:solidFill>
-                  <a:schemeClr val="tx1">
-                    <a:lumMod val="75000"/>
-                    <a:lumOff val="25000"/>
-                  </a:schemeClr>
-                </a:solidFill>
-              </a:defRPr>
-            </a:lvl1pPr>
-          </a:lstStyle>
-          <a:p>
-            <a:fld id="{35316921-4203-44BE-8831-A6F053BB954C}" type="slidenum">
-              <a:rPr lang="pt-PT" smtClean="0"/>
-              <a:t>‹nº›</a:t>
-            </a:fld>
-            <a:endParaRPr lang="pt-PT"/>
-          </a:p>
-        </p:txBody>
-      </p:sp>
-    </p:spTree>
-    <p:extLst>
-      <p:ext uri="{BB962C8B-B14F-4D97-AF65-F5344CB8AC3E}">
-        <p14:creationId xmlns:p14="http://schemas.microsoft.com/office/powerpoint/2010/main" val="3192859320"/>
-      </p:ext>
-    </p:extLst>
-  </p:cSld>
-  <p:clrMapOvr>
-    <a:overrideClrMapping bg1="lt1" tx1="dk1" bg2="lt2" tx2="dk2" accent1="accent1" accent2="accent2" accent3="accent3" accent4="accent4" accent5="accent5" accent6="accent6" hlink="hlink" folHlink="folHlink"/>
-  </p:clrMapOvr>
-</p:sldLayout>
-</file>
-
-<file path=ppt/slideLayouts/slideLayout13.xml><?xml version="1.0" encoding="utf-8"?>
-<p:sldLayout xmlns:a="http://schemas.openxmlformats.org/drawingml/2006/main" xmlns:r="http://schemas.openxmlformats.org/officeDocument/2006/relationships" xmlns:p="http://schemas.openxmlformats.org/presentationml/2006/main" type="obj" preserve="1">
-  <p:cSld name="Título e Objeto">
-    <p:spTree>
-      <p:nvGrpSpPr>
-        <p:cNvPr id="1" name=""/>
-        <p:cNvGrpSpPr/>
-        <p:nvPr/>
-      </p:nvGrpSpPr>
-      <p:grpSpPr>
-        <a:xfrm>
-          <a:off x="0" y="0"/>
-          <a:ext cx="0" cy="0"/>
-          <a:chOff x="0" y="0"/>
-          <a:chExt cx="0" cy="0"/>
-        </a:xfrm>
-      </p:grpSpPr>
-      <p:sp>
-        <p:nvSpPr>
-          <p:cNvPr id="2" name="Title 1"/>
-          <p:cNvSpPr>
-            <a:spLocks noGrp="1"/>
-          </p:cNvSpPr>
-          <p:nvPr>
-            <p:ph type="title"/>
-          </p:nvPr>
-        </p:nvSpPr>
-        <p:spPr/>
-        <p:txBody>
-          <a:bodyPr/>
-          <a:lstStyle/>
-          <a:p>
-            <a:r>
-              <a:rPr lang="pt-PT"/>
-              <a:t>Clique para editar o estilo de título do Modelo Global</a:t>
-            </a:r>
-            <a:endParaRPr lang="en-US" dirty="0"/>
-          </a:p>
-        </p:txBody>
-      </p:sp>
-      <p:sp>
-        <p:nvSpPr>
-          <p:cNvPr id="3" name="Content Placeholder 2"/>
-          <p:cNvSpPr>
-            <a:spLocks noGrp="1"/>
-          </p:cNvSpPr>
-          <p:nvPr>
-            <p:ph idx="1"/>
-          </p:nvPr>
-        </p:nvSpPr>
-        <p:spPr/>
-        <p:txBody>
-          <a:bodyPr/>
-          <a:lstStyle/>
-          <a:p>
-            <a:pPr lvl="0"/>
-            <a:r>
-              <a:rPr lang="pt-PT"/>
-              <a:t>Clique para editar os estilos do texto de Modelo Global</a:t>
-            </a:r>
-          </a:p>
-          <a:p>
-            <a:pPr lvl="1"/>
-            <a:r>
-              <a:rPr lang="pt-PT"/>
-              <a:t>Segundo nível</a:t>
-            </a:r>
-          </a:p>
-          <a:p>
-            <a:pPr lvl="2"/>
-            <a:r>
-              <a:rPr lang="pt-PT"/>
-              <a:t>Terceiro nível</a:t>
-            </a:r>
-          </a:p>
-          <a:p>
-            <a:pPr lvl="3"/>
-            <a:r>
-              <a:rPr lang="pt-PT"/>
-              <a:t>Quarto nível</a:t>
-            </a:r>
-          </a:p>
-          <a:p>
-            <a:pPr lvl="4"/>
-            <a:r>
-              <a:rPr lang="pt-PT"/>
-              <a:t>Quinto nível</a:t>
-            </a:r>
-            <a:endParaRPr lang="en-US" dirty="0"/>
-          </a:p>
-        </p:txBody>
-      </p:sp>
-      <p:sp>
-        <p:nvSpPr>
-          <p:cNvPr id="7" name="Date Placeholder 6"/>
-          <p:cNvSpPr>
-            <a:spLocks noGrp="1"/>
-          </p:cNvSpPr>
-          <p:nvPr>
-            <p:ph type="dt" sz="half" idx="10"/>
-          </p:nvPr>
-        </p:nvSpPr>
-        <p:spPr/>
-        <p:txBody>
-          <a:bodyPr/>
-          <a:lstStyle/>
-          <a:p>
-            <a:fld id="{91162ED4-134C-4E94-B418-E67EB33BE706}" type="datetimeFigureOut">
-              <a:rPr lang="pt-PT" smtClean="0"/>
-              <a:t>09/05/2022</a:t>
-            </a:fld>
-            <a:endParaRPr lang="pt-PT"/>
-          </a:p>
-        </p:txBody>
-      </p:sp>
-      <p:sp>
-        <p:nvSpPr>
-          <p:cNvPr id="8" name="Footer Placeholder 7"/>
-          <p:cNvSpPr>
-            <a:spLocks noGrp="1"/>
-          </p:cNvSpPr>
-          <p:nvPr>
-            <p:ph type="ftr" sz="quarter" idx="11"/>
-          </p:nvPr>
-        </p:nvSpPr>
-        <p:spPr/>
-        <p:txBody>
-          <a:bodyPr/>
-          <a:lstStyle/>
-          <a:p>
-            <a:endParaRPr lang="pt-PT"/>
-          </a:p>
-        </p:txBody>
-      </p:sp>
-      <p:sp>
-        <p:nvSpPr>
-          <p:cNvPr id="9" name="Slide Number Placeholder 8"/>
-          <p:cNvSpPr>
-            <a:spLocks noGrp="1"/>
-          </p:cNvSpPr>
-          <p:nvPr>
-            <p:ph type="sldNum" sz="quarter" idx="12"/>
-          </p:nvPr>
-        </p:nvSpPr>
-        <p:spPr/>
-        <p:txBody>
-          <a:bodyPr/>
-          <a:lstStyle/>
-          <a:p>
-            <a:fld id="{35316921-4203-44BE-8831-A6F053BB954C}" type="slidenum">
-              <a:rPr lang="pt-PT" smtClean="0"/>
-              <a:t>‹nº›</a:t>
-            </a:fld>
-            <a:endParaRPr lang="pt-PT"/>
-          </a:p>
-        </p:txBody>
-      </p:sp>
-    </p:spTree>
-    <p:extLst>
-      <p:ext uri="{BB962C8B-B14F-4D97-AF65-F5344CB8AC3E}">
-        <p14:creationId xmlns:p14="http://schemas.microsoft.com/office/powerpoint/2010/main" val="2882852077"/>
-      </p:ext>
-    </p:extLst>
-  </p:cSld>
-  <p:clrMapOvr>
-    <a:masterClrMapping/>
-  </p:clrMapOvr>
-</p:sldLayout>
-</file>
-
-<file path=ppt/slideLayouts/slideLayout14.xml><?xml version="1.0" encoding="utf-8"?>
-<p:sldLayout xmlns:a="http://schemas.openxmlformats.org/drawingml/2006/main" xmlns:r="http://schemas.openxmlformats.org/officeDocument/2006/relationships" xmlns:p="http://schemas.openxmlformats.org/presentationml/2006/main" showMasterSp="0" type="secHead" preserve="1">
-  <p:cSld name="Cabeçalho da Secção">
-    <p:bg>
-      <p:bgRef idx="1002">
-        <a:schemeClr val="bg2"/>
-      </p:bgRef>
-    </p:bg>
-    <p:spTree>
-      <p:nvGrpSpPr>
-        <p:cNvPr id="1" name=""/>
-        <p:cNvGrpSpPr/>
-        <p:nvPr/>
-      </p:nvGrpSpPr>
-      <p:grpSpPr>
-        <a:xfrm>
-          <a:off x="0" y="0"/>
-          <a:ext cx="0" cy="0"/>
-          <a:chOff x="0" y="0"/>
-          <a:chExt cx="0" cy="0"/>
-        </a:xfrm>
-      </p:grpSpPr>
-      <p:sp>
-        <p:nvSpPr>
-          <p:cNvPr id="22" name="Rectangle 21"/>
-          <p:cNvSpPr/>
-          <p:nvPr/>
-        </p:nvSpPr>
-        <p:spPr>
-          <a:xfrm>
-            <a:off x="0" y="0"/>
-            <a:ext cx="12192000" cy="6858000"/>
-          </a:xfrm>
-          <a:prstGeom prst="rect">
-            <a:avLst/>
-          </a:prstGeom>
-          <a:blipFill dpi="0" rotWithShape="1">
-            <a:blip r:embed="rId2">
-              <a:alphaModFix amt="45000"/>
-              <a:duotone>
-                <a:schemeClr val="accent2">
-                  <a:shade val="45000"/>
-                  <a:satMod val="135000"/>
-                </a:schemeClr>
-                <a:prstClr val="white"/>
-              </a:duotone>
-            </a:blip>
-            <a:srcRect/>
-            <a:tile tx="-44450" ty="38100" sx="85000" sy="85000" flip="none" algn="tl"/>
-          </a:blipFill>
-          <a:ln>
-            <a:noFill/>
-          </a:ln>
-        </p:spPr>
-        <p:style>
-          <a:lnRef idx="2">
-            <a:schemeClr val="accent1">
-              <a:shade val="50000"/>
-            </a:schemeClr>
-          </a:lnRef>
-          <a:fillRef idx="1">
-            <a:schemeClr val="accent1"/>
-          </a:fillRef>
-          <a:effectRef idx="0">
-            <a:schemeClr val="accent1"/>
-          </a:effectRef>
-          <a:fontRef idx="minor">
-            <a:schemeClr val="lt1"/>
-          </a:fontRef>
-        </p:style>
-      </p:sp>
-      <p:sp>
-        <p:nvSpPr>
-          <p:cNvPr id="23" name="Rectangle 22"/>
-          <p:cNvSpPr/>
-          <p:nvPr/>
-        </p:nvSpPr>
-        <p:spPr>
-          <a:xfrm>
-            <a:off x="1307870" y="1267730"/>
-            <a:ext cx="9576262" cy="4307950"/>
-          </a:xfrm>
-          <a:prstGeom prst="rect">
-            <a:avLst/>
-          </a:prstGeom>
-          <a:solidFill>
-            <a:schemeClr val="bg1"/>
-          </a:solidFill>
-          <a:ln w="6350" cap="flat" cmpd="sng" algn="ctr">
-            <a:noFill/>
-            <a:prstDash val="solid"/>
-          </a:ln>
-          <a:effectLst>
-            <a:outerShdw blurRad="50800" algn="ctr" rotWithShape="0">
-              <a:prstClr val="black">
-                <a:alpha val="66000"/>
-              </a:prstClr>
-            </a:outerShdw>
-            <a:softEdge rad="0"/>
-          </a:effectLst>
-        </p:spPr>
-      </p:sp>
-      <p:sp>
-        <p:nvSpPr>
-          <p:cNvPr id="24" name="Rectangle 23"/>
-          <p:cNvSpPr/>
-          <p:nvPr/>
-        </p:nvSpPr>
-        <p:spPr>
-          <a:xfrm>
-            <a:off x="1447800" y="1411615"/>
-            <a:ext cx="9296400" cy="4034770"/>
-          </a:xfrm>
-          <a:prstGeom prst="rect">
-            <a:avLst/>
-          </a:prstGeom>
-          <a:noFill/>
-          <a:ln w="6350" cap="sq" cmpd="sng" algn="ctr">
-            <a:solidFill>
-              <a:schemeClr val="tx1">
-                <a:lumMod val="75000"/>
-                <a:lumOff val="25000"/>
-              </a:schemeClr>
-            </a:solidFill>
-            <a:prstDash val="solid"/>
-            <a:miter lim="800000"/>
-          </a:ln>
-          <a:effectLst/>
-        </p:spPr>
-      </p:sp>
-      <p:sp>
-        <p:nvSpPr>
-          <p:cNvPr id="30" name="Rectangle 29"/>
-          <p:cNvSpPr/>
-          <p:nvPr/>
-        </p:nvSpPr>
-        <p:spPr>
-          <a:xfrm>
-            <a:off x="5135880" y="1267730"/>
-            <a:ext cx="1920240" cy="731520"/>
-          </a:xfrm>
-          <a:prstGeom prst="rect">
-            <a:avLst/>
-          </a:prstGeom>
-          <a:solidFill>
-            <a:schemeClr val="bg2"/>
-          </a:solidFill>
-          <a:ln>
-            <a:noFill/>
-          </a:ln>
-        </p:spPr>
-        <p:style>
-          <a:lnRef idx="2">
-            <a:schemeClr val="accent1">
-              <a:shade val="50000"/>
-            </a:schemeClr>
-          </a:lnRef>
-          <a:fillRef idx="1">
-            <a:schemeClr val="accent1"/>
-          </a:fillRef>
-          <a:effectRef idx="0">
-            <a:schemeClr val="accent1"/>
-          </a:effectRef>
-          <a:fontRef idx="minor">
-            <a:schemeClr val="lt1"/>
-          </a:fontRef>
-        </p:style>
-      </p:sp>
-      <p:grpSp>
-        <p:nvGrpSpPr>
-          <p:cNvPr id="31" name="Group 30"/>
-          <p:cNvGrpSpPr/>
-          <p:nvPr/>
-        </p:nvGrpSpPr>
-        <p:grpSpPr>
-          <a:xfrm>
-            <a:off x="5250180" y="1267730"/>
-            <a:ext cx="1691640" cy="645295"/>
-            <a:chOff x="5318306" y="1386268"/>
-            <a:chExt cx="1567331" cy="645295"/>
-          </a:xfrm>
-        </p:grpSpPr>
-        <p:cxnSp>
-          <p:nvCxnSpPr>
-            <p:cNvPr id="32" name="Straight Connector 31"/>
-            <p:cNvCxnSpPr/>
-            <p:nvPr/>
-          </p:nvCxnSpPr>
-          <p:spPr>
-            <a:xfrm>
-              <a:off x="5318306" y="1386268"/>
-              <a:ext cx="0" cy="640080"/>
-            </a:xfrm>
-            <a:prstGeom prst="line">
-              <a:avLst/>
-            </a:prstGeom>
-            <a:solidFill>
-              <a:schemeClr val="tx1">
-                <a:lumMod val="85000"/>
-                <a:lumOff val="15000"/>
-              </a:schemeClr>
-            </a:solidFill>
-            <a:ln>
-              <a:solidFill>
-                <a:schemeClr val="tx1"/>
-              </a:solidFill>
-              <a:miter lim="800000"/>
-            </a:ln>
-          </p:spPr>
-          <p:style>
-            <a:lnRef idx="1">
-              <a:schemeClr val="accent1"/>
-            </a:lnRef>
-            <a:fillRef idx="0">
-              <a:schemeClr val="accent1"/>
-            </a:fillRef>
-            <a:effectRef idx="0">
-              <a:schemeClr val="accent1"/>
-            </a:effectRef>
-            <a:fontRef idx="minor">
-              <a:schemeClr val="tx1"/>
-            </a:fontRef>
-          </p:style>
-        </p:cxnSp>
-        <p:cxnSp>
-          <p:nvCxnSpPr>
-            <p:cNvPr id="33" name="Straight Connector 32"/>
-            <p:cNvCxnSpPr/>
-            <p:nvPr/>
-          </p:nvCxnSpPr>
-          <p:spPr>
-            <a:xfrm>
-              <a:off x="6885637" y="1386268"/>
-              <a:ext cx="0" cy="640080"/>
-            </a:xfrm>
-            <a:prstGeom prst="line">
-              <a:avLst/>
-            </a:prstGeom>
-            <a:solidFill>
-              <a:schemeClr val="tx1">
-                <a:lumMod val="85000"/>
-                <a:lumOff val="15000"/>
-              </a:schemeClr>
-            </a:solidFill>
-            <a:ln>
-              <a:solidFill>
-                <a:schemeClr val="tx1"/>
-              </a:solidFill>
-              <a:miter lim="800000"/>
-            </a:ln>
-          </p:spPr>
-          <p:style>
-            <a:lnRef idx="1">
-              <a:schemeClr val="accent1"/>
-            </a:lnRef>
-            <a:fillRef idx="0">
-              <a:schemeClr val="accent1"/>
-            </a:fillRef>
-            <a:effectRef idx="0">
-              <a:schemeClr val="accent1"/>
-            </a:effectRef>
-            <a:fontRef idx="minor">
-              <a:schemeClr val="tx1"/>
-            </a:fontRef>
-          </p:style>
-        </p:cxnSp>
-        <p:cxnSp>
-          <p:nvCxnSpPr>
-            <p:cNvPr id="34" name="Straight Connector 33"/>
-            <p:cNvCxnSpPr/>
-            <p:nvPr/>
-          </p:nvCxnSpPr>
-          <p:spPr>
-            <a:xfrm>
-              <a:off x="5318306" y="2031563"/>
-              <a:ext cx="1567331" cy="0"/>
-            </a:xfrm>
-            <a:prstGeom prst="line">
-              <a:avLst/>
-            </a:prstGeom>
-            <a:solidFill>
-              <a:schemeClr val="tx1">
-                <a:lumMod val="85000"/>
-                <a:lumOff val="15000"/>
-              </a:schemeClr>
-            </a:solidFill>
-            <a:ln>
-              <a:solidFill>
-                <a:schemeClr val="tx1"/>
-              </a:solidFill>
-              <a:miter lim="800000"/>
-            </a:ln>
-          </p:spPr>
-          <p:style>
-            <a:lnRef idx="1">
-              <a:schemeClr val="accent1"/>
-            </a:lnRef>
-            <a:fillRef idx="0">
-              <a:schemeClr val="accent1"/>
-            </a:fillRef>
-            <a:effectRef idx="0">
-              <a:schemeClr val="accent1"/>
-            </a:effectRef>
-            <a:fontRef idx="minor">
-              <a:schemeClr val="tx1"/>
-            </a:fontRef>
-          </p:style>
-        </p:cxnSp>
-      </p:grpSp>
-      <p:sp>
-        <p:nvSpPr>
-          <p:cNvPr id="2" name="Title 1"/>
-          <p:cNvSpPr>
-            <a:spLocks noGrp="1"/>
-          </p:cNvSpPr>
-          <p:nvPr>
-            <p:ph type="title"/>
-          </p:nvPr>
-        </p:nvSpPr>
-        <p:spPr>
-          <a:xfrm>
-            <a:off x="1563623" y="2094309"/>
-            <a:ext cx="9070848" cy="2587752"/>
-          </a:xfrm>
-        </p:spPr>
-        <p:txBody>
-          <a:bodyPr anchor="ctr">
-            <a:noAutofit/>
-          </a:bodyPr>
-          <a:lstStyle>
-            <a:lvl1pPr algn="ctr">
-              <a:lnSpc>
-                <a:spcPct val="83000"/>
-              </a:lnSpc>
-              <a:defRPr lang="en-US" sz="7200" kern="1200" cap="all" spc="-100" baseline="0" dirty="0">
-                <a:solidFill>
-                  <a:schemeClr val="tx1">
-                    <a:lumMod val="85000"/>
-                    <a:lumOff val="15000"/>
-                  </a:schemeClr>
-                </a:solidFill>
-                <a:effectLst/>
-                <a:latin typeface="+mj-lt"/>
-                <a:ea typeface="+mn-ea"/>
-                <a:cs typeface="+mn-cs"/>
-              </a:defRPr>
-            </a:lvl1pPr>
-          </a:lstStyle>
-          <a:p>
-            <a:r>
-              <a:rPr lang="pt-PT"/>
-              <a:t>Clique para editar o estilo de título do Modelo Global</a:t>
-            </a:r>
-            <a:endParaRPr lang="en-US" dirty="0"/>
-          </a:p>
-        </p:txBody>
-      </p:sp>
-      <p:sp>
-        <p:nvSpPr>
-          <p:cNvPr id="3" name="Text Placeholder 2"/>
-          <p:cNvSpPr>
-            <a:spLocks noGrp="1"/>
-          </p:cNvSpPr>
-          <p:nvPr>
-            <p:ph type="body" idx="1"/>
-          </p:nvPr>
-        </p:nvSpPr>
-        <p:spPr>
-          <a:xfrm>
-            <a:off x="1563624" y="4682062"/>
-            <a:ext cx="9070848" cy="457200"/>
-          </a:xfrm>
-        </p:spPr>
-        <p:txBody>
-          <a:bodyPr anchor="t">
-            <a:normAutofit/>
-          </a:bodyPr>
-          <a:lstStyle>
-            <a:lvl1pPr marL="0" indent="0" algn="ctr">
-              <a:buNone/>
-              <a:defRPr sz="1600">
-                <a:solidFill>
-                  <a:schemeClr val="tx1"/>
-                </a:solidFill>
-                <a:effectLst/>
-              </a:defRPr>
-            </a:lvl1pPr>
-            <a:lvl2pPr marL="457200" indent="0">
-              <a:buNone/>
-              <a:defRPr sz="1600">
-                <a:solidFill>
-                  <a:schemeClr val="tx1">
-                    <a:tint val="75000"/>
-                  </a:schemeClr>
-                </a:solidFill>
-              </a:defRPr>
-            </a:lvl2pPr>
-            <a:lvl3pPr marL="914400" indent="0">
-              <a:buNone/>
-              <a:defRPr sz="1600">
-                <a:solidFill>
-                  <a:schemeClr val="tx1">
-                    <a:tint val="75000"/>
-                  </a:schemeClr>
-                </a:solidFill>
-              </a:defRPr>
-            </a:lvl3pPr>
-            <a:lvl4pPr marL="1371600" indent="0">
-              <a:buNone/>
-              <a:defRPr sz="1400">
-                <a:solidFill>
-                  <a:schemeClr val="tx1">
-                    <a:tint val="75000"/>
-                  </a:schemeClr>
-                </a:solidFill>
-              </a:defRPr>
-            </a:lvl4pPr>
-            <a:lvl5pPr marL="1828800" indent="0">
-              <a:buNone/>
-              <a:defRPr sz="1400">
-                <a:solidFill>
-                  <a:schemeClr val="tx1">
-                    <a:tint val="75000"/>
-                  </a:schemeClr>
-                </a:solidFill>
-              </a:defRPr>
-            </a:lvl5pPr>
-            <a:lvl6pPr marL="2286000" indent="0">
-              <a:buNone/>
-              <a:defRPr sz="1400">
-                <a:solidFill>
-                  <a:schemeClr val="tx1">
-                    <a:tint val="75000"/>
-                  </a:schemeClr>
-                </a:solidFill>
-              </a:defRPr>
-            </a:lvl6pPr>
-            <a:lvl7pPr marL="2743200" indent="0">
-              <a:buNone/>
-              <a:defRPr sz="1400">
-                <a:solidFill>
-                  <a:schemeClr val="tx1">
-                    <a:tint val="75000"/>
-                  </a:schemeClr>
-                </a:solidFill>
-              </a:defRPr>
-            </a:lvl7pPr>
-            <a:lvl8pPr marL="3200400" indent="0">
-              <a:buNone/>
-              <a:defRPr sz="1400">
-                <a:solidFill>
-                  <a:schemeClr val="tx1">
-                    <a:tint val="75000"/>
-                  </a:schemeClr>
-                </a:solidFill>
-              </a:defRPr>
-            </a:lvl8pPr>
-            <a:lvl9pPr marL="3657600" indent="0">
-              <a:buNone/>
-              <a:defRPr sz="1400">
-                <a:solidFill>
-                  <a:schemeClr val="tx1">
-                    <a:tint val="75000"/>
-                  </a:schemeClr>
-                </a:solidFill>
-              </a:defRPr>
-            </a:lvl9pPr>
-          </a:lstStyle>
-          <a:p>
-            <a:pPr lvl="0"/>
-            <a:r>
-              <a:rPr lang="pt-PT"/>
-              <a:t>Clique para editar os estilos do texto de Modelo Global</a:t>
-            </a:r>
-          </a:p>
-        </p:txBody>
-      </p:sp>
-      <p:sp>
-        <p:nvSpPr>
-          <p:cNvPr id="4" name="Date Placeholder 3"/>
-          <p:cNvSpPr>
-            <a:spLocks noGrp="1"/>
-          </p:cNvSpPr>
-          <p:nvPr>
-            <p:ph type="dt" sz="half" idx="10"/>
-          </p:nvPr>
-        </p:nvSpPr>
-        <p:spPr>
-          <a:xfrm>
-            <a:off x="5321808" y="1344502"/>
-            <a:ext cx="1554480" cy="530352"/>
-          </a:xfrm>
-        </p:spPr>
-        <p:txBody>
-          <a:bodyPr/>
-          <a:lstStyle>
-            <a:lvl1pPr algn="ctr">
-              <a:defRPr lang="en-US" sz="1300" kern="1200" spc="0" baseline="0">
-                <a:solidFill>
-                  <a:schemeClr val="tx1"/>
-                </a:solidFill>
-                <a:latin typeface="+mn-lt"/>
-                <a:ea typeface="+mn-ea"/>
-                <a:cs typeface="+mn-cs"/>
-              </a:defRPr>
-            </a:lvl1pPr>
-          </a:lstStyle>
-          <a:p>
-            <a:fld id="{91162ED4-134C-4E94-B418-E67EB33BE706}" type="datetimeFigureOut">
-              <a:rPr lang="pt-PT" smtClean="0"/>
-              <a:t>09/05/2022</a:t>
-            </a:fld>
-            <a:endParaRPr lang="pt-PT"/>
-          </a:p>
-        </p:txBody>
-      </p:sp>
-      <p:sp>
-        <p:nvSpPr>
-          <p:cNvPr id="5" name="Footer Placeholder 4"/>
-          <p:cNvSpPr>
-            <a:spLocks noGrp="1"/>
-          </p:cNvSpPr>
-          <p:nvPr>
-            <p:ph type="ftr" sz="quarter" idx="11"/>
-          </p:nvPr>
-        </p:nvSpPr>
-        <p:spPr>
-          <a:xfrm>
-            <a:off x="1453553" y="5211060"/>
-            <a:ext cx="5907024" cy="228600"/>
-          </a:xfrm>
-        </p:spPr>
-        <p:txBody>
-          <a:bodyPr/>
-          <a:lstStyle>
-            <a:lvl1pPr algn="l">
-              <a:defRPr/>
-            </a:lvl1pPr>
-          </a:lstStyle>
-          <a:p>
-            <a:endParaRPr lang="pt-PT"/>
-          </a:p>
-        </p:txBody>
-      </p:sp>
-      <p:sp>
-        <p:nvSpPr>
-          <p:cNvPr id="6" name="Slide Number Placeholder 5"/>
-          <p:cNvSpPr>
-            <a:spLocks noGrp="1"/>
-          </p:cNvSpPr>
-          <p:nvPr>
-            <p:ph type="sldNum" sz="quarter" idx="12"/>
-          </p:nvPr>
-        </p:nvSpPr>
-        <p:spPr>
-          <a:xfrm>
-            <a:off x="8604504" y="5211060"/>
-            <a:ext cx="2112264" cy="228600"/>
-          </a:xfrm>
-        </p:spPr>
-        <p:txBody>
-          <a:bodyPr/>
-          <a:lstStyle/>
-          <a:p>
-            <a:fld id="{35316921-4203-44BE-8831-A6F053BB954C}" type="slidenum">
-              <a:rPr lang="pt-PT" smtClean="0"/>
-              <a:t>‹nº›</a:t>
-            </a:fld>
-            <a:endParaRPr lang="pt-PT"/>
-          </a:p>
-        </p:txBody>
-      </p:sp>
-    </p:spTree>
-    <p:extLst>
-      <p:ext uri="{BB962C8B-B14F-4D97-AF65-F5344CB8AC3E}">
-        <p14:creationId xmlns:p14="http://schemas.microsoft.com/office/powerpoint/2010/main" val="3388656653"/>
-      </p:ext>
-    </p:extLst>
-  </p:cSld>
-  <p:clrMapOvr>
-    <a:overrideClrMapping bg1="lt1" tx1="dk1" bg2="lt2" tx2="dk2" accent1="accent1" accent2="accent2" accent3="accent3" accent4="accent4" accent5="accent5" accent6="accent6" hlink="hlink" folHlink="folHlink"/>
-  </p:clrMapOvr>
-</p:sldLayout>
-</file>
-
-<file path=ppt/slideLayouts/slideLayout15.xml><?xml version="1.0" encoding="utf-8"?>
-<p:sldLayout xmlns:a="http://schemas.openxmlformats.org/drawingml/2006/main" xmlns:r="http://schemas.openxmlformats.org/officeDocument/2006/relationships" xmlns:p="http://schemas.openxmlformats.org/presentationml/2006/main" type="twoObj" preserve="1">
-  <p:cSld name="Conteúdo Duplo">
-    <p:spTree>
-      <p:nvGrpSpPr>
-        <p:cNvPr id="1" name=""/>
-        <p:cNvGrpSpPr/>
-        <p:nvPr/>
-      </p:nvGrpSpPr>
-      <p:grpSpPr>
-        <a:xfrm>
-          <a:off x="0" y="0"/>
-          <a:ext cx="0" cy="0"/>
-          <a:chOff x="0" y="0"/>
-          <a:chExt cx="0" cy="0"/>
-        </a:xfrm>
-      </p:grpSpPr>
-      <p:sp>
-        <p:nvSpPr>
-          <p:cNvPr id="8" name="Title 7"/>
-          <p:cNvSpPr>
-            <a:spLocks noGrp="1"/>
-          </p:cNvSpPr>
-          <p:nvPr>
-            <p:ph type="title"/>
-          </p:nvPr>
-        </p:nvSpPr>
-        <p:spPr/>
-        <p:txBody>
-          <a:bodyPr/>
-          <a:lstStyle/>
-          <a:p>
-            <a:r>
-              <a:rPr lang="pt-PT"/>
-              <a:t>Clique para editar o estilo de título do Modelo Global</a:t>
-            </a:r>
-            <a:endParaRPr lang="en-US" dirty="0"/>
-          </a:p>
-        </p:txBody>
-      </p:sp>
-      <p:sp>
-        <p:nvSpPr>
-          <p:cNvPr id="3" name="Content Placeholder 2"/>
-          <p:cNvSpPr>
-            <a:spLocks noGrp="1"/>
-          </p:cNvSpPr>
-          <p:nvPr>
-            <p:ph sz="half" idx="1"/>
-          </p:nvPr>
-        </p:nvSpPr>
-        <p:spPr>
-          <a:xfrm>
-            <a:off x="1066800" y="2103120"/>
-            <a:ext cx="4754880" cy="3749040"/>
-          </a:xfrm>
-        </p:spPr>
-        <p:txBody>
-          <a:bodyPr/>
-          <a:lstStyle>
-            <a:lvl1pPr>
-              <a:defRPr sz="1800"/>
-            </a:lvl1pPr>
-            <a:lvl2pPr>
-              <a:defRPr sz="1600"/>
-            </a:lvl2pPr>
-            <a:lvl3pPr>
-              <a:defRPr sz="1400"/>
-            </a:lvl3pPr>
-            <a:lvl4pPr>
-              <a:defRPr sz="1400"/>
-            </a:lvl4pPr>
-            <a:lvl5pPr>
-              <a:defRPr sz="1400"/>
-            </a:lvl5pPr>
-            <a:lvl6pPr>
-              <a:defRPr sz="1400"/>
-            </a:lvl6pPr>
-            <a:lvl7pPr>
-              <a:defRPr sz="1400"/>
-            </a:lvl7pPr>
-            <a:lvl8pPr>
-              <a:defRPr sz="1400"/>
-            </a:lvl8pPr>
-            <a:lvl9pPr>
-              <a:defRPr sz="1400"/>
-            </a:lvl9pPr>
-          </a:lstStyle>
-          <a:p>
-            <a:pPr lvl="0"/>
-            <a:r>
-              <a:rPr lang="pt-PT"/>
-              <a:t>Clique para editar os estilos do texto de Modelo Global</a:t>
-            </a:r>
-          </a:p>
-          <a:p>
-            <a:pPr lvl="1"/>
-            <a:r>
-              <a:rPr lang="pt-PT"/>
-              <a:t>Segundo nível</a:t>
-            </a:r>
-          </a:p>
-          <a:p>
-            <a:pPr lvl="2"/>
-            <a:r>
-              <a:rPr lang="pt-PT"/>
-              <a:t>Terceiro nível</a:t>
-            </a:r>
-          </a:p>
-          <a:p>
-            <a:pPr lvl="3"/>
-            <a:r>
-              <a:rPr lang="pt-PT"/>
-              <a:t>Quarto nível</a:t>
-            </a:r>
-          </a:p>
-          <a:p>
-            <a:pPr lvl="4"/>
-            <a:r>
-              <a:rPr lang="pt-PT"/>
-              <a:t>Quinto nível</a:t>
-            </a:r>
-            <a:endParaRPr lang="en-US" dirty="0"/>
-          </a:p>
-        </p:txBody>
-      </p:sp>
-      <p:sp>
-        <p:nvSpPr>
-          <p:cNvPr id="4" name="Content Placeholder 3"/>
-          <p:cNvSpPr>
-            <a:spLocks noGrp="1"/>
-          </p:cNvSpPr>
-          <p:nvPr>
-            <p:ph sz="half" idx="2"/>
-          </p:nvPr>
-        </p:nvSpPr>
-        <p:spPr>
-          <a:xfrm>
-            <a:off x="6370320" y="2103120"/>
-            <a:ext cx="4754880" cy="3749040"/>
-          </a:xfrm>
-        </p:spPr>
-        <p:txBody>
-          <a:bodyPr/>
-          <a:lstStyle>
-            <a:lvl1pPr>
-              <a:defRPr sz="1800"/>
-            </a:lvl1pPr>
-            <a:lvl2pPr>
-              <a:defRPr sz="1600"/>
-            </a:lvl2pPr>
-            <a:lvl3pPr>
-              <a:defRPr sz="1400"/>
-            </a:lvl3pPr>
-            <a:lvl4pPr>
-              <a:defRPr sz="1400"/>
-            </a:lvl4pPr>
-            <a:lvl5pPr>
-              <a:defRPr sz="1400"/>
-            </a:lvl5pPr>
-            <a:lvl6pPr>
-              <a:defRPr sz="1400"/>
-            </a:lvl6pPr>
-            <a:lvl7pPr>
-              <a:defRPr sz="1400"/>
-            </a:lvl7pPr>
-            <a:lvl8pPr>
-              <a:defRPr sz="1400"/>
-            </a:lvl8pPr>
-            <a:lvl9pPr>
-              <a:defRPr sz="1400"/>
-            </a:lvl9pPr>
-          </a:lstStyle>
-          <a:p>
-            <a:pPr lvl="0"/>
-            <a:r>
-              <a:rPr lang="pt-PT"/>
-              <a:t>Clique para editar os estilos do texto de Modelo Global</a:t>
-            </a:r>
-          </a:p>
-          <a:p>
-            <a:pPr lvl="1"/>
-            <a:r>
-              <a:rPr lang="pt-PT"/>
-              <a:t>Segundo nível</a:t>
-            </a:r>
-          </a:p>
-          <a:p>
-            <a:pPr lvl="2"/>
-            <a:r>
-              <a:rPr lang="pt-PT"/>
-              <a:t>Terceiro nível</a:t>
-            </a:r>
-          </a:p>
-          <a:p>
-            <a:pPr lvl="3"/>
-            <a:r>
-              <a:rPr lang="pt-PT"/>
-              <a:t>Quarto nível</a:t>
-            </a:r>
-          </a:p>
-          <a:p>
-            <a:pPr lvl="4"/>
-            <a:r>
-              <a:rPr lang="pt-PT"/>
-              <a:t>Quinto nível</a:t>
-            </a:r>
-            <a:endParaRPr lang="en-US" dirty="0"/>
-          </a:p>
-        </p:txBody>
-      </p:sp>
-      <p:sp>
-        <p:nvSpPr>
-          <p:cNvPr id="5" name="Date Placeholder 4"/>
-          <p:cNvSpPr>
-            <a:spLocks noGrp="1"/>
-          </p:cNvSpPr>
-          <p:nvPr>
-            <p:ph type="dt" sz="half" idx="10"/>
-          </p:nvPr>
-        </p:nvSpPr>
-        <p:spPr/>
-        <p:txBody>
-          <a:bodyPr/>
-          <a:lstStyle/>
-          <a:p>
-            <a:fld id="{91162ED4-134C-4E94-B418-E67EB33BE706}" type="datetimeFigureOut">
-              <a:rPr lang="pt-PT" smtClean="0"/>
-              <a:t>09/05/2022</a:t>
-            </a:fld>
-            <a:endParaRPr lang="pt-PT"/>
-          </a:p>
-        </p:txBody>
-      </p:sp>
-      <p:sp>
-        <p:nvSpPr>
-          <p:cNvPr id="6" name="Footer Placeholder 5"/>
-          <p:cNvSpPr>
-            <a:spLocks noGrp="1"/>
-          </p:cNvSpPr>
-          <p:nvPr>
-            <p:ph type="ftr" sz="quarter" idx="11"/>
-          </p:nvPr>
-        </p:nvSpPr>
-        <p:spPr/>
-        <p:txBody>
-          <a:bodyPr/>
-          <a:lstStyle/>
-          <a:p>
-            <a:endParaRPr lang="pt-PT"/>
-          </a:p>
-        </p:txBody>
-      </p:sp>
-      <p:sp>
-        <p:nvSpPr>
-          <p:cNvPr id="7" name="Slide Number Placeholder 6"/>
-          <p:cNvSpPr>
-            <a:spLocks noGrp="1"/>
-          </p:cNvSpPr>
-          <p:nvPr>
-            <p:ph type="sldNum" sz="quarter" idx="12"/>
-          </p:nvPr>
-        </p:nvSpPr>
-        <p:spPr/>
-        <p:txBody>
-          <a:bodyPr/>
-          <a:lstStyle/>
-          <a:p>
-            <a:fld id="{35316921-4203-44BE-8831-A6F053BB954C}" type="slidenum">
-              <a:rPr lang="pt-PT" smtClean="0"/>
-              <a:t>‹nº›</a:t>
-            </a:fld>
-            <a:endParaRPr lang="pt-PT"/>
-          </a:p>
-        </p:txBody>
-      </p:sp>
-    </p:spTree>
-    <p:extLst>
-      <p:ext uri="{BB962C8B-B14F-4D97-AF65-F5344CB8AC3E}">
-        <p14:creationId xmlns:p14="http://schemas.microsoft.com/office/powerpoint/2010/main" val="913690837"/>
-      </p:ext>
-    </p:extLst>
-  </p:cSld>
-  <p:clrMapOvr>
-    <a:masterClrMapping/>
-  </p:clrMapOvr>
-</p:sldLayout>
-</file>
-
-<file path=ppt/slideLayouts/slideLayout16.xml><?xml version="1.0" encoding="utf-8"?>
-<p:sldLayout xmlns:a="http://schemas.openxmlformats.org/drawingml/2006/main" xmlns:r="http://schemas.openxmlformats.org/officeDocument/2006/relationships" xmlns:p="http://schemas.openxmlformats.org/presentationml/2006/main" type="twoTxTwoObj" preserve="1">
-  <p:cSld name="Comparação">
-    <p:spTree>
-      <p:nvGrpSpPr>
-        <p:cNvPr id="1" name=""/>
-        <p:cNvGrpSpPr/>
-        <p:nvPr/>
-      </p:nvGrpSpPr>
-      <p:grpSpPr>
-        <a:xfrm>
-          <a:off x="0" y="0"/>
-          <a:ext cx="0" cy="0"/>
-          <a:chOff x="0" y="0"/>
-          <a:chExt cx="0" cy="0"/>
-        </a:xfrm>
-      </p:grpSpPr>
-      <p:sp>
-        <p:nvSpPr>
-          <p:cNvPr id="2" name="Title 1"/>
-          <p:cNvSpPr>
-            <a:spLocks noGrp="1"/>
-          </p:cNvSpPr>
-          <p:nvPr>
-            <p:ph type="title"/>
-          </p:nvPr>
-        </p:nvSpPr>
-        <p:spPr/>
-        <p:txBody>
-          <a:bodyPr/>
-          <a:lstStyle/>
-          <a:p>
-            <a:r>
-              <a:rPr lang="pt-PT"/>
-              <a:t>Clique para editar o estilo de título do Modelo Global</a:t>
-            </a:r>
-            <a:endParaRPr lang="en-US" dirty="0"/>
-          </a:p>
-        </p:txBody>
-      </p:sp>
-      <p:sp>
-        <p:nvSpPr>
-          <p:cNvPr id="3" name="Text Placeholder 2"/>
-          <p:cNvSpPr>
-            <a:spLocks noGrp="1"/>
-          </p:cNvSpPr>
-          <p:nvPr>
-            <p:ph type="body" idx="1"/>
-          </p:nvPr>
-        </p:nvSpPr>
-        <p:spPr>
-          <a:xfrm>
-            <a:off x="1069848" y="2074334"/>
-            <a:ext cx="4754880" cy="640080"/>
-          </a:xfrm>
-        </p:spPr>
-        <p:txBody>
-          <a:bodyPr anchor="ctr">
-            <a:normAutofit/>
-          </a:bodyPr>
-          <a:lstStyle>
-            <a:lvl1pPr marL="0" indent="0" algn="ctr">
-              <a:spcBef>
-                <a:spcPts val="0"/>
-              </a:spcBef>
-              <a:buNone/>
-              <a:defRPr sz="1900" b="0">
-                <a:solidFill>
-                  <a:schemeClr val="tx2"/>
-                </a:solidFill>
-                <a:latin typeface="+mn-lt"/>
-              </a:defRPr>
-            </a:lvl1pPr>
-            <a:lvl2pPr marL="457200" indent="0">
-              <a:buNone/>
-              <a:defRPr sz="1900" b="1"/>
-            </a:lvl2pPr>
-            <a:lvl3pPr marL="914400" indent="0">
-              <a:buNone/>
-              <a:defRPr sz="1800" b="1"/>
-            </a:lvl3pPr>
-            <a:lvl4pPr marL="1371600" indent="0">
-              <a:buNone/>
-              <a:defRPr sz="1600" b="1"/>
-            </a:lvl4pPr>
-            <a:lvl5pPr marL="1828800" indent="0">
-              <a:buNone/>
-              <a:defRPr sz="1600" b="1"/>
-            </a:lvl5pPr>
-            <a:lvl6pPr marL="2286000" indent="0">
-              <a:buNone/>
-              <a:defRPr sz="1600" b="1"/>
-            </a:lvl6pPr>
-            <a:lvl7pPr marL="2743200" indent="0">
-              <a:buNone/>
-              <a:defRPr sz="1600" b="1"/>
-            </a:lvl7pPr>
-            <a:lvl8pPr marL="3200400" indent="0">
-              <a:buNone/>
-              <a:defRPr sz="1600" b="1"/>
-            </a:lvl8pPr>
-            <a:lvl9pPr marL="3657600" indent="0">
-              <a:buNone/>
-              <a:defRPr sz="1600" b="1"/>
-            </a:lvl9pPr>
-          </a:lstStyle>
-          <a:p>
-            <a:pPr lvl="0"/>
-            <a:r>
-              <a:rPr lang="pt-PT"/>
-              <a:t>Clique para editar os estilos do texto de Modelo Global</a:t>
-            </a:r>
-          </a:p>
-        </p:txBody>
-      </p:sp>
-      <p:sp>
-        <p:nvSpPr>
-          <p:cNvPr id="4" name="Content Placeholder 3"/>
-          <p:cNvSpPr>
-            <a:spLocks noGrp="1"/>
-          </p:cNvSpPr>
-          <p:nvPr>
-            <p:ph sz="half" idx="2"/>
-          </p:nvPr>
-        </p:nvSpPr>
-        <p:spPr>
-          <a:xfrm>
-            <a:off x="1069848" y="2755898"/>
-            <a:ext cx="4754880" cy="3200400"/>
-          </a:xfrm>
-        </p:spPr>
-        <p:txBody>
-          <a:bodyPr/>
-          <a:lstStyle>
-            <a:lvl1pPr>
-              <a:defRPr sz="1800"/>
-            </a:lvl1pPr>
-            <a:lvl2pPr>
-              <a:defRPr sz="1600"/>
-            </a:lvl2pPr>
-            <a:lvl3pPr>
-              <a:defRPr sz="1400"/>
-            </a:lvl3pPr>
-            <a:lvl4pPr>
-              <a:defRPr sz="1400"/>
-            </a:lvl4pPr>
-            <a:lvl5pPr>
-              <a:defRPr sz="1400"/>
-            </a:lvl5pPr>
-            <a:lvl6pPr>
-              <a:defRPr sz="1400"/>
-            </a:lvl6pPr>
-            <a:lvl7pPr>
-              <a:defRPr sz="1400"/>
-            </a:lvl7pPr>
-            <a:lvl8pPr>
-              <a:defRPr sz="1400"/>
-            </a:lvl8pPr>
-            <a:lvl9pPr>
-              <a:defRPr sz="1400"/>
-            </a:lvl9pPr>
-          </a:lstStyle>
-          <a:p>
-            <a:pPr lvl="0"/>
-            <a:r>
-              <a:rPr lang="pt-PT"/>
-              <a:t>Clique para editar os estilos do texto de Modelo Global</a:t>
-            </a:r>
-          </a:p>
-          <a:p>
-            <a:pPr lvl="1"/>
-            <a:r>
-              <a:rPr lang="pt-PT"/>
-              <a:t>Segundo nível</a:t>
-            </a:r>
-          </a:p>
-          <a:p>
-            <a:pPr lvl="2"/>
-            <a:r>
-              <a:rPr lang="pt-PT"/>
-              <a:t>Terceiro nível</a:t>
-            </a:r>
-          </a:p>
-          <a:p>
-            <a:pPr lvl="3"/>
-            <a:r>
-              <a:rPr lang="pt-PT"/>
-              <a:t>Quarto nível</a:t>
-            </a:r>
-          </a:p>
-          <a:p>
-            <a:pPr lvl="4"/>
-            <a:r>
-              <a:rPr lang="pt-PT"/>
-              <a:t>Quinto nível</a:t>
-            </a:r>
-            <a:endParaRPr lang="en-US" dirty="0"/>
-          </a:p>
-        </p:txBody>
-      </p:sp>
-      <p:sp>
-        <p:nvSpPr>
-          <p:cNvPr id="5" name="Text Placeholder 4"/>
-          <p:cNvSpPr>
-            <a:spLocks noGrp="1"/>
-          </p:cNvSpPr>
-          <p:nvPr>
-            <p:ph type="body" sz="quarter" idx="3"/>
-          </p:nvPr>
-        </p:nvSpPr>
-        <p:spPr>
-          <a:xfrm>
-            <a:off x="6373368" y="2074334"/>
-            <a:ext cx="4754880" cy="640080"/>
-          </a:xfrm>
-        </p:spPr>
-        <p:txBody>
-          <a:bodyPr anchor="ctr">
-            <a:normAutofit/>
-          </a:bodyPr>
-          <a:lstStyle>
-            <a:lvl1pPr marL="0" indent="0" algn="ctr">
-              <a:spcBef>
-                <a:spcPts val="0"/>
-              </a:spcBef>
-              <a:buNone/>
-              <a:defRPr sz="1900" b="0">
-                <a:solidFill>
-                  <a:schemeClr val="tx2"/>
-                </a:solidFill>
-              </a:defRPr>
-            </a:lvl1pPr>
-            <a:lvl2pPr marL="457200" indent="0">
-              <a:buNone/>
-              <a:defRPr sz="1900" b="1"/>
-            </a:lvl2pPr>
-            <a:lvl3pPr marL="914400" indent="0">
-              <a:buNone/>
-              <a:defRPr sz="1800" b="1"/>
-            </a:lvl3pPr>
-            <a:lvl4pPr marL="1371600" indent="0">
-              <a:buNone/>
-              <a:defRPr sz="1600" b="1"/>
-            </a:lvl4pPr>
-            <a:lvl5pPr marL="1828800" indent="0">
-              <a:buNone/>
-              <a:defRPr sz="1600" b="1"/>
-            </a:lvl5pPr>
-            <a:lvl6pPr marL="2286000" indent="0">
-              <a:buNone/>
-              <a:defRPr sz="1600" b="1"/>
-            </a:lvl6pPr>
-            <a:lvl7pPr marL="2743200" indent="0">
-              <a:buNone/>
-              <a:defRPr sz="1600" b="1"/>
-            </a:lvl7pPr>
-            <a:lvl8pPr marL="3200400" indent="0">
-              <a:buNone/>
-              <a:defRPr sz="1600" b="1"/>
-            </a:lvl8pPr>
-            <a:lvl9pPr marL="3657600" indent="0">
-              <a:buNone/>
-              <a:defRPr sz="1600" b="1"/>
-            </a:lvl9pPr>
-          </a:lstStyle>
-          <a:p>
-            <a:pPr lvl="0"/>
-            <a:r>
-              <a:rPr lang="pt-PT"/>
-              <a:t>Clique para editar os estilos do texto de Modelo Global</a:t>
-            </a:r>
-          </a:p>
-        </p:txBody>
-      </p:sp>
-      <p:sp>
-        <p:nvSpPr>
-          <p:cNvPr id="6" name="Content Placeholder 5"/>
-          <p:cNvSpPr>
-            <a:spLocks noGrp="1"/>
-          </p:cNvSpPr>
-          <p:nvPr>
-            <p:ph sz="quarter" idx="4"/>
-          </p:nvPr>
-        </p:nvSpPr>
-        <p:spPr>
-          <a:xfrm>
-            <a:off x="6373368" y="2756581"/>
-            <a:ext cx="4754880" cy="3200400"/>
-          </a:xfrm>
-        </p:spPr>
-        <p:txBody>
-          <a:bodyPr/>
-          <a:lstStyle>
-            <a:lvl1pPr>
-              <a:defRPr sz="1800"/>
-            </a:lvl1pPr>
-            <a:lvl2pPr>
-              <a:defRPr sz="1600"/>
-            </a:lvl2pPr>
-            <a:lvl3pPr>
-              <a:defRPr sz="1400"/>
-            </a:lvl3pPr>
-            <a:lvl4pPr>
-              <a:defRPr sz="1400"/>
-            </a:lvl4pPr>
-            <a:lvl5pPr>
-              <a:defRPr sz="1400"/>
-            </a:lvl5pPr>
-            <a:lvl6pPr>
-              <a:defRPr sz="1400"/>
-            </a:lvl6pPr>
-            <a:lvl7pPr>
-              <a:defRPr sz="1400"/>
-            </a:lvl7pPr>
-            <a:lvl8pPr>
-              <a:defRPr sz="1400"/>
-            </a:lvl8pPr>
-            <a:lvl9pPr>
-              <a:defRPr sz="1400"/>
-            </a:lvl9pPr>
-          </a:lstStyle>
-          <a:p>
-            <a:pPr lvl="0"/>
-            <a:r>
-              <a:rPr lang="pt-PT"/>
-              <a:t>Clique para editar os estilos do texto de Modelo Global</a:t>
-            </a:r>
-          </a:p>
-          <a:p>
-            <a:pPr lvl="1"/>
-            <a:r>
-              <a:rPr lang="pt-PT"/>
-              <a:t>Segundo nível</a:t>
-            </a:r>
-          </a:p>
-          <a:p>
-            <a:pPr lvl="2"/>
-            <a:r>
-              <a:rPr lang="pt-PT"/>
-              <a:t>Terceiro nível</a:t>
-            </a:r>
-          </a:p>
-          <a:p>
-            <a:pPr lvl="3"/>
-            <a:r>
-              <a:rPr lang="pt-PT"/>
-              <a:t>Quarto nível</a:t>
-            </a:r>
-          </a:p>
-          <a:p>
-            <a:pPr lvl="4"/>
-            <a:r>
-              <a:rPr lang="pt-PT"/>
-              <a:t>Quinto nível</a:t>
-            </a:r>
-            <a:endParaRPr lang="en-US" dirty="0"/>
-          </a:p>
-        </p:txBody>
-      </p:sp>
-      <p:sp>
-        <p:nvSpPr>
-          <p:cNvPr id="7" name="Date Placeholder 6"/>
-          <p:cNvSpPr>
-            <a:spLocks noGrp="1"/>
-          </p:cNvSpPr>
-          <p:nvPr>
-            <p:ph type="dt" sz="half" idx="10"/>
-          </p:nvPr>
-        </p:nvSpPr>
-        <p:spPr/>
-        <p:txBody>
-          <a:bodyPr/>
-          <a:lstStyle/>
-          <a:p>
-            <a:fld id="{91162ED4-134C-4E94-B418-E67EB33BE706}" type="datetimeFigureOut">
-              <a:rPr lang="pt-PT" smtClean="0"/>
-              <a:t>09/05/2022</a:t>
-            </a:fld>
-            <a:endParaRPr lang="pt-PT"/>
-          </a:p>
-        </p:txBody>
-      </p:sp>
-      <p:sp>
-        <p:nvSpPr>
-          <p:cNvPr id="8" name="Footer Placeholder 7"/>
-          <p:cNvSpPr>
-            <a:spLocks noGrp="1"/>
-          </p:cNvSpPr>
-          <p:nvPr>
-            <p:ph type="ftr" sz="quarter" idx="11"/>
-          </p:nvPr>
-        </p:nvSpPr>
-        <p:spPr/>
-        <p:txBody>
-          <a:bodyPr/>
-          <a:lstStyle/>
-          <a:p>
-            <a:endParaRPr lang="pt-PT"/>
-          </a:p>
-        </p:txBody>
-      </p:sp>
-      <p:sp>
-        <p:nvSpPr>
-          <p:cNvPr id="9" name="Slide Number Placeholder 8"/>
-          <p:cNvSpPr>
-            <a:spLocks noGrp="1"/>
-          </p:cNvSpPr>
-          <p:nvPr>
-            <p:ph type="sldNum" sz="quarter" idx="12"/>
-          </p:nvPr>
-        </p:nvSpPr>
-        <p:spPr/>
-        <p:txBody>
-          <a:bodyPr/>
-          <a:lstStyle/>
-          <a:p>
-            <a:fld id="{35316921-4203-44BE-8831-A6F053BB954C}" type="slidenum">
-              <a:rPr lang="pt-PT" smtClean="0"/>
-              <a:t>‹nº›</a:t>
-            </a:fld>
-            <a:endParaRPr lang="pt-PT"/>
-          </a:p>
-        </p:txBody>
-      </p:sp>
-    </p:spTree>
-    <p:extLst>
-      <p:ext uri="{BB962C8B-B14F-4D97-AF65-F5344CB8AC3E}">
-        <p14:creationId xmlns:p14="http://schemas.microsoft.com/office/powerpoint/2010/main" val="4231743875"/>
-      </p:ext>
-    </p:extLst>
-  </p:cSld>
-  <p:clrMapOvr>
-    <a:masterClrMapping/>
-  </p:clrMapOvr>
-</p:sldLayout>
-</file>
-
-<file path=ppt/slideLayouts/slideLayout17.xml><?xml version="1.0" encoding="utf-8"?>
-<p:sldLayout xmlns:a="http://schemas.openxmlformats.org/drawingml/2006/main" xmlns:r="http://schemas.openxmlformats.org/officeDocument/2006/relationships" xmlns:p="http://schemas.openxmlformats.org/presentationml/2006/main" type="titleOnly" preserve="1">
-  <p:cSld name="Só Título">
-    <p:spTree>
-      <p:nvGrpSpPr>
-        <p:cNvPr id="1" name=""/>
-        <p:cNvGrpSpPr/>
-        <p:nvPr/>
-      </p:nvGrpSpPr>
-      <p:grpSpPr>
-        <a:xfrm>
-          <a:off x="0" y="0"/>
-          <a:ext cx="0" cy="0"/>
-          <a:chOff x="0" y="0"/>
-          <a:chExt cx="0" cy="0"/>
-        </a:xfrm>
-      </p:grpSpPr>
-      <p:sp>
-        <p:nvSpPr>
-          <p:cNvPr id="2" name="Title 1"/>
-          <p:cNvSpPr>
-            <a:spLocks noGrp="1"/>
-          </p:cNvSpPr>
-          <p:nvPr>
-            <p:ph type="title"/>
-          </p:nvPr>
-        </p:nvSpPr>
-        <p:spPr/>
-        <p:txBody>
-          <a:bodyPr/>
-          <a:lstStyle/>
-          <a:p>
-            <a:r>
-              <a:rPr lang="pt-PT"/>
-              <a:t>Clique para editar o estilo de título do Modelo Global</a:t>
-            </a:r>
-            <a:endParaRPr lang="en-US" dirty="0"/>
-          </a:p>
-        </p:txBody>
-      </p:sp>
-      <p:sp>
-        <p:nvSpPr>
-          <p:cNvPr id="3" name="Date Placeholder 2"/>
-          <p:cNvSpPr>
-            <a:spLocks noGrp="1"/>
-          </p:cNvSpPr>
-          <p:nvPr>
-            <p:ph type="dt" sz="half" idx="10"/>
-          </p:nvPr>
-        </p:nvSpPr>
-        <p:spPr/>
-        <p:txBody>
-          <a:bodyPr/>
-          <a:lstStyle/>
-          <a:p>
-            <a:fld id="{91162ED4-134C-4E94-B418-E67EB33BE706}" type="datetimeFigureOut">
-              <a:rPr lang="pt-PT" smtClean="0"/>
-              <a:t>09/05/2022</a:t>
-            </a:fld>
-            <a:endParaRPr lang="pt-PT"/>
-          </a:p>
-        </p:txBody>
-      </p:sp>
-      <p:sp>
-        <p:nvSpPr>
-          <p:cNvPr id="4" name="Footer Placeholder 3"/>
-          <p:cNvSpPr>
-            <a:spLocks noGrp="1"/>
-          </p:cNvSpPr>
-          <p:nvPr>
-            <p:ph type="ftr" sz="quarter" idx="11"/>
-          </p:nvPr>
-        </p:nvSpPr>
-        <p:spPr/>
-        <p:txBody>
-          <a:bodyPr/>
-          <a:lstStyle/>
-          <a:p>
-            <a:endParaRPr lang="pt-PT"/>
-          </a:p>
-        </p:txBody>
-      </p:sp>
-      <p:sp>
-        <p:nvSpPr>
-          <p:cNvPr id="5" name="Slide Number Placeholder 4"/>
-          <p:cNvSpPr>
-            <a:spLocks noGrp="1"/>
-          </p:cNvSpPr>
-          <p:nvPr>
-            <p:ph type="sldNum" sz="quarter" idx="12"/>
-          </p:nvPr>
-        </p:nvSpPr>
-        <p:spPr/>
-        <p:txBody>
-          <a:bodyPr/>
-          <a:lstStyle/>
-          <a:p>
-            <a:fld id="{35316921-4203-44BE-8831-A6F053BB954C}" type="slidenum">
-              <a:rPr lang="pt-PT" smtClean="0"/>
-              <a:t>‹nº›</a:t>
-            </a:fld>
-            <a:endParaRPr lang="pt-PT"/>
-          </a:p>
-        </p:txBody>
-      </p:sp>
-    </p:spTree>
-    <p:extLst>
-      <p:ext uri="{BB962C8B-B14F-4D97-AF65-F5344CB8AC3E}">
-        <p14:creationId xmlns:p14="http://schemas.microsoft.com/office/powerpoint/2010/main" val="1516451700"/>
-      </p:ext>
-    </p:extLst>
-  </p:cSld>
-  <p:clrMapOvr>
-    <a:masterClrMapping/>
-  </p:clrMapOvr>
-</p:sldLayout>
-</file>
-
-<file path=ppt/slideLayouts/slideLayout18.xml><?xml version="1.0" encoding="utf-8"?>
-<p:sldLayout xmlns:a="http://schemas.openxmlformats.org/drawingml/2006/main" xmlns:r="http://schemas.openxmlformats.org/officeDocument/2006/relationships" xmlns:p="http://schemas.openxmlformats.org/presentationml/2006/main" type="blank" preserve="1">
-  <p:cSld name="Em branco">
-    <p:spTree>
-      <p:nvGrpSpPr>
-        <p:cNvPr id="1" name=""/>
-        <p:cNvGrpSpPr/>
-        <p:nvPr/>
-      </p:nvGrpSpPr>
-      <p:grpSpPr>
-        <a:xfrm>
-          <a:off x="0" y="0"/>
-          <a:ext cx="0" cy="0"/>
-          <a:chOff x="0" y="0"/>
-          <a:chExt cx="0" cy="0"/>
-        </a:xfrm>
-      </p:grpSpPr>
-      <p:sp>
-        <p:nvSpPr>
-          <p:cNvPr id="2" name="Date Placeholder 1"/>
-          <p:cNvSpPr>
-            <a:spLocks noGrp="1"/>
-          </p:cNvSpPr>
-          <p:nvPr>
-            <p:ph type="dt" sz="half" idx="10"/>
-          </p:nvPr>
-        </p:nvSpPr>
-        <p:spPr/>
-        <p:txBody>
-          <a:bodyPr/>
-          <a:lstStyle/>
-          <a:p>
-            <a:fld id="{91162ED4-134C-4E94-B418-E67EB33BE706}" type="datetimeFigureOut">
-              <a:rPr lang="pt-PT" smtClean="0"/>
-              <a:t>09/05/2022</a:t>
-            </a:fld>
-            <a:endParaRPr lang="pt-PT"/>
-          </a:p>
-        </p:txBody>
-      </p:sp>
-      <p:sp>
-        <p:nvSpPr>
-          <p:cNvPr id="3" name="Footer Placeholder 2"/>
-          <p:cNvSpPr>
-            <a:spLocks noGrp="1"/>
-          </p:cNvSpPr>
-          <p:nvPr>
-            <p:ph type="ftr" sz="quarter" idx="11"/>
-          </p:nvPr>
-        </p:nvSpPr>
-        <p:spPr/>
-        <p:txBody>
-          <a:bodyPr/>
-          <a:lstStyle/>
-          <a:p>
-            <a:endParaRPr lang="pt-PT"/>
-          </a:p>
-        </p:txBody>
-      </p:sp>
-      <p:sp>
-        <p:nvSpPr>
-          <p:cNvPr id="4" name="Slide Number Placeholder 3"/>
-          <p:cNvSpPr>
-            <a:spLocks noGrp="1"/>
-          </p:cNvSpPr>
-          <p:nvPr>
-            <p:ph type="sldNum" sz="quarter" idx="12"/>
-          </p:nvPr>
-        </p:nvSpPr>
-        <p:spPr/>
-        <p:txBody>
-          <a:bodyPr/>
-          <a:lstStyle/>
-          <a:p>
-            <a:fld id="{35316921-4203-44BE-8831-A6F053BB954C}" type="slidenum">
-              <a:rPr lang="pt-PT" smtClean="0"/>
-              <a:t>‹nº›</a:t>
-            </a:fld>
-            <a:endParaRPr lang="pt-PT"/>
-          </a:p>
-        </p:txBody>
-      </p:sp>
-    </p:spTree>
-    <p:extLst>
-      <p:ext uri="{BB962C8B-B14F-4D97-AF65-F5344CB8AC3E}">
-        <p14:creationId xmlns:p14="http://schemas.microsoft.com/office/powerpoint/2010/main" val="3985031501"/>
-      </p:ext>
-    </p:extLst>
-  </p:cSld>
-  <p:clrMapOvr>
-    <a:masterClrMapping/>
-  </p:clrMapOvr>
-</p:sldLayout>
-</file>
-
-<file path=ppt/slideLayouts/slideLayout19.xml><?xml version="1.0" encoding="utf-8"?>
-<p:sldLayout xmlns:a="http://schemas.openxmlformats.org/drawingml/2006/main" xmlns:r="http://schemas.openxmlformats.org/officeDocument/2006/relationships" xmlns:p="http://schemas.openxmlformats.org/presentationml/2006/main" showMasterSp="0" type="objTx" preserve="1">
-  <p:cSld name="Conteúdo com Legenda">
-    <p:spTree>
-      <p:nvGrpSpPr>
-        <p:cNvPr id="1" name=""/>
-        <p:cNvGrpSpPr/>
-        <p:nvPr/>
-      </p:nvGrpSpPr>
-      <p:grpSpPr>
-        <a:xfrm>
-          <a:off x="0" y="0"/>
-          <a:ext cx="0" cy="0"/>
-          <a:chOff x="0" y="0"/>
-          <a:chExt cx="0" cy="0"/>
-        </a:xfrm>
-      </p:grpSpPr>
-      <p:sp>
-        <p:nvSpPr>
-          <p:cNvPr id="16" name="Rectangle 15"/>
-          <p:cNvSpPr/>
-          <p:nvPr/>
-        </p:nvSpPr>
-        <p:spPr>
-          <a:xfrm>
-            <a:off x="245529" y="237744"/>
-            <a:ext cx="8531352" cy="6382512"/>
-          </a:xfrm>
-          <a:prstGeom prst="rect">
-            <a:avLst/>
-          </a:prstGeom>
-          <a:solidFill>
-            <a:schemeClr val="bg2"/>
-          </a:solidFill>
-          <a:ln>
-            <a:noFill/>
-          </a:ln>
-        </p:spPr>
-        <p:style>
-          <a:lnRef idx="2">
-            <a:schemeClr val="accent1">
-              <a:shade val="50000"/>
-            </a:schemeClr>
-          </a:lnRef>
-          <a:fillRef idx="1">
-            <a:schemeClr val="accent1"/>
-          </a:fillRef>
-          <a:effectRef idx="0">
-            <a:schemeClr val="accent1"/>
-          </a:effectRef>
-          <a:fontRef idx="minor">
-            <a:schemeClr val="lt1"/>
-          </a:fontRef>
-        </p:style>
-      </p:sp>
-      <p:sp>
-        <p:nvSpPr>
-          <p:cNvPr id="15" name="Rectangle 14"/>
-          <p:cNvSpPr/>
-          <p:nvPr/>
-        </p:nvSpPr>
-        <p:spPr>
-          <a:xfrm>
-            <a:off x="9020386" y="237744"/>
-            <a:ext cx="2926080" cy="6382512"/>
-          </a:xfrm>
-          <a:prstGeom prst="rect">
-            <a:avLst/>
-          </a:prstGeom>
-          <a:solidFill>
-            <a:schemeClr val="accent1"/>
-          </a:solidFill>
-          <a:ln>
-            <a:noFill/>
-          </a:ln>
-        </p:spPr>
-        <p:style>
-          <a:lnRef idx="2">
-            <a:schemeClr val="accent1">
-              <a:shade val="50000"/>
-            </a:schemeClr>
-          </a:lnRef>
-          <a:fillRef idx="1">
-            <a:schemeClr val="accent1"/>
-          </a:fillRef>
-          <a:effectRef idx="0">
-            <a:schemeClr val="accent1"/>
-          </a:effectRef>
-          <a:fontRef idx="minor">
-            <a:schemeClr val="lt1"/>
-          </a:fontRef>
-        </p:style>
-      </p:sp>
-      <p:sp>
-        <p:nvSpPr>
-          <p:cNvPr id="2" name="Title 1"/>
-          <p:cNvSpPr>
-            <a:spLocks noGrp="1"/>
-          </p:cNvSpPr>
-          <p:nvPr>
-            <p:ph type="title"/>
-          </p:nvPr>
-        </p:nvSpPr>
-        <p:spPr>
-          <a:xfrm>
-            <a:off x="9296400" y="607392"/>
-            <a:ext cx="2430780" cy="1645920"/>
-          </a:xfrm>
-        </p:spPr>
-        <p:txBody>
-          <a:bodyPr anchor="b">
-            <a:normAutofit/>
-          </a:bodyPr>
-          <a:lstStyle>
-            <a:lvl1pPr algn="l" defTabSz="914400" rtl="0" eaLnBrk="1" latinLnBrk="0" hangingPunct="1">
-              <a:lnSpc>
-                <a:spcPct val="90000"/>
-              </a:lnSpc>
-              <a:spcBef>
-                <a:spcPct val="0"/>
-              </a:spcBef>
-              <a:buNone/>
-              <a:defRPr lang="en-US" sz="2800" b="0" kern="1200" cap="none" spc="0" baseline="0" dirty="0">
-                <a:solidFill>
-                  <a:srgbClr val="FFFFFF"/>
-                </a:solidFill>
-                <a:effectLst/>
-                <a:latin typeface="+mj-lt"/>
-                <a:ea typeface="+mn-ea"/>
-                <a:cs typeface="+mn-cs"/>
-              </a:defRPr>
-            </a:lvl1pPr>
-          </a:lstStyle>
-          <a:p>
-            <a:r>
-              <a:rPr lang="pt-PT"/>
-              <a:t>Clique para editar o estilo de título do Modelo Global</a:t>
-            </a:r>
-            <a:endParaRPr lang="en-US" dirty="0"/>
-          </a:p>
-        </p:txBody>
-      </p:sp>
-      <p:sp>
-        <p:nvSpPr>
-          <p:cNvPr id="3" name="Content Placeholder 2"/>
-          <p:cNvSpPr>
-            <a:spLocks noGrp="1"/>
-          </p:cNvSpPr>
-          <p:nvPr>
-            <p:ph idx="1"/>
-          </p:nvPr>
-        </p:nvSpPr>
-        <p:spPr>
-          <a:xfrm>
-            <a:off x="685800" y="609600"/>
-            <a:ext cx="7772400" cy="5334000"/>
-          </a:xfrm>
-        </p:spPr>
-        <p:txBody>
-          <a:bodyPr/>
-          <a:lstStyle>
-            <a:lvl1pPr>
-              <a:defRPr sz="1800"/>
-            </a:lvl1pPr>
-            <a:lvl2pPr>
-              <a:defRPr sz="1600"/>
-            </a:lvl2pPr>
-            <a:lvl3pPr>
-              <a:defRPr sz="1400"/>
-            </a:lvl3pPr>
-            <a:lvl4pPr>
-              <a:defRPr sz="1400"/>
-            </a:lvl4pPr>
-            <a:lvl5pPr>
-              <a:defRPr sz="1400"/>
-            </a:lvl5pPr>
-            <a:lvl6pPr>
-              <a:defRPr sz="1400"/>
-            </a:lvl6pPr>
-            <a:lvl7pPr>
-              <a:defRPr sz="1400"/>
-            </a:lvl7pPr>
-            <a:lvl8pPr>
-              <a:defRPr sz="1400"/>
-            </a:lvl8pPr>
-            <a:lvl9pPr>
-              <a:defRPr sz="1400"/>
-            </a:lvl9pPr>
-          </a:lstStyle>
-          <a:p>
-            <a:pPr lvl="0"/>
-            <a:r>
-              <a:rPr lang="pt-PT"/>
-              <a:t>Clique para editar os estilos do texto de Modelo Global</a:t>
-            </a:r>
-          </a:p>
-          <a:p>
-            <a:pPr lvl="1"/>
-            <a:r>
-              <a:rPr lang="pt-PT"/>
-              <a:t>Segundo nível</a:t>
-            </a:r>
-          </a:p>
-          <a:p>
-            <a:pPr lvl="2"/>
-            <a:r>
-              <a:rPr lang="pt-PT"/>
-              <a:t>Terceiro nível</a:t>
-            </a:r>
-          </a:p>
-          <a:p>
-            <a:pPr lvl="3"/>
-            <a:r>
-              <a:rPr lang="pt-PT"/>
-              <a:t>Quarto nível</a:t>
-            </a:r>
-          </a:p>
-          <a:p>
-            <a:pPr lvl="4"/>
-            <a:r>
-              <a:rPr lang="pt-PT"/>
-              <a:t>Quinto nível</a:t>
-            </a:r>
-            <a:endParaRPr lang="en-US" dirty="0"/>
-          </a:p>
-        </p:txBody>
-      </p:sp>
-      <p:sp>
-        <p:nvSpPr>
-          <p:cNvPr id="4" name="Text Placeholder 3"/>
-          <p:cNvSpPr>
-            <a:spLocks noGrp="1"/>
-          </p:cNvSpPr>
-          <p:nvPr>
-            <p:ph type="body" sz="half" idx="2"/>
-          </p:nvPr>
-        </p:nvSpPr>
-        <p:spPr>
-          <a:xfrm>
-            <a:off x="9296400" y="2286000"/>
-            <a:ext cx="2430780" cy="3505200"/>
-          </a:xfrm>
-        </p:spPr>
-        <p:txBody>
-          <a:bodyPr>
-            <a:normAutofit/>
-          </a:bodyPr>
-          <a:lstStyle>
-            <a:lvl1pPr marL="0" indent="0">
-              <a:lnSpc>
-                <a:spcPct val="110000"/>
-              </a:lnSpc>
-              <a:spcBef>
-                <a:spcPts val="800"/>
-              </a:spcBef>
-              <a:buNone/>
-              <a:defRPr sz="1400">
-                <a:solidFill>
-                  <a:srgbClr val="FFFFFF"/>
-                </a:solidFill>
-              </a:defRPr>
-            </a:lvl1pPr>
-            <a:lvl2pPr marL="457200" indent="0">
-              <a:buNone/>
-              <a:defRPr sz="1200"/>
-            </a:lvl2pPr>
-            <a:lvl3pPr marL="914400" indent="0">
-              <a:buNone/>
-              <a:defRPr sz="1000"/>
-            </a:lvl3pPr>
-            <a:lvl4pPr marL="1371600" indent="0">
-              <a:buNone/>
-              <a:defRPr sz="900"/>
-            </a:lvl4pPr>
-            <a:lvl5pPr marL="1828800" indent="0">
-              <a:buNone/>
-              <a:defRPr sz="900"/>
-            </a:lvl5pPr>
-            <a:lvl6pPr marL="2286000" indent="0">
-              <a:buNone/>
-              <a:defRPr sz="900"/>
-            </a:lvl6pPr>
-            <a:lvl7pPr marL="2743200" indent="0">
-              <a:buNone/>
-              <a:defRPr sz="900"/>
-            </a:lvl7pPr>
-            <a:lvl8pPr marL="3200400" indent="0">
-              <a:buNone/>
-              <a:defRPr sz="900"/>
-            </a:lvl8pPr>
-            <a:lvl9pPr marL="3657600" indent="0">
-              <a:buNone/>
-              <a:defRPr sz="900"/>
-            </a:lvl9pPr>
-          </a:lstStyle>
-          <a:p>
-            <a:pPr lvl="0"/>
-            <a:r>
-              <a:rPr lang="pt-PT"/>
-              <a:t>Clique para editar os estilos do texto de Modelo Global</a:t>
-            </a:r>
-          </a:p>
-        </p:txBody>
-      </p:sp>
-      <p:sp>
-        <p:nvSpPr>
-          <p:cNvPr id="8" name="Date Placeholder 7"/>
-          <p:cNvSpPr>
-            <a:spLocks noGrp="1"/>
-          </p:cNvSpPr>
-          <p:nvPr>
-            <p:ph type="dt" sz="half" idx="10"/>
-          </p:nvPr>
-        </p:nvSpPr>
-        <p:spPr/>
-        <p:txBody>
-          <a:bodyPr/>
-          <a:lstStyle/>
-          <a:p>
-            <a:fld id="{91162ED4-134C-4E94-B418-E67EB33BE706}" type="datetimeFigureOut">
-              <a:rPr lang="pt-PT" smtClean="0"/>
-              <a:t>09/05/2022</a:t>
-            </a:fld>
-            <a:endParaRPr lang="pt-PT"/>
-          </a:p>
-        </p:txBody>
-      </p:sp>
-      <p:sp>
-        <p:nvSpPr>
-          <p:cNvPr id="9" name="Footer Placeholder 8"/>
-          <p:cNvSpPr>
-            <a:spLocks noGrp="1"/>
-          </p:cNvSpPr>
-          <p:nvPr>
-            <p:ph type="ftr" sz="quarter" idx="11"/>
-          </p:nvPr>
-        </p:nvSpPr>
-        <p:spPr/>
-        <p:txBody>
-          <a:bodyPr/>
-          <a:lstStyle>
-            <a:lvl1pPr algn="r">
-              <a:defRPr/>
-            </a:lvl1pPr>
-          </a:lstStyle>
-          <a:p>
-            <a:endParaRPr lang="pt-PT"/>
-          </a:p>
-        </p:txBody>
-      </p:sp>
-      <p:sp>
-        <p:nvSpPr>
-          <p:cNvPr id="11" name="Slide Number Placeholder 10"/>
-          <p:cNvSpPr>
-            <a:spLocks noGrp="1"/>
-          </p:cNvSpPr>
-          <p:nvPr>
-            <p:ph type="sldNum" sz="quarter" idx="12"/>
-          </p:nvPr>
-        </p:nvSpPr>
-        <p:spPr>
-          <a:xfrm>
-            <a:off x="10393677" y="6223002"/>
-            <a:ext cx="1463040" cy="274320"/>
-          </a:xfrm>
-        </p:spPr>
-        <p:txBody>
-          <a:bodyPr/>
-          <a:lstStyle>
-            <a:lvl1pPr>
-              <a:defRPr>
-                <a:solidFill>
-                  <a:srgbClr val="FFFFFF"/>
-                </a:solidFill>
-              </a:defRPr>
-            </a:lvl1pPr>
-          </a:lstStyle>
-          <a:p>
-            <a:fld id="{35316921-4203-44BE-8831-A6F053BB954C}" type="slidenum">
-              <a:rPr lang="pt-PT" smtClean="0"/>
-              <a:t>‹nº›</a:t>
-            </a:fld>
-            <a:endParaRPr lang="pt-PT"/>
-          </a:p>
-        </p:txBody>
-      </p:sp>
-      <p:sp>
-        <p:nvSpPr>
-          <p:cNvPr id="12" name="Rectangle 11"/>
-          <p:cNvSpPr/>
-          <p:nvPr/>
-        </p:nvSpPr>
-        <p:spPr>
-          <a:xfrm>
-            <a:off x="9157546" y="374904"/>
-            <a:ext cx="2651760" cy="6108192"/>
-          </a:xfrm>
-          <a:prstGeom prst="rect">
-            <a:avLst/>
-          </a:prstGeom>
-          <a:noFill/>
-          <a:ln w="6350" cap="sq">
-            <a:solidFill>
-              <a:srgbClr val="FFFFFF"/>
-            </a:solidFill>
-            <a:miter lim="800000"/>
-          </a:ln>
-        </p:spPr>
-        <p:style>
-          <a:lnRef idx="2">
-            <a:schemeClr val="accent1">
-              <a:shade val="50000"/>
-            </a:schemeClr>
-          </a:lnRef>
-          <a:fillRef idx="1">
-            <a:schemeClr val="accent1"/>
-          </a:fillRef>
-          <a:effectRef idx="0">
-            <a:schemeClr val="accent1"/>
-          </a:effectRef>
-          <a:fontRef idx="minor">
-            <a:schemeClr val="lt1"/>
-          </a:fontRef>
-        </p:style>
-      </p:sp>
-    </p:spTree>
-    <p:extLst>
-      <p:ext uri="{BB962C8B-B14F-4D97-AF65-F5344CB8AC3E}">
-        <p14:creationId xmlns:p14="http://schemas.microsoft.com/office/powerpoint/2010/main" val="1567746721"/>
-      </p:ext>
-    </p:extLst>
-  </p:cSld>
-  <p:clrMapOvr>
-    <a:masterClrMapping/>
-  </p:clrMapOvr>
-</p:sldLayout>
-</file>
-
 <file path=ppt/slideLayouts/slideLayout2.xml><?xml version="1.0" encoding="utf-8"?>
 <p:sldLayout xmlns:a="http://schemas.openxmlformats.org/drawingml/2006/main" xmlns:r="http://schemas.openxmlformats.org/officeDocument/2006/relationships" xmlns:p="http://schemas.openxmlformats.org/presentationml/2006/main" type="obj" preserve="1">
   <p:cSld name="Título e Objeto">
@@ -3628,764 +942,6 @@
     <p:extLst>
       <p:ext uri="{BB962C8B-B14F-4D97-AF65-F5344CB8AC3E}">
         <p14:creationId xmlns:p14="http://schemas.microsoft.com/office/powerpoint/2010/main" val="3574198854"/>
-      </p:ext>
-    </p:extLst>
-  </p:cSld>
-  <p:clrMapOvr>
-    <a:masterClrMapping/>
-  </p:clrMapOvr>
-</p:sldLayout>
-</file>
-
-<file path=ppt/slideLayouts/slideLayout20.xml><?xml version="1.0" encoding="utf-8"?>
-<p:sldLayout xmlns:a="http://schemas.openxmlformats.org/drawingml/2006/main" xmlns:r="http://schemas.openxmlformats.org/officeDocument/2006/relationships" xmlns:p="http://schemas.openxmlformats.org/presentationml/2006/main" showMasterSp="0" type="picTx" preserve="1">
-  <p:cSld name="Imagem com Legenda">
-    <p:spTree>
-      <p:nvGrpSpPr>
-        <p:cNvPr id="1" name=""/>
-        <p:cNvGrpSpPr/>
-        <p:nvPr/>
-      </p:nvGrpSpPr>
-      <p:grpSpPr>
-        <a:xfrm>
-          <a:off x="0" y="0"/>
-          <a:ext cx="0" cy="0"/>
-          <a:chOff x="0" y="0"/>
-          <a:chExt cx="0" cy="0"/>
-        </a:xfrm>
-      </p:grpSpPr>
-      <p:sp>
-        <p:nvSpPr>
-          <p:cNvPr id="14" name="Rectangle 13"/>
-          <p:cNvSpPr/>
-          <p:nvPr/>
-        </p:nvSpPr>
-        <p:spPr>
-          <a:xfrm>
-            <a:off x="9020386" y="237744"/>
-            <a:ext cx="2926080" cy="6382512"/>
-          </a:xfrm>
-          <a:prstGeom prst="rect">
-            <a:avLst/>
-          </a:prstGeom>
-          <a:solidFill>
-            <a:schemeClr val="accent1"/>
-          </a:solidFill>
-          <a:ln>
-            <a:noFill/>
-          </a:ln>
-        </p:spPr>
-        <p:style>
-          <a:lnRef idx="2">
-            <a:schemeClr val="accent1">
-              <a:shade val="50000"/>
-            </a:schemeClr>
-          </a:lnRef>
-          <a:fillRef idx="1">
-            <a:schemeClr val="accent1"/>
-          </a:fillRef>
-          <a:effectRef idx="0">
-            <a:schemeClr val="accent1"/>
-          </a:effectRef>
-          <a:fontRef idx="minor">
-            <a:schemeClr val="lt1"/>
-          </a:fontRef>
-        </p:style>
-      </p:sp>
-      <p:sp>
-        <p:nvSpPr>
-          <p:cNvPr id="2" name="Title 1"/>
-          <p:cNvSpPr>
-            <a:spLocks noGrp="1"/>
-          </p:cNvSpPr>
-          <p:nvPr>
-            <p:ph type="title"/>
-          </p:nvPr>
-        </p:nvSpPr>
-        <p:spPr>
-          <a:xfrm>
-            <a:off x="9296400" y="603504"/>
-            <a:ext cx="2432304" cy="1645920"/>
-          </a:xfrm>
-        </p:spPr>
-        <p:txBody>
-          <a:bodyPr anchor="b">
-            <a:noAutofit/>
-          </a:bodyPr>
-          <a:lstStyle>
-            <a:lvl1pPr algn="l">
-              <a:defRPr sz="2800" b="0">
-                <a:solidFill>
-                  <a:srgbClr val="FFFFFF"/>
-                </a:solidFill>
-                <a:latin typeface="+mj-lt"/>
-              </a:defRPr>
-            </a:lvl1pPr>
-          </a:lstStyle>
-          <a:p>
-            <a:r>
-              <a:rPr lang="pt-PT"/>
-              <a:t>Clique para editar o estilo de título do Modelo Global</a:t>
-            </a:r>
-            <a:endParaRPr lang="en-US" dirty="0"/>
-          </a:p>
-        </p:txBody>
-      </p:sp>
-      <p:sp>
-        <p:nvSpPr>
-          <p:cNvPr id="3" name="Picture Placeholder 2"/>
-          <p:cNvSpPr>
-            <a:spLocks noGrp="1" noChangeAspect="1"/>
-          </p:cNvSpPr>
-          <p:nvPr>
-            <p:ph type="pic" idx="1"/>
-          </p:nvPr>
-        </p:nvSpPr>
-        <p:spPr>
-          <a:xfrm>
-            <a:off x="228599" y="237744"/>
-            <a:ext cx="8531352" cy="6382512"/>
-          </a:xfrm>
-          <a:solidFill>
-            <a:schemeClr val="accent1">
-              <a:lumMod val="60000"/>
-              <a:lumOff val="40000"/>
-            </a:schemeClr>
-          </a:solidFill>
-          <a:ln>
-            <a:noFill/>
-          </a:ln>
-        </p:spPr>
-        <p:txBody>
-          <a:bodyPr anchor="t"/>
-          <a:lstStyle>
-            <a:lvl1pPr marL="0" indent="0">
-              <a:buNone/>
-              <a:defRPr sz="3200"/>
-            </a:lvl1pPr>
-            <a:lvl2pPr marL="457200" indent="0">
-              <a:buNone/>
-              <a:defRPr sz="2800"/>
-            </a:lvl2pPr>
-            <a:lvl3pPr marL="914400" indent="0">
-              <a:buNone/>
-              <a:defRPr sz="2400"/>
-            </a:lvl3pPr>
-            <a:lvl4pPr marL="1371600" indent="0">
-              <a:buNone/>
-              <a:defRPr sz="2000"/>
-            </a:lvl4pPr>
-            <a:lvl5pPr marL="1828800" indent="0">
-              <a:buNone/>
-              <a:defRPr sz="2000"/>
-            </a:lvl5pPr>
-            <a:lvl6pPr marL="2286000" indent="0">
-              <a:buNone/>
-              <a:defRPr sz="2000"/>
-            </a:lvl6pPr>
-            <a:lvl7pPr marL="2743200" indent="0">
-              <a:buNone/>
-              <a:defRPr sz="2000"/>
-            </a:lvl7pPr>
-            <a:lvl8pPr marL="3200400" indent="0">
-              <a:buNone/>
-              <a:defRPr sz="2000"/>
-            </a:lvl8pPr>
-            <a:lvl9pPr marL="3657600" indent="0">
-              <a:buNone/>
-              <a:defRPr sz="2000"/>
-            </a:lvl9pPr>
-          </a:lstStyle>
-          <a:p>
-            <a:r>
-              <a:rPr lang="pt-PT"/>
-              <a:t>Clique no ícone para adicionar uma imagem</a:t>
-            </a:r>
-            <a:endParaRPr lang="en-US" dirty="0"/>
-          </a:p>
-        </p:txBody>
-      </p:sp>
-      <p:sp>
-        <p:nvSpPr>
-          <p:cNvPr id="4" name="Text Placeholder 3"/>
-          <p:cNvSpPr>
-            <a:spLocks noGrp="1"/>
-          </p:cNvSpPr>
-          <p:nvPr>
-            <p:ph type="body" sz="half" idx="2"/>
-          </p:nvPr>
-        </p:nvSpPr>
-        <p:spPr>
-          <a:xfrm>
-            <a:off x="9296400" y="2286000"/>
-            <a:ext cx="2432304" cy="3502152"/>
-          </a:xfrm>
-        </p:spPr>
-        <p:txBody>
-          <a:bodyPr>
-            <a:normAutofit/>
-          </a:bodyPr>
-          <a:lstStyle>
-            <a:lvl1pPr marL="0" indent="0" algn="l">
-              <a:lnSpc>
-                <a:spcPct val="110000"/>
-              </a:lnSpc>
-              <a:spcBef>
-                <a:spcPts val="800"/>
-              </a:spcBef>
-              <a:buNone/>
-              <a:defRPr sz="1400">
-                <a:solidFill>
-                  <a:srgbClr val="FFFFFF"/>
-                </a:solidFill>
-              </a:defRPr>
-            </a:lvl1pPr>
-            <a:lvl2pPr marL="457200" indent="0">
-              <a:buNone/>
-              <a:defRPr sz="1200"/>
-            </a:lvl2pPr>
-            <a:lvl3pPr marL="914400" indent="0">
-              <a:buNone/>
-              <a:defRPr sz="1000"/>
-            </a:lvl3pPr>
-            <a:lvl4pPr marL="1371600" indent="0">
-              <a:buNone/>
-              <a:defRPr sz="900"/>
-            </a:lvl4pPr>
-            <a:lvl5pPr marL="1828800" indent="0">
-              <a:buNone/>
-              <a:defRPr sz="900"/>
-            </a:lvl5pPr>
-            <a:lvl6pPr marL="2286000" indent="0">
-              <a:buNone/>
-              <a:defRPr sz="900"/>
-            </a:lvl6pPr>
-            <a:lvl7pPr marL="2743200" indent="0">
-              <a:buNone/>
-              <a:defRPr sz="900"/>
-            </a:lvl7pPr>
-            <a:lvl8pPr marL="3200400" indent="0">
-              <a:buNone/>
-              <a:defRPr sz="900"/>
-            </a:lvl8pPr>
-            <a:lvl9pPr marL="3657600" indent="0">
-              <a:buNone/>
-              <a:defRPr sz="900"/>
-            </a:lvl9pPr>
-          </a:lstStyle>
-          <a:p>
-            <a:pPr lvl="0"/>
-            <a:r>
-              <a:rPr lang="pt-PT"/>
-              <a:t>Clique para editar os estilos do texto de Modelo Global</a:t>
-            </a:r>
-          </a:p>
-        </p:txBody>
-      </p:sp>
-      <p:sp>
-        <p:nvSpPr>
-          <p:cNvPr id="5" name="Date Placeholder 4"/>
-          <p:cNvSpPr>
-            <a:spLocks noGrp="1"/>
-          </p:cNvSpPr>
-          <p:nvPr>
-            <p:ph type="dt" sz="half" idx="10"/>
-          </p:nvPr>
-        </p:nvSpPr>
-        <p:spPr/>
-        <p:txBody>
-          <a:bodyPr/>
-          <a:lstStyle>
-            <a:lvl1pPr>
-              <a:defRPr>
-                <a:solidFill>
-                  <a:srgbClr val="FFFFFF"/>
-                </a:solidFill>
-                <a:effectLst>
-                  <a:outerShdw blurRad="12700" dist="6350" dir="2700000" algn="tl" rotWithShape="0">
-                    <a:prstClr val="black">
-                      <a:alpha val="40000"/>
-                    </a:prstClr>
-                  </a:outerShdw>
-                </a:effectLst>
-              </a:defRPr>
-            </a:lvl1pPr>
-          </a:lstStyle>
-          <a:p>
-            <a:fld id="{91162ED4-134C-4E94-B418-E67EB33BE706}" type="datetimeFigureOut">
-              <a:rPr lang="pt-PT" smtClean="0"/>
-              <a:t>09/05/2022</a:t>
-            </a:fld>
-            <a:endParaRPr lang="pt-PT"/>
-          </a:p>
-        </p:txBody>
-      </p:sp>
-      <p:sp>
-        <p:nvSpPr>
-          <p:cNvPr id="6" name="Footer Placeholder 5"/>
-          <p:cNvSpPr>
-            <a:spLocks noGrp="1"/>
-          </p:cNvSpPr>
-          <p:nvPr>
-            <p:ph type="ftr" sz="quarter" idx="11"/>
-          </p:nvPr>
-        </p:nvSpPr>
-        <p:spPr/>
-        <p:txBody>
-          <a:bodyPr/>
-          <a:lstStyle>
-            <a:lvl1pPr marL="0" algn="r" defTabSz="914400" rtl="0" eaLnBrk="1" latinLnBrk="0" hangingPunct="1">
-              <a:defRPr lang="en-US" sz="1000" kern="1200" dirty="0">
-                <a:solidFill>
-                  <a:srgbClr val="FFFFFF"/>
-                </a:solidFill>
-                <a:effectLst>
-                  <a:outerShdw blurRad="12700" dist="6350" dir="2700000" algn="tl" rotWithShape="0">
-                    <a:prstClr val="black">
-                      <a:alpha val="40000"/>
-                    </a:prstClr>
-                  </a:outerShdw>
-                </a:effectLst>
-                <a:latin typeface="+mn-lt"/>
-                <a:ea typeface="+mn-ea"/>
-                <a:cs typeface="+mn-cs"/>
-              </a:defRPr>
-            </a:lvl1pPr>
-          </a:lstStyle>
-          <a:p>
-            <a:endParaRPr lang="en-US" dirty="0"/>
-          </a:p>
-        </p:txBody>
-      </p:sp>
-      <p:sp>
-        <p:nvSpPr>
-          <p:cNvPr id="7" name="Slide Number Placeholder 6"/>
-          <p:cNvSpPr>
-            <a:spLocks noGrp="1"/>
-          </p:cNvSpPr>
-          <p:nvPr>
-            <p:ph type="sldNum" sz="quarter" idx="12"/>
-          </p:nvPr>
-        </p:nvSpPr>
-        <p:spPr>
-          <a:xfrm>
-            <a:off x="10396728" y="6227064"/>
-            <a:ext cx="1463040" cy="274320"/>
-          </a:xfrm>
-        </p:spPr>
-        <p:txBody>
-          <a:bodyPr/>
-          <a:lstStyle>
-            <a:lvl1pPr>
-              <a:defRPr>
-                <a:solidFill>
-                  <a:srgbClr val="FFFFFF"/>
-                </a:solidFill>
-              </a:defRPr>
-            </a:lvl1pPr>
-          </a:lstStyle>
-          <a:p>
-            <a:fld id="{35316921-4203-44BE-8831-A6F053BB954C}" type="slidenum">
-              <a:rPr lang="pt-PT" smtClean="0"/>
-              <a:t>‹nº›</a:t>
-            </a:fld>
-            <a:endParaRPr lang="pt-PT"/>
-          </a:p>
-        </p:txBody>
-      </p:sp>
-      <p:sp>
-        <p:nvSpPr>
-          <p:cNvPr id="10" name="Rectangle 9"/>
-          <p:cNvSpPr/>
-          <p:nvPr/>
-        </p:nvSpPr>
-        <p:spPr>
-          <a:xfrm>
-            <a:off x="9157546" y="374904"/>
-            <a:ext cx="2651760" cy="6108192"/>
-          </a:xfrm>
-          <a:prstGeom prst="rect">
-            <a:avLst/>
-          </a:prstGeom>
-          <a:noFill/>
-          <a:ln w="6350" cap="sq">
-            <a:solidFill>
-              <a:srgbClr val="FFFFFF"/>
-            </a:solidFill>
-            <a:miter lim="800000"/>
-          </a:ln>
-        </p:spPr>
-        <p:style>
-          <a:lnRef idx="2">
-            <a:schemeClr val="accent1">
-              <a:shade val="50000"/>
-            </a:schemeClr>
-          </a:lnRef>
-          <a:fillRef idx="1">
-            <a:schemeClr val="accent1"/>
-          </a:fillRef>
-          <a:effectRef idx="0">
-            <a:schemeClr val="accent1"/>
-          </a:effectRef>
-          <a:fontRef idx="minor">
-            <a:schemeClr val="lt1"/>
-          </a:fontRef>
-        </p:style>
-      </p:sp>
-    </p:spTree>
-    <p:extLst>
-      <p:ext uri="{BB962C8B-B14F-4D97-AF65-F5344CB8AC3E}">
-        <p14:creationId xmlns:p14="http://schemas.microsoft.com/office/powerpoint/2010/main" val="1251464518"/>
-      </p:ext>
-    </p:extLst>
-  </p:cSld>
-  <p:clrMapOvr>
-    <a:masterClrMapping/>
-  </p:clrMapOvr>
-</p:sldLayout>
-</file>
-
-<file path=ppt/slideLayouts/slideLayout21.xml><?xml version="1.0" encoding="utf-8"?>
-<p:sldLayout xmlns:a="http://schemas.openxmlformats.org/drawingml/2006/main" xmlns:r="http://schemas.openxmlformats.org/officeDocument/2006/relationships" xmlns:p="http://schemas.openxmlformats.org/presentationml/2006/main" type="vertTx" preserve="1">
-  <p:cSld name="Título e Texto Vertical">
-    <p:spTree>
-      <p:nvGrpSpPr>
-        <p:cNvPr id="1" name=""/>
-        <p:cNvGrpSpPr/>
-        <p:nvPr/>
-      </p:nvGrpSpPr>
-      <p:grpSpPr>
-        <a:xfrm>
-          <a:off x="0" y="0"/>
-          <a:ext cx="0" cy="0"/>
-          <a:chOff x="0" y="0"/>
-          <a:chExt cx="0" cy="0"/>
-        </a:xfrm>
-      </p:grpSpPr>
-      <p:sp>
-        <p:nvSpPr>
-          <p:cNvPr id="2" name="Title 1"/>
-          <p:cNvSpPr>
-            <a:spLocks noGrp="1"/>
-          </p:cNvSpPr>
-          <p:nvPr>
-            <p:ph type="title"/>
-          </p:nvPr>
-        </p:nvSpPr>
-        <p:spPr/>
-        <p:txBody>
-          <a:bodyPr/>
-          <a:lstStyle/>
-          <a:p>
-            <a:r>
-              <a:rPr lang="pt-PT"/>
-              <a:t>Clique para editar o estilo de título do Modelo Global</a:t>
-            </a:r>
-            <a:endParaRPr lang="en-US" dirty="0"/>
-          </a:p>
-        </p:txBody>
-      </p:sp>
-      <p:sp>
-        <p:nvSpPr>
-          <p:cNvPr id="3" name="Vertical Text Placeholder 2"/>
-          <p:cNvSpPr>
-            <a:spLocks noGrp="1"/>
-          </p:cNvSpPr>
-          <p:nvPr>
-            <p:ph type="body" orient="vert" idx="1"/>
-          </p:nvPr>
-        </p:nvSpPr>
-        <p:spPr/>
-        <p:txBody>
-          <a:bodyPr vert="eaVert"/>
-          <a:lstStyle/>
-          <a:p>
-            <a:pPr lvl="0"/>
-            <a:r>
-              <a:rPr lang="pt-PT"/>
-              <a:t>Clique para editar os estilos do texto de Modelo Global</a:t>
-            </a:r>
-          </a:p>
-          <a:p>
-            <a:pPr lvl="1"/>
-            <a:r>
-              <a:rPr lang="pt-PT"/>
-              <a:t>Segundo nível</a:t>
-            </a:r>
-          </a:p>
-          <a:p>
-            <a:pPr lvl="2"/>
-            <a:r>
-              <a:rPr lang="pt-PT"/>
-              <a:t>Terceiro nível</a:t>
-            </a:r>
-          </a:p>
-          <a:p>
-            <a:pPr lvl="3"/>
-            <a:r>
-              <a:rPr lang="pt-PT"/>
-              <a:t>Quarto nível</a:t>
-            </a:r>
-          </a:p>
-          <a:p>
-            <a:pPr lvl="4"/>
-            <a:r>
-              <a:rPr lang="pt-PT"/>
-              <a:t>Quinto nível</a:t>
-            </a:r>
-            <a:endParaRPr lang="en-US" dirty="0"/>
-          </a:p>
-        </p:txBody>
-      </p:sp>
-      <p:sp>
-        <p:nvSpPr>
-          <p:cNvPr id="4" name="Date Placeholder 3"/>
-          <p:cNvSpPr>
-            <a:spLocks noGrp="1"/>
-          </p:cNvSpPr>
-          <p:nvPr>
-            <p:ph type="dt" sz="half" idx="10"/>
-          </p:nvPr>
-        </p:nvSpPr>
-        <p:spPr/>
-        <p:txBody>
-          <a:bodyPr/>
-          <a:lstStyle/>
-          <a:p>
-            <a:fld id="{91162ED4-134C-4E94-B418-E67EB33BE706}" type="datetimeFigureOut">
-              <a:rPr lang="pt-PT" smtClean="0"/>
-              <a:t>09/05/2022</a:t>
-            </a:fld>
-            <a:endParaRPr lang="pt-PT"/>
-          </a:p>
-        </p:txBody>
-      </p:sp>
-      <p:sp>
-        <p:nvSpPr>
-          <p:cNvPr id="5" name="Footer Placeholder 4"/>
-          <p:cNvSpPr>
-            <a:spLocks noGrp="1"/>
-          </p:cNvSpPr>
-          <p:nvPr>
-            <p:ph type="ftr" sz="quarter" idx="11"/>
-          </p:nvPr>
-        </p:nvSpPr>
-        <p:spPr/>
-        <p:txBody>
-          <a:bodyPr/>
-          <a:lstStyle/>
-          <a:p>
-            <a:endParaRPr lang="pt-PT"/>
-          </a:p>
-        </p:txBody>
-      </p:sp>
-      <p:sp>
-        <p:nvSpPr>
-          <p:cNvPr id="6" name="Slide Number Placeholder 5"/>
-          <p:cNvSpPr>
-            <a:spLocks noGrp="1"/>
-          </p:cNvSpPr>
-          <p:nvPr>
-            <p:ph type="sldNum" sz="quarter" idx="12"/>
-          </p:nvPr>
-        </p:nvSpPr>
-        <p:spPr/>
-        <p:txBody>
-          <a:bodyPr/>
-          <a:lstStyle/>
-          <a:p>
-            <a:fld id="{35316921-4203-44BE-8831-A6F053BB954C}" type="slidenum">
-              <a:rPr lang="pt-PT" smtClean="0"/>
-              <a:t>‹nº›</a:t>
-            </a:fld>
-            <a:endParaRPr lang="pt-PT"/>
-          </a:p>
-        </p:txBody>
-      </p:sp>
-    </p:spTree>
-    <p:extLst>
-      <p:ext uri="{BB962C8B-B14F-4D97-AF65-F5344CB8AC3E}">
-        <p14:creationId xmlns:p14="http://schemas.microsoft.com/office/powerpoint/2010/main" val="637792458"/>
-      </p:ext>
-    </p:extLst>
-  </p:cSld>
-  <p:clrMapOvr>
-    <a:masterClrMapping/>
-  </p:clrMapOvr>
-</p:sldLayout>
-</file>
-
-<file path=ppt/slideLayouts/slideLayout22.xml><?xml version="1.0" encoding="utf-8"?>
-<p:sldLayout xmlns:a="http://schemas.openxmlformats.org/drawingml/2006/main" xmlns:r="http://schemas.openxmlformats.org/officeDocument/2006/relationships" xmlns:p="http://schemas.openxmlformats.org/presentationml/2006/main" type="vertTitleAndTx" preserve="1">
-  <p:cSld name="Título Vertical e Texto">
-    <p:spTree>
-      <p:nvGrpSpPr>
-        <p:cNvPr id="1" name=""/>
-        <p:cNvGrpSpPr/>
-        <p:nvPr/>
-      </p:nvGrpSpPr>
-      <p:grpSpPr>
-        <a:xfrm>
-          <a:off x="0" y="0"/>
-          <a:ext cx="0" cy="0"/>
-          <a:chOff x="0" y="0"/>
-          <a:chExt cx="0" cy="0"/>
-        </a:xfrm>
-      </p:grpSpPr>
-      <p:sp>
-        <p:nvSpPr>
-          <p:cNvPr id="2" name="Vertical Title 1"/>
-          <p:cNvSpPr>
-            <a:spLocks noGrp="1"/>
-          </p:cNvSpPr>
-          <p:nvPr>
-            <p:ph type="title" orient="vert"/>
-          </p:nvPr>
-        </p:nvSpPr>
-        <p:spPr>
-          <a:xfrm>
-            <a:off x="8991600" y="762000"/>
-            <a:ext cx="2362200" cy="5257800"/>
-          </a:xfrm>
-        </p:spPr>
-        <p:txBody>
-          <a:bodyPr vert="eaVert"/>
-          <a:lstStyle/>
-          <a:p>
-            <a:r>
-              <a:rPr lang="pt-PT"/>
-              <a:t>Clique para editar o estilo de título do Modelo Global</a:t>
-            </a:r>
-            <a:endParaRPr lang="en-US" dirty="0"/>
-          </a:p>
-        </p:txBody>
-      </p:sp>
-      <p:sp>
-        <p:nvSpPr>
-          <p:cNvPr id="3" name="Vertical Text Placeholder 2"/>
-          <p:cNvSpPr>
-            <a:spLocks noGrp="1"/>
-          </p:cNvSpPr>
-          <p:nvPr>
-            <p:ph type="body" orient="vert" idx="1"/>
-          </p:nvPr>
-        </p:nvSpPr>
-        <p:spPr>
-          <a:xfrm>
-            <a:off x="838200" y="762000"/>
-            <a:ext cx="8077200" cy="5257800"/>
-          </a:xfrm>
-        </p:spPr>
-        <p:txBody>
-          <a:bodyPr vert="eaVert"/>
-          <a:lstStyle/>
-          <a:p>
-            <a:pPr lvl="0"/>
-            <a:r>
-              <a:rPr lang="pt-PT"/>
-              <a:t>Clique para editar os estilos do texto de Modelo Global</a:t>
-            </a:r>
-          </a:p>
-          <a:p>
-            <a:pPr lvl="1"/>
-            <a:r>
-              <a:rPr lang="pt-PT"/>
-              <a:t>Segundo nível</a:t>
-            </a:r>
-          </a:p>
-          <a:p>
-            <a:pPr lvl="2"/>
-            <a:r>
-              <a:rPr lang="pt-PT"/>
-              <a:t>Terceiro nível</a:t>
-            </a:r>
-          </a:p>
-          <a:p>
-            <a:pPr lvl="3"/>
-            <a:r>
-              <a:rPr lang="pt-PT"/>
-              <a:t>Quarto nível</a:t>
-            </a:r>
-          </a:p>
-          <a:p>
-            <a:pPr lvl="4"/>
-            <a:r>
-              <a:rPr lang="pt-PT"/>
-              <a:t>Quinto nível</a:t>
-            </a:r>
-            <a:endParaRPr lang="en-US" dirty="0"/>
-          </a:p>
-        </p:txBody>
-      </p:sp>
-      <p:sp>
-        <p:nvSpPr>
-          <p:cNvPr id="4" name="Date Placeholder 3"/>
-          <p:cNvSpPr>
-            <a:spLocks noGrp="1"/>
-          </p:cNvSpPr>
-          <p:nvPr>
-            <p:ph type="dt" sz="half" idx="10"/>
-          </p:nvPr>
-        </p:nvSpPr>
-        <p:spPr/>
-        <p:txBody>
-          <a:bodyPr/>
-          <a:lstStyle/>
-          <a:p>
-            <a:fld id="{91162ED4-134C-4E94-B418-E67EB33BE706}" type="datetimeFigureOut">
-              <a:rPr lang="pt-PT" smtClean="0"/>
-              <a:t>09/05/2022</a:t>
-            </a:fld>
-            <a:endParaRPr lang="pt-PT"/>
-          </a:p>
-        </p:txBody>
-      </p:sp>
-      <p:sp>
-        <p:nvSpPr>
-          <p:cNvPr id="5" name="Footer Placeholder 4"/>
-          <p:cNvSpPr>
-            <a:spLocks noGrp="1"/>
-          </p:cNvSpPr>
-          <p:nvPr>
-            <p:ph type="ftr" sz="quarter" idx="11"/>
-          </p:nvPr>
-        </p:nvSpPr>
-        <p:spPr/>
-        <p:txBody>
-          <a:bodyPr/>
-          <a:lstStyle/>
-          <a:p>
-            <a:endParaRPr lang="pt-PT"/>
-          </a:p>
-        </p:txBody>
-      </p:sp>
-      <p:sp>
-        <p:nvSpPr>
-          <p:cNvPr id="6" name="Slide Number Placeholder 5"/>
-          <p:cNvSpPr>
-            <a:spLocks noGrp="1"/>
-          </p:cNvSpPr>
-          <p:nvPr>
-            <p:ph type="sldNum" sz="quarter" idx="12"/>
-          </p:nvPr>
-        </p:nvSpPr>
-        <p:spPr/>
-        <p:txBody>
-          <a:bodyPr/>
-          <a:lstStyle/>
-          <a:p>
-            <a:fld id="{35316921-4203-44BE-8831-A6F053BB954C}" type="slidenum">
-              <a:rPr lang="pt-PT" smtClean="0"/>
-              <a:t>‹nº›</a:t>
-            </a:fld>
-            <a:endParaRPr lang="pt-PT"/>
-          </a:p>
-        </p:txBody>
-      </p:sp>
-    </p:spTree>
-    <p:extLst>
-      <p:ext uri="{BB962C8B-B14F-4D97-AF65-F5344CB8AC3E}">
-        <p14:creationId xmlns:p14="http://schemas.microsoft.com/office/powerpoint/2010/main" val="4073483496"/>
       </p:ext>
     </p:extLst>
   </p:cSld>
@@ -6768,639 +3324,6 @@
 </p:sldMaster>
 </file>
 
-<file path=ppt/slideMasters/slideMaster2.xml><?xml version="1.0" encoding="utf-8"?>
-<p:sldMaster xmlns:a="http://schemas.openxmlformats.org/drawingml/2006/main" xmlns:r="http://schemas.openxmlformats.org/officeDocument/2006/relationships" xmlns:p="http://schemas.openxmlformats.org/presentationml/2006/main">
-  <p:cSld>
-    <p:bg>
-      <p:bgPr>
-        <a:solidFill>
-          <a:schemeClr val="bg1"/>
-        </a:solidFill>
-        <a:effectLst/>
-      </p:bgPr>
-    </p:bg>
-    <p:spTree>
-      <p:nvGrpSpPr>
-        <p:cNvPr id="1" name=""/>
-        <p:cNvGrpSpPr/>
-        <p:nvPr/>
-      </p:nvGrpSpPr>
-      <p:grpSpPr>
-        <a:xfrm>
-          <a:off x="0" y="0"/>
-          <a:ext cx="0" cy="0"/>
-          <a:chOff x="0" y="0"/>
-          <a:chExt cx="0" cy="0"/>
-        </a:xfrm>
-      </p:grpSpPr>
-      <p:sp>
-        <p:nvSpPr>
-          <p:cNvPr id="7" name="Rectangle 6"/>
-          <p:cNvSpPr/>
-          <p:nvPr/>
-        </p:nvSpPr>
-        <p:spPr>
-          <a:xfrm>
-            <a:off x="234696" y="237744"/>
-            <a:ext cx="11722608" cy="6382512"/>
-          </a:xfrm>
-          <a:prstGeom prst="rect">
-            <a:avLst/>
-          </a:prstGeom>
-          <a:solidFill>
-            <a:schemeClr val="bg2"/>
-          </a:solidFill>
-          <a:ln w="6350" cap="flat" cmpd="sng" algn="ctr">
-            <a:noFill/>
-            <a:prstDash val="solid"/>
-          </a:ln>
-          <a:effectLst>
-            <a:softEdge rad="0"/>
-          </a:effectLst>
-        </p:spPr>
-      </p:sp>
-      <p:sp>
-        <p:nvSpPr>
-          <p:cNvPr id="2" name="Title Placeholder 1"/>
-          <p:cNvSpPr>
-            <a:spLocks noGrp="1"/>
-          </p:cNvSpPr>
-          <p:nvPr>
-            <p:ph type="title"/>
-          </p:nvPr>
-        </p:nvSpPr>
-        <p:spPr>
-          <a:xfrm>
-            <a:off x="1066800" y="642594"/>
-            <a:ext cx="10058400" cy="1371600"/>
-          </a:xfrm>
-          <a:prstGeom prst="rect">
-            <a:avLst/>
-          </a:prstGeom>
-        </p:spPr>
-        <p:txBody>
-          <a:bodyPr vert="horz" lIns="91440" tIns="45720" rIns="91440" bIns="45720" rtlCol="0" anchor="ctr">
-            <a:normAutofit/>
-          </a:bodyPr>
-          <a:lstStyle/>
-          <a:p>
-            <a:r>
-              <a:rPr lang="pt-PT"/>
-              <a:t>Clique para editar o estilo de título do Modelo Global</a:t>
-            </a:r>
-            <a:endParaRPr lang="en-US" dirty="0"/>
-          </a:p>
-        </p:txBody>
-      </p:sp>
-      <p:sp>
-        <p:nvSpPr>
-          <p:cNvPr id="3" name="Text Placeholder 2"/>
-          <p:cNvSpPr>
-            <a:spLocks noGrp="1"/>
-          </p:cNvSpPr>
-          <p:nvPr>
-            <p:ph type="body" idx="1"/>
-          </p:nvPr>
-        </p:nvSpPr>
-        <p:spPr>
-          <a:xfrm>
-            <a:off x="1066800" y="2103120"/>
-            <a:ext cx="10058400" cy="3931920"/>
-          </a:xfrm>
-          <a:prstGeom prst="rect">
-            <a:avLst/>
-          </a:prstGeom>
-        </p:spPr>
-        <p:txBody>
-          <a:bodyPr vert="horz" lIns="91440" tIns="45720" rIns="91440" bIns="45720" rtlCol="0">
-            <a:normAutofit/>
-          </a:bodyPr>
-          <a:lstStyle/>
-          <a:p>
-            <a:pPr lvl="0"/>
-            <a:r>
-              <a:rPr lang="pt-PT"/>
-              <a:t>Clique para editar os estilos do texto de Modelo Global</a:t>
-            </a:r>
-          </a:p>
-          <a:p>
-            <a:pPr lvl="1"/>
-            <a:r>
-              <a:rPr lang="pt-PT"/>
-              <a:t>Segundo nível</a:t>
-            </a:r>
-          </a:p>
-          <a:p>
-            <a:pPr lvl="2"/>
-            <a:r>
-              <a:rPr lang="pt-PT"/>
-              <a:t>Terceiro nível</a:t>
-            </a:r>
-          </a:p>
-          <a:p>
-            <a:pPr lvl="3"/>
-            <a:r>
-              <a:rPr lang="pt-PT"/>
-              <a:t>Quarto nível</a:t>
-            </a:r>
-          </a:p>
-          <a:p>
-            <a:pPr lvl="4"/>
-            <a:r>
-              <a:rPr lang="pt-PT"/>
-              <a:t>Quinto nível</a:t>
-            </a:r>
-            <a:endParaRPr lang="en-US" dirty="0"/>
-          </a:p>
-        </p:txBody>
-      </p:sp>
-      <p:sp>
-        <p:nvSpPr>
-          <p:cNvPr id="4" name="Date Placeholder 3"/>
-          <p:cNvSpPr>
-            <a:spLocks noGrp="1"/>
-          </p:cNvSpPr>
-          <p:nvPr>
-            <p:ph type="dt" sz="half" idx="2"/>
-          </p:nvPr>
-        </p:nvSpPr>
-        <p:spPr>
-          <a:xfrm>
-            <a:off x="274320" y="6307672"/>
-            <a:ext cx="2743200" cy="274320"/>
-          </a:xfrm>
-          <a:prstGeom prst="rect">
-            <a:avLst/>
-          </a:prstGeom>
-        </p:spPr>
-        <p:txBody>
-          <a:bodyPr vert="horz" lIns="91440" tIns="45720" rIns="91440" bIns="45720" rtlCol="0" anchor="b"/>
-          <a:lstStyle>
-            <a:lvl1pPr algn="l">
-              <a:defRPr sz="1000">
-                <a:solidFill>
-                  <a:schemeClr val="tx1">
-                    <a:lumMod val="75000"/>
-                    <a:lumOff val="25000"/>
-                  </a:schemeClr>
-                </a:solidFill>
-              </a:defRPr>
-            </a:lvl1pPr>
-          </a:lstStyle>
-          <a:p>
-            <a:fld id="{91162ED4-134C-4E94-B418-E67EB33BE706}" type="datetimeFigureOut">
-              <a:rPr lang="pt-PT" smtClean="0"/>
-              <a:t>09/05/2022</a:t>
-            </a:fld>
-            <a:endParaRPr lang="pt-PT"/>
-          </a:p>
-        </p:txBody>
-      </p:sp>
-      <p:sp>
-        <p:nvSpPr>
-          <p:cNvPr id="5" name="Footer Placeholder 4"/>
-          <p:cNvSpPr>
-            <a:spLocks noGrp="1"/>
-          </p:cNvSpPr>
-          <p:nvPr>
-            <p:ph type="ftr" sz="quarter" idx="3"/>
-          </p:nvPr>
-        </p:nvSpPr>
-        <p:spPr>
-          <a:xfrm>
-            <a:off x="3489960" y="6307672"/>
-            <a:ext cx="5212080" cy="274320"/>
-          </a:xfrm>
-          <a:prstGeom prst="rect">
-            <a:avLst/>
-          </a:prstGeom>
-        </p:spPr>
-        <p:txBody>
-          <a:bodyPr vert="horz" lIns="91440" tIns="45720" rIns="91440" bIns="45720" rtlCol="0" anchor="b"/>
-          <a:lstStyle>
-            <a:lvl1pPr algn="ctr">
-              <a:defRPr sz="1000">
-                <a:solidFill>
-                  <a:schemeClr val="tx1">
-                    <a:lumMod val="75000"/>
-                    <a:lumOff val="25000"/>
-                  </a:schemeClr>
-                </a:solidFill>
-              </a:defRPr>
-            </a:lvl1pPr>
-          </a:lstStyle>
-          <a:p>
-            <a:endParaRPr lang="pt-PT"/>
-          </a:p>
-        </p:txBody>
-      </p:sp>
-      <p:sp>
-        <p:nvSpPr>
-          <p:cNvPr id="6" name="Slide Number Placeholder 5"/>
-          <p:cNvSpPr>
-            <a:spLocks noGrp="1"/>
-          </p:cNvSpPr>
-          <p:nvPr>
-            <p:ph type="sldNum" sz="quarter" idx="4"/>
-          </p:nvPr>
-        </p:nvSpPr>
-        <p:spPr>
-          <a:xfrm>
-            <a:off x="10469880" y="6307672"/>
-            <a:ext cx="1463040" cy="274320"/>
-          </a:xfrm>
-          <a:prstGeom prst="rect">
-            <a:avLst/>
-          </a:prstGeom>
-        </p:spPr>
-        <p:txBody>
-          <a:bodyPr vert="horz" lIns="91440" tIns="45720" rIns="91440" bIns="45720" rtlCol="0" anchor="b"/>
-          <a:lstStyle>
-            <a:lvl1pPr algn="r">
-              <a:defRPr sz="1000">
-                <a:solidFill>
-                  <a:schemeClr val="tx1">
-                    <a:lumMod val="75000"/>
-                    <a:lumOff val="25000"/>
-                  </a:schemeClr>
-                </a:solidFill>
-              </a:defRPr>
-            </a:lvl1pPr>
-          </a:lstStyle>
-          <a:p>
-            <a:fld id="{35316921-4203-44BE-8831-A6F053BB954C}" type="slidenum">
-              <a:rPr lang="pt-PT" smtClean="0"/>
-              <a:t>‹nº›</a:t>
-            </a:fld>
-            <a:endParaRPr lang="pt-PT"/>
-          </a:p>
-        </p:txBody>
-      </p:sp>
-    </p:spTree>
-    <p:extLst>
-      <p:ext uri="{BB962C8B-B14F-4D97-AF65-F5344CB8AC3E}">
-        <p14:creationId xmlns:p14="http://schemas.microsoft.com/office/powerpoint/2010/main" val="527394760"/>
-      </p:ext>
-    </p:extLst>
-  </p:cSld>
-  <p:clrMap bg1="lt1" tx1="dk1" bg2="lt2" tx2="dk2" accent1="accent1" accent2="accent2" accent3="accent3" accent4="accent4" accent5="accent5" accent6="accent6" hlink="hlink" folHlink="folHlink"/>
-  <p:sldLayoutIdLst>
-    <p:sldLayoutId id="2147483661" r:id="rId1"/>
-    <p:sldLayoutId id="2147483662" r:id="rId2"/>
-    <p:sldLayoutId id="2147483663" r:id="rId3"/>
-    <p:sldLayoutId id="2147483664" r:id="rId4"/>
-    <p:sldLayoutId id="2147483665" r:id="rId5"/>
-    <p:sldLayoutId id="2147483666" r:id="rId6"/>
-    <p:sldLayoutId id="2147483667" r:id="rId7"/>
-    <p:sldLayoutId id="2147483668" r:id="rId8"/>
-    <p:sldLayoutId id="2147483669" r:id="rId9"/>
-    <p:sldLayoutId id="2147483670" r:id="rId10"/>
-    <p:sldLayoutId id="2147483671" r:id="rId11"/>
-  </p:sldLayoutIdLst>
-  <p:txStyles>
-    <p:titleStyle>
-      <a:lvl1pPr algn="l" defTabSz="914400" rtl="0" eaLnBrk="1" latinLnBrk="0" hangingPunct="1">
-        <a:lnSpc>
-          <a:spcPct val="90000"/>
-        </a:lnSpc>
-        <a:spcBef>
-          <a:spcPct val="0"/>
-        </a:spcBef>
-        <a:buNone/>
-        <a:defRPr lang="en-US" sz="4800" kern="1200" cap="none" spc="0" baseline="0" dirty="0">
-          <a:solidFill>
-            <a:schemeClr val="tx1">
-              <a:lumMod val="85000"/>
-              <a:lumOff val="15000"/>
-            </a:schemeClr>
-          </a:solidFill>
-          <a:effectLst/>
-          <a:latin typeface="+mj-lt"/>
-          <a:ea typeface="+mn-ea"/>
-          <a:cs typeface="+mn-cs"/>
-        </a:defRPr>
-      </a:lvl1pPr>
-    </p:titleStyle>
-    <p:bodyStyle>
-      <a:lvl1pPr marL="182880" indent="-182880" algn="l" defTabSz="914400" rtl="0" eaLnBrk="1" latinLnBrk="0" hangingPunct="1">
-        <a:lnSpc>
-          <a:spcPct val="100000"/>
-        </a:lnSpc>
-        <a:spcBef>
-          <a:spcPts val="900"/>
-        </a:spcBef>
-        <a:spcAft>
-          <a:spcPts val="0"/>
-        </a:spcAft>
-        <a:buClr>
-          <a:schemeClr val="tx1">
-            <a:lumMod val="85000"/>
-            <a:lumOff val="15000"/>
-          </a:schemeClr>
-        </a:buClr>
-        <a:buFont typeface="Garamond" pitchFamily="18" charset="0"/>
-        <a:buChar char="◦"/>
-        <a:defRPr sz="1800" kern="1200">
-          <a:solidFill>
-            <a:schemeClr val="tx1"/>
-          </a:solidFill>
-          <a:latin typeface="+mn-lt"/>
-          <a:ea typeface="+mn-ea"/>
-          <a:cs typeface="+mn-cs"/>
-        </a:defRPr>
-      </a:lvl1pPr>
-      <a:lvl2pPr marL="457200" indent="-182880" algn="l" defTabSz="914400" rtl="0" eaLnBrk="1" latinLnBrk="0" hangingPunct="1">
-        <a:lnSpc>
-          <a:spcPct val="100000"/>
-        </a:lnSpc>
-        <a:spcBef>
-          <a:spcPts val="500"/>
-        </a:spcBef>
-        <a:buClr>
-          <a:schemeClr val="tx1">
-            <a:lumMod val="85000"/>
-            <a:lumOff val="15000"/>
-          </a:schemeClr>
-        </a:buClr>
-        <a:buFont typeface="Garamond" pitchFamily="18" charset="0"/>
-        <a:buChar char="◦"/>
-        <a:defRPr sz="1600" kern="1200">
-          <a:solidFill>
-            <a:schemeClr val="tx1"/>
-          </a:solidFill>
-          <a:latin typeface="+mn-lt"/>
-          <a:ea typeface="+mn-ea"/>
-          <a:cs typeface="+mn-cs"/>
-        </a:defRPr>
-      </a:lvl2pPr>
-      <a:lvl3pPr marL="731520" indent="-182880" algn="l" defTabSz="914400" rtl="0" eaLnBrk="1" latinLnBrk="0" hangingPunct="1">
-        <a:lnSpc>
-          <a:spcPct val="100000"/>
-        </a:lnSpc>
-        <a:spcBef>
-          <a:spcPts val="500"/>
-        </a:spcBef>
-        <a:buClr>
-          <a:schemeClr val="tx1">
-            <a:lumMod val="85000"/>
-            <a:lumOff val="15000"/>
-          </a:schemeClr>
-        </a:buClr>
-        <a:buFont typeface="Garamond" pitchFamily="18" charset="0"/>
-        <a:buChar char="◦"/>
-        <a:defRPr sz="1400" kern="1200">
-          <a:solidFill>
-            <a:schemeClr val="tx1"/>
-          </a:solidFill>
-          <a:latin typeface="+mn-lt"/>
-          <a:ea typeface="+mn-ea"/>
-          <a:cs typeface="+mn-cs"/>
-        </a:defRPr>
-      </a:lvl3pPr>
-      <a:lvl4pPr marL="1005840" indent="-182880" algn="l" defTabSz="914400" rtl="0" eaLnBrk="1" latinLnBrk="0" hangingPunct="1">
-        <a:lnSpc>
-          <a:spcPct val="100000"/>
-        </a:lnSpc>
-        <a:spcBef>
-          <a:spcPts val="500"/>
-        </a:spcBef>
-        <a:buClr>
-          <a:schemeClr val="tx1">
-            <a:lumMod val="85000"/>
-            <a:lumOff val="15000"/>
-          </a:schemeClr>
-        </a:buClr>
-        <a:buFont typeface="Garamond" pitchFamily="18" charset="0"/>
-        <a:buChar char="◦"/>
-        <a:defRPr sz="1400" kern="1200">
-          <a:solidFill>
-            <a:schemeClr val="tx1"/>
-          </a:solidFill>
-          <a:latin typeface="+mn-lt"/>
-          <a:ea typeface="+mn-ea"/>
-          <a:cs typeface="+mn-cs"/>
-        </a:defRPr>
-      </a:lvl4pPr>
-      <a:lvl5pPr marL="1280160" indent="-182880" algn="l" defTabSz="914400" rtl="0" eaLnBrk="1" latinLnBrk="0" hangingPunct="1">
-        <a:lnSpc>
-          <a:spcPct val="100000"/>
-        </a:lnSpc>
-        <a:spcBef>
-          <a:spcPts val="500"/>
-        </a:spcBef>
-        <a:buClr>
-          <a:schemeClr val="tx1">
-            <a:lumMod val="85000"/>
-            <a:lumOff val="15000"/>
-          </a:schemeClr>
-        </a:buClr>
-        <a:buFont typeface="Garamond" pitchFamily="18" charset="0"/>
-        <a:buChar char="◦"/>
-        <a:defRPr sz="1400" kern="1200">
-          <a:solidFill>
-            <a:schemeClr val="tx1"/>
-          </a:solidFill>
-          <a:latin typeface="+mn-lt"/>
-          <a:ea typeface="+mn-ea"/>
-          <a:cs typeface="+mn-cs"/>
-        </a:defRPr>
-      </a:lvl5pPr>
-      <a:lvl6pPr marL="1600000" indent="-228600" algn="l" defTabSz="914400" rtl="0" eaLnBrk="1" latinLnBrk="0" hangingPunct="1">
-        <a:lnSpc>
-          <a:spcPct val="100000"/>
-        </a:lnSpc>
-        <a:spcBef>
-          <a:spcPts val="500"/>
-        </a:spcBef>
-        <a:buClr>
-          <a:schemeClr val="tx1">
-            <a:lumMod val="85000"/>
-            <a:lumOff val="15000"/>
-          </a:schemeClr>
-        </a:buClr>
-        <a:buFont typeface="Garamond" pitchFamily="18" charset="0"/>
-        <a:buChar char="◦"/>
-        <a:defRPr sz="1400" kern="1200">
-          <a:solidFill>
-            <a:schemeClr val="tx1"/>
-          </a:solidFill>
-          <a:latin typeface="+mn-lt"/>
-          <a:ea typeface="+mn-ea"/>
-          <a:cs typeface="+mn-cs"/>
-        </a:defRPr>
-      </a:lvl6pPr>
-      <a:lvl7pPr marL="1900000" indent="-228600" algn="l" defTabSz="914400" rtl="0" eaLnBrk="1" latinLnBrk="0" hangingPunct="1">
-        <a:lnSpc>
-          <a:spcPct val="100000"/>
-        </a:lnSpc>
-        <a:spcBef>
-          <a:spcPts val="500"/>
-        </a:spcBef>
-        <a:buClr>
-          <a:schemeClr val="tx1">
-            <a:lumMod val="85000"/>
-            <a:lumOff val="15000"/>
-          </a:schemeClr>
-        </a:buClr>
-        <a:buFont typeface="Garamond" pitchFamily="18" charset="0"/>
-        <a:buChar char="◦"/>
-        <a:defRPr sz="1400" kern="1200">
-          <a:solidFill>
-            <a:schemeClr val="tx1"/>
-          </a:solidFill>
-          <a:latin typeface="+mn-lt"/>
-          <a:ea typeface="+mn-ea"/>
-          <a:cs typeface="+mn-cs"/>
-        </a:defRPr>
-      </a:lvl7pPr>
-      <a:lvl8pPr marL="2200000" indent="-228600" algn="l" defTabSz="914400" rtl="0" eaLnBrk="1" latinLnBrk="0" hangingPunct="1">
-        <a:lnSpc>
-          <a:spcPct val="100000"/>
-        </a:lnSpc>
-        <a:spcBef>
-          <a:spcPts val="500"/>
-        </a:spcBef>
-        <a:buClr>
-          <a:schemeClr val="tx1">
-            <a:lumMod val="85000"/>
-            <a:lumOff val="15000"/>
-          </a:schemeClr>
-        </a:buClr>
-        <a:buFont typeface="Garamond" pitchFamily="18" charset="0"/>
-        <a:buChar char="◦"/>
-        <a:defRPr sz="1400" kern="1200">
-          <a:solidFill>
-            <a:schemeClr val="tx1"/>
-          </a:solidFill>
-          <a:latin typeface="+mn-lt"/>
-          <a:ea typeface="+mn-ea"/>
-          <a:cs typeface="+mn-cs"/>
-        </a:defRPr>
-      </a:lvl8pPr>
-      <a:lvl9pPr marL="2500000" indent="-228600" algn="l" defTabSz="914400" rtl="0" eaLnBrk="1" latinLnBrk="0" hangingPunct="1">
-        <a:lnSpc>
-          <a:spcPct val="100000"/>
-        </a:lnSpc>
-        <a:spcBef>
-          <a:spcPts val="500"/>
-        </a:spcBef>
-        <a:buClr>
-          <a:schemeClr val="tx1">
-            <a:lumMod val="85000"/>
-            <a:lumOff val="15000"/>
-          </a:schemeClr>
-        </a:buClr>
-        <a:buFont typeface="Garamond" pitchFamily="18" charset="0"/>
-        <a:buChar char="◦"/>
-        <a:defRPr sz="1400" kern="1200">
-          <a:solidFill>
-            <a:schemeClr val="tx1"/>
-          </a:solidFill>
-          <a:latin typeface="+mn-lt"/>
-          <a:ea typeface="+mn-ea"/>
-          <a:cs typeface="+mn-cs"/>
-        </a:defRPr>
-      </a:lvl9pPr>
-    </p:bodyStyle>
-    <p:otherStyle>
-      <a:defPPr>
-        <a:defRPr lang="en-US"/>
-      </a:defPPr>
-      <a:lvl1pPr marL="0" algn="l" defTabSz="914400" rtl="0" eaLnBrk="1" latinLnBrk="0" hangingPunct="1">
-        <a:defRPr sz="1800" kern="1200">
-          <a:solidFill>
-            <a:schemeClr val="tx1"/>
-          </a:solidFill>
-          <a:latin typeface="+mn-lt"/>
-          <a:ea typeface="+mn-ea"/>
-          <a:cs typeface="+mn-cs"/>
-        </a:defRPr>
-      </a:lvl1pPr>
-      <a:lvl2pPr marL="457200" algn="l" defTabSz="914400" rtl="0" eaLnBrk="1" latinLnBrk="0" hangingPunct="1">
-        <a:defRPr sz="1800" kern="1200">
-          <a:solidFill>
-            <a:schemeClr val="tx1"/>
-          </a:solidFill>
-          <a:latin typeface="+mn-lt"/>
-          <a:ea typeface="+mn-ea"/>
-          <a:cs typeface="+mn-cs"/>
-        </a:defRPr>
-      </a:lvl2pPr>
-      <a:lvl3pPr marL="914400" algn="l" defTabSz="914400" rtl="0" eaLnBrk="1" latinLnBrk="0" hangingPunct="1">
-        <a:defRPr sz="1800" kern="1200">
-          <a:solidFill>
-            <a:schemeClr val="tx1"/>
-          </a:solidFill>
-          <a:latin typeface="+mn-lt"/>
-          <a:ea typeface="+mn-ea"/>
-          <a:cs typeface="+mn-cs"/>
-        </a:defRPr>
-      </a:lvl3pPr>
-      <a:lvl4pPr marL="1371600" algn="l" defTabSz="914400" rtl="0" eaLnBrk="1" latinLnBrk="0" hangingPunct="1">
-        <a:defRPr sz="1800" kern="1200">
-          <a:solidFill>
-            <a:schemeClr val="tx1"/>
-          </a:solidFill>
-          <a:latin typeface="+mn-lt"/>
-          <a:ea typeface="+mn-ea"/>
-          <a:cs typeface="+mn-cs"/>
-        </a:defRPr>
-      </a:lvl4pPr>
-      <a:lvl5pPr marL="1828800" algn="l" defTabSz="914400" rtl="0" eaLnBrk="1" latinLnBrk="0" hangingPunct="1">
-        <a:defRPr sz="1800" kern="1200">
-          <a:solidFill>
-            <a:schemeClr val="tx1"/>
-          </a:solidFill>
-          <a:latin typeface="+mn-lt"/>
-          <a:ea typeface="+mn-ea"/>
-          <a:cs typeface="+mn-cs"/>
-        </a:defRPr>
-      </a:lvl5pPr>
-      <a:lvl6pPr marL="2286000" algn="l" defTabSz="914400" rtl="0" eaLnBrk="1" latinLnBrk="0" hangingPunct="1">
-        <a:defRPr sz="1800" kern="1200">
-          <a:solidFill>
-            <a:schemeClr val="tx1"/>
-          </a:solidFill>
-          <a:latin typeface="+mn-lt"/>
-          <a:ea typeface="+mn-ea"/>
-          <a:cs typeface="+mn-cs"/>
-        </a:defRPr>
-      </a:lvl6pPr>
-      <a:lvl7pPr marL="2743200" algn="l" defTabSz="914400" rtl="0" eaLnBrk="1" latinLnBrk="0" hangingPunct="1">
-        <a:defRPr sz="1800" kern="1200">
-          <a:solidFill>
-            <a:schemeClr val="tx1"/>
-          </a:solidFill>
-          <a:latin typeface="+mn-lt"/>
-          <a:ea typeface="+mn-ea"/>
-          <a:cs typeface="+mn-cs"/>
-        </a:defRPr>
-      </a:lvl7pPr>
-      <a:lvl8pPr marL="3200400" algn="l" defTabSz="914400" rtl="0" eaLnBrk="1" latinLnBrk="0" hangingPunct="1">
-        <a:defRPr sz="1800" kern="1200">
-          <a:solidFill>
-            <a:schemeClr val="tx1"/>
-          </a:solidFill>
-          <a:latin typeface="+mn-lt"/>
-          <a:ea typeface="+mn-ea"/>
-          <a:cs typeface="+mn-cs"/>
-        </a:defRPr>
-      </a:lvl8pPr>
-      <a:lvl9pPr marL="3657600" algn="l" defTabSz="914400" rtl="0" eaLnBrk="1" latinLnBrk="0" hangingPunct="1">
-        <a:defRPr sz="1800" kern="1200">
-          <a:solidFill>
-            <a:schemeClr val="tx1"/>
-          </a:solidFill>
-          <a:latin typeface="+mn-lt"/>
-          <a:ea typeface="+mn-ea"/>
-          <a:cs typeface="+mn-cs"/>
-        </a:defRPr>
-      </a:lvl9pPr>
-    </p:otherStyle>
-  </p:txStyles>
-</p:sldMaster>
-</file>
-
 <file path=ppt/slides/slide1.xml><?xml version="1.0" encoding="utf-8"?>
 <p:sld xmlns:a="http://schemas.openxmlformats.org/drawingml/2006/main" xmlns:r="http://schemas.openxmlformats.org/officeDocument/2006/relationships" xmlns:p="http://schemas.openxmlformats.org/presentationml/2006/main">
   <p:cSld>
@@ -7434,7 +3357,7 @@
         </p:nvSpPr>
         <p:spPr>
           <a:xfrm>
-            <a:off x="3216000" y="549000"/>
+            <a:off x="3262600" y="427080"/>
             <a:ext cx="5760000" cy="5760000"/>
           </a:xfrm>
           <a:prstGeom prst="roundRect">
@@ -7443,7 +3366,7 @@
             </a:avLst>
           </a:prstGeom>
           <a:solidFill>
-            <a:srgbClr val="002060"/>
+            <a:srgbClr val="000F2E"/>
           </a:solidFill>
           <a:ln>
             <a:noFill/>
@@ -7488,7 +3411,7 @@
         </p:nvSpPr>
         <p:spPr>
           <a:xfrm>
-            <a:off x="3396000" y="637584"/>
+            <a:off x="3442600" y="515664"/>
             <a:ext cx="5400000" cy="5400000"/>
           </a:xfrm>
           <a:prstGeom prst="ellipse">
@@ -7523,12 +3446,610 @@
           </a:p>
         </p:txBody>
       </p:sp>
+      <p:sp>
+        <p:nvSpPr>
+          <p:cNvPr id="12" name="Forma livre: Forma 11">
+            <a:extLst>
+              <a:ext uri="{FF2B5EF4-FFF2-40B4-BE49-F238E27FC236}">
+                <a16:creationId xmlns:a16="http://schemas.microsoft.com/office/drawing/2014/main" id="{9CA80256-8A65-CD17-AF9E-E85FDB722968}"/>
+              </a:ext>
+            </a:extLst>
+          </p:cNvPr>
+          <p:cNvSpPr/>
+          <p:nvPr/>
+        </p:nvSpPr>
+        <p:spPr>
+          <a:xfrm flipH="1">
+            <a:off x="4644072" y="2580640"/>
+            <a:ext cx="3070781" cy="1452880"/>
+          </a:xfrm>
+          <a:custGeom>
+            <a:avLst/>
+            <a:gdLst>
+              <a:gd name="connsiteX0" fmla="*/ 0 w 4221480"/>
+              <a:gd name="connsiteY0" fmla="*/ 0 h 1518870"/>
+              <a:gd name="connsiteX1" fmla="*/ 2148840 w 4221480"/>
+              <a:gd name="connsiteY1" fmla="*/ 1295400 h 1518870"/>
+              <a:gd name="connsiteX2" fmla="*/ 4221480 w 4221480"/>
+              <a:gd name="connsiteY2" fmla="*/ 1508760 h 1518870"/>
+              <a:gd name="connsiteX0" fmla="*/ 0 w 4221480"/>
+              <a:gd name="connsiteY0" fmla="*/ 0 h 1509404"/>
+              <a:gd name="connsiteX1" fmla="*/ 1859280 w 4221480"/>
+              <a:gd name="connsiteY1" fmla="*/ 868680 h 1509404"/>
+              <a:gd name="connsiteX2" fmla="*/ 4221480 w 4221480"/>
+              <a:gd name="connsiteY2" fmla="*/ 1508760 h 1509404"/>
+              <a:gd name="connsiteX0" fmla="*/ 0 w 4389120"/>
+              <a:gd name="connsiteY0" fmla="*/ 0 h 1204604"/>
+              <a:gd name="connsiteX1" fmla="*/ 2026920 w 4389120"/>
+              <a:gd name="connsiteY1" fmla="*/ 563880 h 1204604"/>
+              <a:gd name="connsiteX2" fmla="*/ 4389120 w 4389120"/>
+              <a:gd name="connsiteY2" fmla="*/ 1203960 h 1204604"/>
+              <a:gd name="connsiteX0" fmla="*/ 0 w 4389120"/>
+              <a:gd name="connsiteY0" fmla="*/ 0 h 1204604"/>
+              <a:gd name="connsiteX1" fmla="*/ 2026920 w 4389120"/>
+              <a:gd name="connsiteY1" fmla="*/ 563880 h 1204604"/>
+              <a:gd name="connsiteX2" fmla="*/ 4389120 w 4389120"/>
+              <a:gd name="connsiteY2" fmla="*/ 1203960 h 1204604"/>
+              <a:gd name="connsiteX0" fmla="*/ 0 w 4617720"/>
+              <a:gd name="connsiteY0" fmla="*/ 0 h 1859532"/>
+              <a:gd name="connsiteX1" fmla="*/ 2026920 w 4617720"/>
+              <a:gd name="connsiteY1" fmla="*/ 563880 h 1859532"/>
+              <a:gd name="connsiteX2" fmla="*/ 4617720 w 4617720"/>
+              <a:gd name="connsiteY2" fmla="*/ 1859280 h 1859532"/>
+              <a:gd name="connsiteX0" fmla="*/ 0 w 4617720"/>
+              <a:gd name="connsiteY0" fmla="*/ 0 h 1859794"/>
+              <a:gd name="connsiteX1" fmla="*/ 2560320 w 4617720"/>
+              <a:gd name="connsiteY1" fmla="*/ 1112520 h 1859794"/>
+              <a:gd name="connsiteX2" fmla="*/ 4617720 w 4617720"/>
+              <a:gd name="connsiteY2" fmla="*/ 1859280 h 1859794"/>
+              <a:gd name="connsiteX0" fmla="*/ 0 w 4617720"/>
+              <a:gd name="connsiteY0" fmla="*/ 0 h 1862155"/>
+              <a:gd name="connsiteX1" fmla="*/ 2560320 w 4617720"/>
+              <a:gd name="connsiteY1" fmla="*/ 1112520 h 1862155"/>
+              <a:gd name="connsiteX2" fmla="*/ 4617720 w 4617720"/>
+              <a:gd name="connsiteY2" fmla="*/ 1859280 h 1862155"/>
+              <a:gd name="connsiteX0" fmla="*/ 0 w 4617720"/>
+              <a:gd name="connsiteY0" fmla="*/ 0 h 1862155"/>
+              <a:gd name="connsiteX1" fmla="*/ 2560320 w 4617720"/>
+              <a:gd name="connsiteY1" fmla="*/ 1112520 h 1862155"/>
+              <a:gd name="connsiteX2" fmla="*/ 4617720 w 4617720"/>
+              <a:gd name="connsiteY2" fmla="*/ 1859280 h 1862155"/>
+              <a:gd name="connsiteX0" fmla="*/ 0 w 4556760"/>
+              <a:gd name="connsiteY0" fmla="*/ 0 h 1801195"/>
+              <a:gd name="connsiteX1" fmla="*/ 2499360 w 4556760"/>
+              <a:gd name="connsiteY1" fmla="*/ 1051560 h 1801195"/>
+              <a:gd name="connsiteX2" fmla="*/ 4556760 w 4556760"/>
+              <a:gd name="connsiteY2" fmla="*/ 1798320 h 1801195"/>
+              <a:gd name="connsiteX0" fmla="*/ 0 w 4556760"/>
+              <a:gd name="connsiteY0" fmla="*/ 15235 h 1816430"/>
+              <a:gd name="connsiteX1" fmla="*/ 2499360 w 4556760"/>
+              <a:gd name="connsiteY1" fmla="*/ 1066795 h 1816430"/>
+              <a:gd name="connsiteX2" fmla="*/ 4556760 w 4556760"/>
+              <a:gd name="connsiteY2" fmla="*/ 1813555 h 1816430"/>
+              <a:gd name="connsiteX0" fmla="*/ 0 w 4602480"/>
+              <a:gd name="connsiteY0" fmla="*/ 29116 h 1754111"/>
+              <a:gd name="connsiteX1" fmla="*/ 2545080 w 4602480"/>
+              <a:gd name="connsiteY1" fmla="*/ 1004476 h 1754111"/>
+              <a:gd name="connsiteX2" fmla="*/ 4602480 w 4602480"/>
+              <a:gd name="connsiteY2" fmla="*/ 1751236 h 1754111"/>
+              <a:gd name="connsiteX0" fmla="*/ 0 w 4602480"/>
+              <a:gd name="connsiteY0" fmla="*/ 89982 h 1813086"/>
+              <a:gd name="connsiteX1" fmla="*/ 2301240 w 4602480"/>
+              <a:gd name="connsiteY1" fmla="*/ 867222 h 1813086"/>
+              <a:gd name="connsiteX2" fmla="*/ 4602480 w 4602480"/>
+              <a:gd name="connsiteY2" fmla="*/ 1812102 h 1813086"/>
+              <a:gd name="connsiteX0" fmla="*/ 0 w 4602480"/>
+              <a:gd name="connsiteY0" fmla="*/ 50447 h 1773551"/>
+              <a:gd name="connsiteX1" fmla="*/ 2301240 w 4602480"/>
+              <a:gd name="connsiteY1" fmla="*/ 827687 h 1773551"/>
+              <a:gd name="connsiteX2" fmla="*/ 4602480 w 4602480"/>
+              <a:gd name="connsiteY2" fmla="*/ 1772567 h 1773551"/>
+              <a:gd name="connsiteX0" fmla="*/ 0 w 4602480"/>
+              <a:gd name="connsiteY0" fmla="*/ 32192 h 1755296"/>
+              <a:gd name="connsiteX1" fmla="*/ 2301240 w 4602480"/>
+              <a:gd name="connsiteY1" fmla="*/ 809432 h 1755296"/>
+              <a:gd name="connsiteX2" fmla="*/ 4602480 w 4602480"/>
+              <a:gd name="connsiteY2" fmla="*/ 1754312 h 1755296"/>
+              <a:gd name="connsiteX0" fmla="*/ 0 w 4602480"/>
+              <a:gd name="connsiteY0" fmla="*/ 36174 h 1759228"/>
+              <a:gd name="connsiteX1" fmla="*/ 2362200 w 4602480"/>
+              <a:gd name="connsiteY1" fmla="*/ 798174 h 1759228"/>
+              <a:gd name="connsiteX2" fmla="*/ 4602480 w 4602480"/>
+              <a:gd name="connsiteY2" fmla="*/ 1758294 h 1759228"/>
+              <a:gd name="connsiteX0" fmla="*/ 0 w 4602480"/>
+              <a:gd name="connsiteY0" fmla="*/ 36174 h 1762825"/>
+              <a:gd name="connsiteX1" fmla="*/ 2362200 w 4602480"/>
+              <a:gd name="connsiteY1" fmla="*/ 798174 h 1762825"/>
+              <a:gd name="connsiteX2" fmla="*/ 4602480 w 4602480"/>
+              <a:gd name="connsiteY2" fmla="*/ 1758294 h 1762825"/>
+              <a:gd name="connsiteX0" fmla="*/ 0 w 4602480"/>
+              <a:gd name="connsiteY0" fmla="*/ 13770 h 1749139"/>
+              <a:gd name="connsiteX1" fmla="*/ 2499360 w 4602480"/>
+              <a:gd name="connsiteY1" fmla="*/ 882450 h 1749139"/>
+              <a:gd name="connsiteX2" fmla="*/ 4602480 w 4602480"/>
+              <a:gd name="connsiteY2" fmla="*/ 1735890 h 1749139"/>
+              <a:gd name="connsiteX0" fmla="*/ 0 w 4602480"/>
+              <a:gd name="connsiteY0" fmla="*/ 26232 h 1761601"/>
+              <a:gd name="connsiteX1" fmla="*/ 2499360 w 4602480"/>
+              <a:gd name="connsiteY1" fmla="*/ 894912 h 1761601"/>
+              <a:gd name="connsiteX2" fmla="*/ 4602480 w 4602480"/>
+              <a:gd name="connsiteY2" fmla="*/ 1748352 h 1761601"/>
+              <a:gd name="connsiteX0" fmla="*/ 0 w 4602480"/>
+              <a:gd name="connsiteY0" fmla="*/ 26232 h 1755788"/>
+              <a:gd name="connsiteX1" fmla="*/ 2499360 w 4602480"/>
+              <a:gd name="connsiteY1" fmla="*/ 894912 h 1755788"/>
+              <a:gd name="connsiteX2" fmla="*/ 4602480 w 4602480"/>
+              <a:gd name="connsiteY2" fmla="*/ 1748352 h 1755788"/>
+              <a:gd name="connsiteX0" fmla="*/ 0 w 4861560"/>
+              <a:gd name="connsiteY0" fmla="*/ 26232 h 1728117"/>
+              <a:gd name="connsiteX1" fmla="*/ 2499360 w 4861560"/>
+              <a:gd name="connsiteY1" fmla="*/ 894912 h 1728117"/>
+              <a:gd name="connsiteX2" fmla="*/ 4861560 w 4861560"/>
+              <a:gd name="connsiteY2" fmla="*/ 1717872 h 1728117"/>
+              <a:gd name="connsiteX0" fmla="*/ 0 w 4794504"/>
+              <a:gd name="connsiteY0" fmla="*/ 20097 h 1752462"/>
+              <a:gd name="connsiteX1" fmla="*/ 2432304 w 4794504"/>
+              <a:gd name="connsiteY1" fmla="*/ 919257 h 1752462"/>
+              <a:gd name="connsiteX2" fmla="*/ 4794504 w 4794504"/>
+              <a:gd name="connsiteY2" fmla="*/ 1742217 h 1752462"/>
+              <a:gd name="connsiteX0" fmla="*/ 0 w 4733544"/>
+              <a:gd name="connsiteY0" fmla="*/ 20097 h 1757925"/>
+              <a:gd name="connsiteX1" fmla="*/ 2432304 w 4733544"/>
+              <a:gd name="connsiteY1" fmla="*/ 919257 h 1757925"/>
+              <a:gd name="connsiteX2" fmla="*/ 4733544 w 4733544"/>
+              <a:gd name="connsiteY2" fmla="*/ 1748313 h 1757925"/>
+              <a:gd name="connsiteX0" fmla="*/ 0 w 4770120"/>
+              <a:gd name="connsiteY0" fmla="*/ 20097 h 1791433"/>
+              <a:gd name="connsiteX1" fmla="*/ 2432304 w 4770120"/>
+              <a:gd name="connsiteY1" fmla="*/ 919257 h 1791433"/>
+              <a:gd name="connsiteX2" fmla="*/ 4770120 w 4770120"/>
+              <a:gd name="connsiteY2" fmla="*/ 1784889 h 1791433"/>
+              <a:gd name="connsiteX0" fmla="*/ 0 w 4770120"/>
+              <a:gd name="connsiteY0" fmla="*/ 27577 h 1796889"/>
+              <a:gd name="connsiteX1" fmla="*/ 2395728 w 4770120"/>
+              <a:gd name="connsiteY1" fmla="*/ 890161 h 1796889"/>
+              <a:gd name="connsiteX2" fmla="*/ 4770120 w 4770120"/>
+              <a:gd name="connsiteY2" fmla="*/ 1792369 h 1796889"/>
+              <a:gd name="connsiteX0" fmla="*/ 0 w 4770120"/>
+              <a:gd name="connsiteY0" fmla="*/ 21936 h 1791248"/>
+              <a:gd name="connsiteX1" fmla="*/ 2395728 w 4770120"/>
+              <a:gd name="connsiteY1" fmla="*/ 884520 h 1791248"/>
+              <a:gd name="connsiteX2" fmla="*/ 4770120 w 4770120"/>
+              <a:gd name="connsiteY2" fmla="*/ 1786728 h 1791248"/>
+              <a:gd name="connsiteX0" fmla="*/ 0 w 4770120"/>
+              <a:gd name="connsiteY0" fmla="*/ 21936 h 1791248"/>
+              <a:gd name="connsiteX1" fmla="*/ 2395728 w 4770120"/>
+              <a:gd name="connsiteY1" fmla="*/ 884520 h 1791248"/>
+              <a:gd name="connsiteX2" fmla="*/ 4770120 w 4770120"/>
+              <a:gd name="connsiteY2" fmla="*/ 1786728 h 1791248"/>
+              <a:gd name="connsiteX0" fmla="*/ 0 w 4770120"/>
+              <a:gd name="connsiteY0" fmla="*/ 21936 h 1786728"/>
+              <a:gd name="connsiteX1" fmla="*/ 2395728 w 4770120"/>
+              <a:gd name="connsiteY1" fmla="*/ 884520 h 1786728"/>
+              <a:gd name="connsiteX2" fmla="*/ 4770120 w 4770120"/>
+              <a:gd name="connsiteY2" fmla="*/ 1786728 h 1786728"/>
+              <a:gd name="connsiteX0" fmla="*/ 0 w 4770120"/>
+              <a:gd name="connsiteY0" fmla="*/ 21936 h 1786728"/>
+              <a:gd name="connsiteX1" fmla="*/ 2395728 w 4770120"/>
+              <a:gd name="connsiteY1" fmla="*/ 884520 h 1786728"/>
+              <a:gd name="connsiteX2" fmla="*/ 4770120 w 4770120"/>
+              <a:gd name="connsiteY2" fmla="*/ 1786728 h 1786728"/>
+              <a:gd name="connsiteX0" fmla="*/ 0 w 4770120"/>
+              <a:gd name="connsiteY0" fmla="*/ 21936 h 1786728"/>
+              <a:gd name="connsiteX1" fmla="*/ 2395728 w 4770120"/>
+              <a:gd name="connsiteY1" fmla="*/ 884520 h 1786728"/>
+              <a:gd name="connsiteX2" fmla="*/ 4770120 w 4770120"/>
+              <a:gd name="connsiteY2" fmla="*/ 1786728 h 1786728"/>
+              <a:gd name="connsiteX0" fmla="*/ 0 w 4770120"/>
+              <a:gd name="connsiteY0" fmla="*/ 21936 h 1786728"/>
+              <a:gd name="connsiteX1" fmla="*/ 2395728 w 4770120"/>
+              <a:gd name="connsiteY1" fmla="*/ 884520 h 1786728"/>
+              <a:gd name="connsiteX2" fmla="*/ 4770120 w 4770120"/>
+              <a:gd name="connsiteY2" fmla="*/ 1786728 h 1786728"/>
+            </a:gdLst>
+            <a:ahLst/>
+            <a:cxnLst>
+              <a:cxn ang="0">
+                <a:pos x="connsiteX0" y="connsiteY0"/>
+              </a:cxn>
+              <a:cxn ang="0">
+                <a:pos x="connsiteX1" y="connsiteY1"/>
+              </a:cxn>
+              <a:cxn ang="0">
+                <a:pos x="connsiteX2" y="connsiteY2"/>
+              </a:cxn>
+            </a:cxnLst>
+            <a:rect l="l" t="t" r="r" b="b"/>
+            <a:pathLst>
+              <a:path w="4770120" h="1786728">
+                <a:moveTo>
+                  <a:pt x="0" y="21936"/>
+                </a:moveTo>
+                <a:cubicBezTo>
+                  <a:pt x="753110" y="10506"/>
+                  <a:pt x="1259332" y="-189900"/>
+                  <a:pt x="2395728" y="884520"/>
+                </a:cubicBezTo>
+                <a:cubicBezTo>
+                  <a:pt x="3205988" y="1806540"/>
+                  <a:pt x="4068856" y="1737214"/>
+                  <a:pt x="4770120" y="1786728"/>
+                </a:cubicBezTo>
+              </a:path>
+            </a:pathLst>
+          </a:custGeom>
+          <a:noFill/>
+          <a:ln w="203200" cmpd="thinThick">
+            <a:solidFill>
+              <a:srgbClr val="B5863B"/>
+            </a:solidFill>
+            <a:prstDash val="solid"/>
+            <a:round/>
+            <a:headEnd type="triangle" w="med" len="med"/>
+            <a:tailEnd type="triangle"/>
+          </a:ln>
+        </p:spPr>
+        <p:style>
+          <a:lnRef idx="2">
+            <a:schemeClr val="accent1">
+              <a:shade val="50000"/>
+            </a:schemeClr>
+          </a:lnRef>
+          <a:fillRef idx="1">
+            <a:schemeClr val="accent1"/>
+          </a:fillRef>
+          <a:effectRef idx="0">
+            <a:schemeClr val="accent1"/>
+          </a:effectRef>
+          <a:fontRef idx="minor">
+            <a:schemeClr val="lt1"/>
+          </a:fontRef>
+        </p:style>
+        <p:txBody>
+          <a:bodyPr rtlCol="0" anchor="ctr"/>
+          <a:lstStyle/>
+          <a:p>
+            <a:pPr marL="0" marR="0" lvl="0" indent="0" algn="ctr" defTabSz="914400" rtl="0" eaLnBrk="1" fontAlgn="auto" latinLnBrk="0" hangingPunct="1">
+              <a:lnSpc>
+                <a:spcPct val="100000"/>
+              </a:lnSpc>
+              <a:spcBef>
+                <a:spcPts val="0"/>
+              </a:spcBef>
+              <a:spcAft>
+                <a:spcPts val="0"/>
+              </a:spcAft>
+              <a:buClrTx/>
+              <a:buSzTx/>
+              <a:buFontTx/>
+              <a:buNone/>
+              <a:tabLst/>
+              <a:defRPr/>
+            </a:pPr>
+            <a:endParaRPr kumimoji="0" lang="en-GB" sz="1800" b="0" i="0" u="none" strike="noStrike" kern="1200" cap="none" spc="0" normalizeH="0" baseline="0" noProof="0" dirty="0">
+              <a:ln>
+                <a:noFill/>
+              </a:ln>
+              <a:solidFill>
+                <a:schemeClr val="accent4">
+                  <a:lumMod val="60000"/>
+                  <a:lumOff val="40000"/>
+                </a:schemeClr>
+              </a:solidFill>
+              <a:effectLst/>
+              <a:uLnTx/>
+              <a:uFillTx/>
+              <a:latin typeface="Calibri" panose="020F0502020204030204"/>
+              <a:ea typeface="+mn-ea"/>
+              <a:cs typeface="+mn-cs"/>
+            </a:endParaRPr>
+          </a:p>
+        </p:txBody>
+      </p:sp>
+      <p:sp>
+        <p:nvSpPr>
+          <p:cNvPr id="13" name="Forma livre: Forma 12">
+            <a:extLst>
+              <a:ext uri="{FF2B5EF4-FFF2-40B4-BE49-F238E27FC236}">
+                <a16:creationId xmlns:a16="http://schemas.microsoft.com/office/drawing/2014/main" id="{38F551F0-C663-3ED2-2FCC-3F1956A4283F}"/>
+              </a:ext>
+            </a:extLst>
+          </p:cNvPr>
+          <p:cNvSpPr/>
+          <p:nvPr/>
+        </p:nvSpPr>
+        <p:spPr>
+          <a:xfrm>
+            <a:off x="4644072" y="2580640"/>
+            <a:ext cx="3070781" cy="1452880"/>
+          </a:xfrm>
+          <a:custGeom>
+            <a:avLst/>
+            <a:gdLst>
+              <a:gd name="connsiteX0" fmla="*/ 0 w 4221480"/>
+              <a:gd name="connsiteY0" fmla="*/ 0 h 1518870"/>
+              <a:gd name="connsiteX1" fmla="*/ 2148840 w 4221480"/>
+              <a:gd name="connsiteY1" fmla="*/ 1295400 h 1518870"/>
+              <a:gd name="connsiteX2" fmla="*/ 4221480 w 4221480"/>
+              <a:gd name="connsiteY2" fmla="*/ 1508760 h 1518870"/>
+              <a:gd name="connsiteX0" fmla="*/ 0 w 4221480"/>
+              <a:gd name="connsiteY0" fmla="*/ 0 h 1509404"/>
+              <a:gd name="connsiteX1" fmla="*/ 1859280 w 4221480"/>
+              <a:gd name="connsiteY1" fmla="*/ 868680 h 1509404"/>
+              <a:gd name="connsiteX2" fmla="*/ 4221480 w 4221480"/>
+              <a:gd name="connsiteY2" fmla="*/ 1508760 h 1509404"/>
+              <a:gd name="connsiteX0" fmla="*/ 0 w 4389120"/>
+              <a:gd name="connsiteY0" fmla="*/ 0 h 1204604"/>
+              <a:gd name="connsiteX1" fmla="*/ 2026920 w 4389120"/>
+              <a:gd name="connsiteY1" fmla="*/ 563880 h 1204604"/>
+              <a:gd name="connsiteX2" fmla="*/ 4389120 w 4389120"/>
+              <a:gd name="connsiteY2" fmla="*/ 1203960 h 1204604"/>
+              <a:gd name="connsiteX0" fmla="*/ 0 w 4389120"/>
+              <a:gd name="connsiteY0" fmla="*/ 0 h 1204604"/>
+              <a:gd name="connsiteX1" fmla="*/ 2026920 w 4389120"/>
+              <a:gd name="connsiteY1" fmla="*/ 563880 h 1204604"/>
+              <a:gd name="connsiteX2" fmla="*/ 4389120 w 4389120"/>
+              <a:gd name="connsiteY2" fmla="*/ 1203960 h 1204604"/>
+              <a:gd name="connsiteX0" fmla="*/ 0 w 4617720"/>
+              <a:gd name="connsiteY0" fmla="*/ 0 h 1859532"/>
+              <a:gd name="connsiteX1" fmla="*/ 2026920 w 4617720"/>
+              <a:gd name="connsiteY1" fmla="*/ 563880 h 1859532"/>
+              <a:gd name="connsiteX2" fmla="*/ 4617720 w 4617720"/>
+              <a:gd name="connsiteY2" fmla="*/ 1859280 h 1859532"/>
+              <a:gd name="connsiteX0" fmla="*/ 0 w 4617720"/>
+              <a:gd name="connsiteY0" fmla="*/ 0 h 1859794"/>
+              <a:gd name="connsiteX1" fmla="*/ 2560320 w 4617720"/>
+              <a:gd name="connsiteY1" fmla="*/ 1112520 h 1859794"/>
+              <a:gd name="connsiteX2" fmla="*/ 4617720 w 4617720"/>
+              <a:gd name="connsiteY2" fmla="*/ 1859280 h 1859794"/>
+              <a:gd name="connsiteX0" fmla="*/ 0 w 4617720"/>
+              <a:gd name="connsiteY0" fmla="*/ 0 h 1862155"/>
+              <a:gd name="connsiteX1" fmla="*/ 2560320 w 4617720"/>
+              <a:gd name="connsiteY1" fmla="*/ 1112520 h 1862155"/>
+              <a:gd name="connsiteX2" fmla="*/ 4617720 w 4617720"/>
+              <a:gd name="connsiteY2" fmla="*/ 1859280 h 1862155"/>
+              <a:gd name="connsiteX0" fmla="*/ 0 w 4617720"/>
+              <a:gd name="connsiteY0" fmla="*/ 0 h 1862155"/>
+              <a:gd name="connsiteX1" fmla="*/ 2560320 w 4617720"/>
+              <a:gd name="connsiteY1" fmla="*/ 1112520 h 1862155"/>
+              <a:gd name="connsiteX2" fmla="*/ 4617720 w 4617720"/>
+              <a:gd name="connsiteY2" fmla="*/ 1859280 h 1862155"/>
+              <a:gd name="connsiteX0" fmla="*/ 0 w 4556760"/>
+              <a:gd name="connsiteY0" fmla="*/ 0 h 1801195"/>
+              <a:gd name="connsiteX1" fmla="*/ 2499360 w 4556760"/>
+              <a:gd name="connsiteY1" fmla="*/ 1051560 h 1801195"/>
+              <a:gd name="connsiteX2" fmla="*/ 4556760 w 4556760"/>
+              <a:gd name="connsiteY2" fmla="*/ 1798320 h 1801195"/>
+              <a:gd name="connsiteX0" fmla="*/ 0 w 4556760"/>
+              <a:gd name="connsiteY0" fmla="*/ 15235 h 1816430"/>
+              <a:gd name="connsiteX1" fmla="*/ 2499360 w 4556760"/>
+              <a:gd name="connsiteY1" fmla="*/ 1066795 h 1816430"/>
+              <a:gd name="connsiteX2" fmla="*/ 4556760 w 4556760"/>
+              <a:gd name="connsiteY2" fmla="*/ 1813555 h 1816430"/>
+              <a:gd name="connsiteX0" fmla="*/ 0 w 4602480"/>
+              <a:gd name="connsiteY0" fmla="*/ 29116 h 1754111"/>
+              <a:gd name="connsiteX1" fmla="*/ 2545080 w 4602480"/>
+              <a:gd name="connsiteY1" fmla="*/ 1004476 h 1754111"/>
+              <a:gd name="connsiteX2" fmla="*/ 4602480 w 4602480"/>
+              <a:gd name="connsiteY2" fmla="*/ 1751236 h 1754111"/>
+              <a:gd name="connsiteX0" fmla="*/ 0 w 4602480"/>
+              <a:gd name="connsiteY0" fmla="*/ 89982 h 1813086"/>
+              <a:gd name="connsiteX1" fmla="*/ 2301240 w 4602480"/>
+              <a:gd name="connsiteY1" fmla="*/ 867222 h 1813086"/>
+              <a:gd name="connsiteX2" fmla="*/ 4602480 w 4602480"/>
+              <a:gd name="connsiteY2" fmla="*/ 1812102 h 1813086"/>
+              <a:gd name="connsiteX0" fmla="*/ 0 w 4602480"/>
+              <a:gd name="connsiteY0" fmla="*/ 50447 h 1773551"/>
+              <a:gd name="connsiteX1" fmla="*/ 2301240 w 4602480"/>
+              <a:gd name="connsiteY1" fmla="*/ 827687 h 1773551"/>
+              <a:gd name="connsiteX2" fmla="*/ 4602480 w 4602480"/>
+              <a:gd name="connsiteY2" fmla="*/ 1772567 h 1773551"/>
+              <a:gd name="connsiteX0" fmla="*/ 0 w 4602480"/>
+              <a:gd name="connsiteY0" fmla="*/ 32192 h 1755296"/>
+              <a:gd name="connsiteX1" fmla="*/ 2301240 w 4602480"/>
+              <a:gd name="connsiteY1" fmla="*/ 809432 h 1755296"/>
+              <a:gd name="connsiteX2" fmla="*/ 4602480 w 4602480"/>
+              <a:gd name="connsiteY2" fmla="*/ 1754312 h 1755296"/>
+              <a:gd name="connsiteX0" fmla="*/ 0 w 4602480"/>
+              <a:gd name="connsiteY0" fmla="*/ 36174 h 1759228"/>
+              <a:gd name="connsiteX1" fmla="*/ 2362200 w 4602480"/>
+              <a:gd name="connsiteY1" fmla="*/ 798174 h 1759228"/>
+              <a:gd name="connsiteX2" fmla="*/ 4602480 w 4602480"/>
+              <a:gd name="connsiteY2" fmla="*/ 1758294 h 1759228"/>
+              <a:gd name="connsiteX0" fmla="*/ 0 w 4602480"/>
+              <a:gd name="connsiteY0" fmla="*/ 36174 h 1762825"/>
+              <a:gd name="connsiteX1" fmla="*/ 2362200 w 4602480"/>
+              <a:gd name="connsiteY1" fmla="*/ 798174 h 1762825"/>
+              <a:gd name="connsiteX2" fmla="*/ 4602480 w 4602480"/>
+              <a:gd name="connsiteY2" fmla="*/ 1758294 h 1762825"/>
+              <a:gd name="connsiteX0" fmla="*/ 0 w 4602480"/>
+              <a:gd name="connsiteY0" fmla="*/ 13770 h 1749139"/>
+              <a:gd name="connsiteX1" fmla="*/ 2499360 w 4602480"/>
+              <a:gd name="connsiteY1" fmla="*/ 882450 h 1749139"/>
+              <a:gd name="connsiteX2" fmla="*/ 4602480 w 4602480"/>
+              <a:gd name="connsiteY2" fmla="*/ 1735890 h 1749139"/>
+              <a:gd name="connsiteX0" fmla="*/ 0 w 4602480"/>
+              <a:gd name="connsiteY0" fmla="*/ 26232 h 1761601"/>
+              <a:gd name="connsiteX1" fmla="*/ 2499360 w 4602480"/>
+              <a:gd name="connsiteY1" fmla="*/ 894912 h 1761601"/>
+              <a:gd name="connsiteX2" fmla="*/ 4602480 w 4602480"/>
+              <a:gd name="connsiteY2" fmla="*/ 1748352 h 1761601"/>
+              <a:gd name="connsiteX0" fmla="*/ 0 w 4602480"/>
+              <a:gd name="connsiteY0" fmla="*/ 26232 h 1755788"/>
+              <a:gd name="connsiteX1" fmla="*/ 2499360 w 4602480"/>
+              <a:gd name="connsiteY1" fmla="*/ 894912 h 1755788"/>
+              <a:gd name="connsiteX2" fmla="*/ 4602480 w 4602480"/>
+              <a:gd name="connsiteY2" fmla="*/ 1748352 h 1755788"/>
+              <a:gd name="connsiteX0" fmla="*/ 0 w 4861560"/>
+              <a:gd name="connsiteY0" fmla="*/ 26232 h 1728117"/>
+              <a:gd name="connsiteX1" fmla="*/ 2499360 w 4861560"/>
+              <a:gd name="connsiteY1" fmla="*/ 894912 h 1728117"/>
+              <a:gd name="connsiteX2" fmla="*/ 4861560 w 4861560"/>
+              <a:gd name="connsiteY2" fmla="*/ 1717872 h 1728117"/>
+              <a:gd name="connsiteX0" fmla="*/ 0 w 4794504"/>
+              <a:gd name="connsiteY0" fmla="*/ 20097 h 1752462"/>
+              <a:gd name="connsiteX1" fmla="*/ 2432304 w 4794504"/>
+              <a:gd name="connsiteY1" fmla="*/ 919257 h 1752462"/>
+              <a:gd name="connsiteX2" fmla="*/ 4794504 w 4794504"/>
+              <a:gd name="connsiteY2" fmla="*/ 1742217 h 1752462"/>
+              <a:gd name="connsiteX0" fmla="*/ 0 w 4733544"/>
+              <a:gd name="connsiteY0" fmla="*/ 20097 h 1757925"/>
+              <a:gd name="connsiteX1" fmla="*/ 2432304 w 4733544"/>
+              <a:gd name="connsiteY1" fmla="*/ 919257 h 1757925"/>
+              <a:gd name="connsiteX2" fmla="*/ 4733544 w 4733544"/>
+              <a:gd name="connsiteY2" fmla="*/ 1748313 h 1757925"/>
+              <a:gd name="connsiteX0" fmla="*/ 0 w 4770120"/>
+              <a:gd name="connsiteY0" fmla="*/ 20097 h 1791433"/>
+              <a:gd name="connsiteX1" fmla="*/ 2432304 w 4770120"/>
+              <a:gd name="connsiteY1" fmla="*/ 919257 h 1791433"/>
+              <a:gd name="connsiteX2" fmla="*/ 4770120 w 4770120"/>
+              <a:gd name="connsiteY2" fmla="*/ 1784889 h 1791433"/>
+              <a:gd name="connsiteX0" fmla="*/ 0 w 4770120"/>
+              <a:gd name="connsiteY0" fmla="*/ 27577 h 1796889"/>
+              <a:gd name="connsiteX1" fmla="*/ 2395728 w 4770120"/>
+              <a:gd name="connsiteY1" fmla="*/ 890161 h 1796889"/>
+              <a:gd name="connsiteX2" fmla="*/ 4770120 w 4770120"/>
+              <a:gd name="connsiteY2" fmla="*/ 1792369 h 1796889"/>
+              <a:gd name="connsiteX0" fmla="*/ 0 w 4770120"/>
+              <a:gd name="connsiteY0" fmla="*/ 21936 h 1791248"/>
+              <a:gd name="connsiteX1" fmla="*/ 2395728 w 4770120"/>
+              <a:gd name="connsiteY1" fmla="*/ 884520 h 1791248"/>
+              <a:gd name="connsiteX2" fmla="*/ 4770120 w 4770120"/>
+              <a:gd name="connsiteY2" fmla="*/ 1786728 h 1791248"/>
+              <a:gd name="connsiteX0" fmla="*/ 0 w 4770120"/>
+              <a:gd name="connsiteY0" fmla="*/ 21936 h 1791248"/>
+              <a:gd name="connsiteX1" fmla="*/ 2395728 w 4770120"/>
+              <a:gd name="connsiteY1" fmla="*/ 884520 h 1791248"/>
+              <a:gd name="connsiteX2" fmla="*/ 4770120 w 4770120"/>
+              <a:gd name="connsiteY2" fmla="*/ 1786728 h 1791248"/>
+              <a:gd name="connsiteX0" fmla="*/ 0 w 4770120"/>
+              <a:gd name="connsiteY0" fmla="*/ 21936 h 1786728"/>
+              <a:gd name="connsiteX1" fmla="*/ 2395728 w 4770120"/>
+              <a:gd name="connsiteY1" fmla="*/ 884520 h 1786728"/>
+              <a:gd name="connsiteX2" fmla="*/ 4770120 w 4770120"/>
+              <a:gd name="connsiteY2" fmla="*/ 1786728 h 1786728"/>
+              <a:gd name="connsiteX0" fmla="*/ 0 w 4770120"/>
+              <a:gd name="connsiteY0" fmla="*/ 21936 h 1786728"/>
+              <a:gd name="connsiteX1" fmla="*/ 2395728 w 4770120"/>
+              <a:gd name="connsiteY1" fmla="*/ 884520 h 1786728"/>
+              <a:gd name="connsiteX2" fmla="*/ 4770120 w 4770120"/>
+              <a:gd name="connsiteY2" fmla="*/ 1786728 h 1786728"/>
+              <a:gd name="connsiteX0" fmla="*/ 0 w 4770120"/>
+              <a:gd name="connsiteY0" fmla="*/ 21936 h 1786728"/>
+              <a:gd name="connsiteX1" fmla="*/ 2395728 w 4770120"/>
+              <a:gd name="connsiteY1" fmla="*/ 884520 h 1786728"/>
+              <a:gd name="connsiteX2" fmla="*/ 4770120 w 4770120"/>
+              <a:gd name="connsiteY2" fmla="*/ 1786728 h 1786728"/>
+              <a:gd name="connsiteX0" fmla="*/ 0 w 4770120"/>
+              <a:gd name="connsiteY0" fmla="*/ 21936 h 1786728"/>
+              <a:gd name="connsiteX1" fmla="*/ 2395728 w 4770120"/>
+              <a:gd name="connsiteY1" fmla="*/ 884520 h 1786728"/>
+              <a:gd name="connsiteX2" fmla="*/ 4770120 w 4770120"/>
+              <a:gd name="connsiteY2" fmla="*/ 1786728 h 1786728"/>
+            </a:gdLst>
+            <a:ahLst/>
+            <a:cxnLst>
+              <a:cxn ang="0">
+                <a:pos x="connsiteX0" y="connsiteY0"/>
+              </a:cxn>
+              <a:cxn ang="0">
+                <a:pos x="connsiteX1" y="connsiteY1"/>
+              </a:cxn>
+              <a:cxn ang="0">
+                <a:pos x="connsiteX2" y="connsiteY2"/>
+              </a:cxn>
+            </a:cxnLst>
+            <a:rect l="l" t="t" r="r" b="b"/>
+            <a:pathLst>
+              <a:path w="4770120" h="1786728">
+                <a:moveTo>
+                  <a:pt x="0" y="21936"/>
+                </a:moveTo>
+                <a:cubicBezTo>
+                  <a:pt x="753110" y="10506"/>
+                  <a:pt x="1259332" y="-189900"/>
+                  <a:pt x="2395728" y="884520"/>
+                </a:cubicBezTo>
+                <a:cubicBezTo>
+                  <a:pt x="3205988" y="1806540"/>
+                  <a:pt x="4068856" y="1737214"/>
+                  <a:pt x="4770120" y="1786728"/>
+                </a:cubicBezTo>
+              </a:path>
+            </a:pathLst>
+          </a:custGeom>
+          <a:noFill/>
+          <a:ln w="190500" cmpd="sng">
+            <a:solidFill>
+              <a:srgbClr val="B5863B"/>
+            </a:solidFill>
+            <a:headEnd type="triangle" w="med" len="med"/>
+            <a:tailEnd type="triangle"/>
+          </a:ln>
+        </p:spPr>
+        <p:style>
+          <a:lnRef idx="2">
+            <a:schemeClr val="accent1">
+              <a:shade val="50000"/>
+            </a:schemeClr>
+          </a:lnRef>
+          <a:fillRef idx="1">
+            <a:schemeClr val="accent1"/>
+          </a:fillRef>
+          <a:effectRef idx="0">
+            <a:schemeClr val="accent1"/>
+          </a:effectRef>
+          <a:fontRef idx="minor">
+            <a:schemeClr val="lt1"/>
+          </a:fontRef>
+        </p:style>
+        <p:txBody>
+          <a:bodyPr rtlCol="0" anchor="ctr"/>
+          <a:lstStyle/>
+          <a:p>
+            <a:pPr marL="0" marR="0" lvl="0" indent="0" algn="ctr" defTabSz="914400" rtl="0" eaLnBrk="1" fontAlgn="auto" latinLnBrk="0" hangingPunct="1">
+              <a:lnSpc>
+                <a:spcPct val="100000"/>
+              </a:lnSpc>
+              <a:spcBef>
+                <a:spcPts val="0"/>
+              </a:spcBef>
+              <a:spcAft>
+                <a:spcPts val="0"/>
+              </a:spcAft>
+              <a:buClrTx/>
+              <a:buSzTx/>
+              <a:buFontTx/>
+              <a:buNone/>
+              <a:tabLst/>
+              <a:defRPr/>
+            </a:pPr>
+            <a:endParaRPr kumimoji="0" lang="en-GB" sz="1800" b="0" i="0" u="none" strike="noStrike" kern="1200" cap="none" spc="0" normalizeH="0" baseline="0" noProof="0" dirty="0">
+              <a:ln>
+                <a:noFill/>
+              </a:ln>
+              <a:solidFill>
+                <a:schemeClr val="accent4">
+                  <a:lumMod val="60000"/>
+                  <a:lumOff val="40000"/>
+                </a:schemeClr>
+              </a:solidFill>
+              <a:effectLst/>
+              <a:uLnTx/>
+              <a:uFillTx/>
+              <a:latin typeface="Calibri" panose="020F0502020204030204"/>
+              <a:ea typeface="+mn-ea"/>
+              <a:cs typeface="+mn-cs"/>
+            </a:endParaRPr>
+          </a:p>
+        </p:txBody>
+      </p:sp>
       <p:grpSp>
         <p:nvGrpSpPr>
-          <p:cNvPr id="6" name="Agrupar 5">
-            <a:extLst>
-              <a:ext uri="{FF2B5EF4-FFF2-40B4-BE49-F238E27FC236}">
-                <a16:creationId xmlns:a16="http://schemas.microsoft.com/office/drawing/2014/main" id="{66B3F367-72E6-4F0D-DEEB-3C78E50AA1AC}"/>
+          <p:cNvPr id="7" name="Agrupar 6">
+            <a:extLst>
+              <a:ext uri="{FF2B5EF4-FFF2-40B4-BE49-F238E27FC236}">
+                <a16:creationId xmlns:a16="http://schemas.microsoft.com/office/drawing/2014/main" id="{E34B855B-01ED-4A0B-92AB-4728F59143EE}"/>
               </a:ext>
             </a:extLst>
           </p:cNvPr>
@@ -7537,715 +4058,7 @@
         </p:nvGrpSpPr>
         <p:grpSpPr>
           <a:xfrm>
-            <a:off x="4561416" y="2712720"/>
-            <a:ext cx="3070781" cy="1452880"/>
-            <a:chOff x="4442539" y="2702560"/>
-            <a:chExt cx="3070781" cy="1452880"/>
-          </a:xfrm>
-          <a:noFill/>
-          <a:effectLst>
-            <a:outerShdw blurRad="190500" dist="50800" dir="4620000" algn="ctr" rotWithShape="0">
-              <a:schemeClr val="tx1">
-                <a:alpha val="0"/>
-              </a:schemeClr>
-            </a:outerShdw>
-          </a:effectLst>
-        </p:grpSpPr>
-        <p:grpSp>
-          <p:nvGrpSpPr>
-            <p:cNvPr id="10" name="Agrupar 9">
-              <a:extLst>
-                <a:ext uri="{FF2B5EF4-FFF2-40B4-BE49-F238E27FC236}">
-                  <a16:creationId xmlns:a16="http://schemas.microsoft.com/office/drawing/2014/main" id="{F9018988-98D0-DAC3-12AC-57F05B65B093}"/>
-                </a:ext>
-              </a:extLst>
-            </p:cNvPr>
-            <p:cNvGrpSpPr/>
-            <p:nvPr/>
-          </p:nvGrpSpPr>
-          <p:grpSpPr>
-            <a:xfrm>
-              <a:off x="4442539" y="2702560"/>
-              <a:ext cx="3070781" cy="1452880"/>
-              <a:chOff x="4479195" y="2697480"/>
-              <a:chExt cx="3306923" cy="1452880"/>
-            </a:xfrm>
-            <a:grpFill/>
-          </p:grpSpPr>
-          <p:sp>
-            <p:nvSpPr>
-              <p:cNvPr id="12" name="Forma livre: Forma 11">
-                <a:extLst>
-                  <a:ext uri="{FF2B5EF4-FFF2-40B4-BE49-F238E27FC236}">
-                    <a16:creationId xmlns:a16="http://schemas.microsoft.com/office/drawing/2014/main" id="{9CA80256-8A65-CD17-AF9E-E85FDB722968}"/>
-                  </a:ext>
-                </a:extLst>
-              </p:cNvPr>
-              <p:cNvSpPr/>
-              <p:nvPr/>
-            </p:nvSpPr>
-            <p:spPr>
-              <a:xfrm flipH="1">
-                <a:off x="4479195" y="2697480"/>
-                <a:ext cx="3306923" cy="1452880"/>
-              </a:xfrm>
-              <a:custGeom>
-                <a:avLst/>
-                <a:gdLst>
-                  <a:gd name="connsiteX0" fmla="*/ 0 w 4221480"/>
-                  <a:gd name="connsiteY0" fmla="*/ 0 h 1518870"/>
-                  <a:gd name="connsiteX1" fmla="*/ 2148840 w 4221480"/>
-                  <a:gd name="connsiteY1" fmla="*/ 1295400 h 1518870"/>
-                  <a:gd name="connsiteX2" fmla="*/ 4221480 w 4221480"/>
-                  <a:gd name="connsiteY2" fmla="*/ 1508760 h 1518870"/>
-                  <a:gd name="connsiteX0" fmla="*/ 0 w 4221480"/>
-                  <a:gd name="connsiteY0" fmla="*/ 0 h 1509404"/>
-                  <a:gd name="connsiteX1" fmla="*/ 1859280 w 4221480"/>
-                  <a:gd name="connsiteY1" fmla="*/ 868680 h 1509404"/>
-                  <a:gd name="connsiteX2" fmla="*/ 4221480 w 4221480"/>
-                  <a:gd name="connsiteY2" fmla="*/ 1508760 h 1509404"/>
-                  <a:gd name="connsiteX0" fmla="*/ 0 w 4389120"/>
-                  <a:gd name="connsiteY0" fmla="*/ 0 h 1204604"/>
-                  <a:gd name="connsiteX1" fmla="*/ 2026920 w 4389120"/>
-                  <a:gd name="connsiteY1" fmla="*/ 563880 h 1204604"/>
-                  <a:gd name="connsiteX2" fmla="*/ 4389120 w 4389120"/>
-                  <a:gd name="connsiteY2" fmla="*/ 1203960 h 1204604"/>
-                  <a:gd name="connsiteX0" fmla="*/ 0 w 4389120"/>
-                  <a:gd name="connsiteY0" fmla="*/ 0 h 1204604"/>
-                  <a:gd name="connsiteX1" fmla="*/ 2026920 w 4389120"/>
-                  <a:gd name="connsiteY1" fmla="*/ 563880 h 1204604"/>
-                  <a:gd name="connsiteX2" fmla="*/ 4389120 w 4389120"/>
-                  <a:gd name="connsiteY2" fmla="*/ 1203960 h 1204604"/>
-                  <a:gd name="connsiteX0" fmla="*/ 0 w 4617720"/>
-                  <a:gd name="connsiteY0" fmla="*/ 0 h 1859532"/>
-                  <a:gd name="connsiteX1" fmla="*/ 2026920 w 4617720"/>
-                  <a:gd name="connsiteY1" fmla="*/ 563880 h 1859532"/>
-                  <a:gd name="connsiteX2" fmla="*/ 4617720 w 4617720"/>
-                  <a:gd name="connsiteY2" fmla="*/ 1859280 h 1859532"/>
-                  <a:gd name="connsiteX0" fmla="*/ 0 w 4617720"/>
-                  <a:gd name="connsiteY0" fmla="*/ 0 h 1859794"/>
-                  <a:gd name="connsiteX1" fmla="*/ 2560320 w 4617720"/>
-                  <a:gd name="connsiteY1" fmla="*/ 1112520 h 1859794"/>
-                  <a:gd name="connsiteX2" fmla="*/ 4617720 w 4617720"/>
-                  <a:gd name="connsiteY2" fmla="*/ 1859280 h 1859794"/>
-                  <a:gd name="connsiteX0" fmla="*/ 0 w 4617720"/>
-                  <a:gd name="connsiteY0" fmla="*/ 0 h 1862155"/>
-                  <a:gd name="connsiteX1" fmla="*/ 2560320 w 4617720"/>
-                  <a:gd name="connsiteY1" fmla="*/ 1112520 h 1862155"/>
-                  <a:gd name="connsiteX2" fmla="*/ 4617720 w 4617720"/>
-                  <a:gd name="connsiteY2" fmla="*/ 1859280 h 1862155"/>
-                  <a:gd name="connsiteX0" fmla="*/ 0 w 4617720"/>
-                  <a:gd name="connsiteY0" fmla="*/ 0 h 1862155"/>
-                  <a:gd name="connsiteX1" fmla="*/ 2560320 w 4617720"/>
-                  <a:gd name="connsiteY1" fmla="*/ 1112520 h 1862155"/>
-                  <a:gd name="connsiteX2" fmla="*/ 4617720 w 4617720"/>
-                  <a:gd name="connsiteY2" fmla="*/ 1859280 h 1862155"/>
-                  <a:gd name="connsiteX0" fmla="*/ 0 w 4556760"/>
-                  <a:gd name="connsiteY0" fmla="*/ 0 h 1801195"/>
-                  <a:gd name="connsiteX1" fmla="*/ 2499360 w 4556760"/>
-                  <a:gd name="connsiteY1" fmla="*/ 1051560 h 1801195"/>
-                  <a:gd name="connsiteX2" fmla="*/ 4556760 w 4556760"/>
-                  <a:gd name="connsiteY2" fmla="*/ 1798320 h 1801195"/>
-                  <a:gd name="connsiteX0" fmla="*/ 0 w 4556760"/>
-                  <a:gd name="connsiteY0" fmla="*/ 15235 h 1816430"/>
-                  <a:gd name="connsiteX1" fmla="*/ 2499360 w 4556760"/>
-                  <a:gd name="connsiteY1" fmla="*/ 1066795 h 1816430"/>
-                  <a:gd name="connsiteX2" fmla="*/ 4556760 w 4556760"/>
-                  <a:gd name="connsiteY2" fmla="*/ 1813555 h 1816430"/>
-                  <a:gd name="connsiteX0" fmla="*/ 0 w 4602480"/>
-                  <a:gd name="connsiteY0" fmla="*/ 29116 h 1754111"/>
-                  <a:gd name="connsiteX1" fmla="*/ 2545080 w 4602480"/>
-                  <a:gd name="connsiteY1" fmla="*/ 1004476 h 1754111"/>
-                  <a:gd name="connsiteX2" fmla="*/ 4602480 w 4602480"/>
-                  <a:gd name="connsiteY2" fmla="*/ 1751236 h 1754111"/>
-                  <a:gd name="connsiteX0" fmla="*/ 0 w 4602480"/>
-                  <a:gd name="connsiteY0" fmla="*/ 89982 h 1813086"/>
-                  <a:gd name="connsiteX1" fmla="*/ 2301240 w 4602480"/>
-                  <a:gd name="connsiteY1" fmla="*/ 867222 h 1813086"/>
-                  <a:gd name="connsiteX2" fmla="*/ 4602480 w 4602480"/>
-                  <a:gd name="connsiteY2" fmla="*/ 1812102 h 1813086"/>
-                  <a:gd name="connsiteX0" fmla="*/ 0 w 4602480"/>
-                  <a:gd name="connsiteY0" fmla="*/ 50447 h 1773551"/>
-                  <a:gd name="connsiteX1" fmla="*/ 2301240 w 4602480"/>
-                  <a:gd name="connsiteY1" fmla="*/ 827687 h 1773551"/>
-                  <a:gd name="connsiteX2" fmla="*/ 4602480 w 4602480"/>
-                  <a:gd name="connsiteY2" fmla="*/ 1772567 h 1773551"/>
-                  <a:gd name="connsiteX0" fmla="*/ 0 w 4602480"/>
-                  <a:gd name="connsiteY0" fmla="*/ 32192 h 1755296"/>
-                  <a:gd name="connsiteX1" fmla="*/ 2301240 w 4602480"/>
-                  <a:gd name="connsiteY1" fmla="*/ 809432 h 1755296"/>
-                  <a:gd name="connsiteX2" fmla="*/ 4602480 w 4602480"/>
-                  <a:gd name="connsiteY2" fmla="*/ 1754312 h 1755296"/>
-                  <a:gd name="connsiteX0" fmla="*/ 0 w 4602480"/>
-                  <a:gd name="connsiteY0" fmla="*/ 36174 h 1759228"/>
-                  <a:gd name="connsiteX1" fmla="*/ 2362200 w 4602480"/>
-                  <a:gd name="connsiteY1" fmla="*/ 798174 h 1759228"/>
-                  <a:gd name="connsiteX2" fmla="*/ 4602480 w 4602480"/>
-                  <a:gd name="connsiteY2" fmla="*/ 1758294 h 1759228"/>
-                  <a:gd name="connsiteX0" fmla="*/ 0 w 4602480"/>
-                  <a:gd name="connsiteY0" fmla="*/ 36174 h 1762825"/>
-                  <a:gd name="connsiteX1" fmla="*/ 2362200 w 4602480"/>
-                  <a:gd name="connsiteY1" fmla="*/ 798174 h 1762825"/>
-                  <a:gd name="connsiteX2" fmla="*/ 4602480 w 4602480"/>
-                  <a:gd name="connsiteY2" fmla="*/ 1758294 h 1762825"/>
-                  <a:gd name="connsiteX0" fmla="*/ 0 w 4602480"/>
-                  <a:gd name="connsiteY0" fmla="*/ 13770 h 1749139"/>
-                  <a:gd name="connsiteX1" fmla="*/ 2499360 w 4602480"/>
-                  <a:gd name="connsiteY1" fmla="*/ 882450 h 1749139"/>
-                  <a:gd name="connsiteX2" fmla="*/ 4602480 w 4602480"/>
-                  <a:gd name="connsiteY2" fmla="*/ 1735890 h 1749139"/>
-                  <a:gd name="connsiteX0" fmla="*/ 0 w 4602480"/>
-                  <a:gd name="connsiteY0" fmla="*/ 26232 h 1761601"/>
-                  <a:gd name="connsiteX1" fmla="*/ 2499360 w 4602480"/>
-                  <a:gd name="connsiteY1" fmla="*/ 894912 h 1761601"/>
-                  <a:gd name="connsiteX2" fmla="*/ 4602480 w 4602480"/>
-                  <a:gd name="connsiteY2" fmla="*/ 1748352 h 1761601"/>
-                  <a:gd name="connsiteX0" fmla="*/ 0 w 4602480"/>
-                  <a:gd name="connsiteY0" fmla="*/ 26232 h 1755788"/>
-                  <a:gd name="connsiteX1" fmla="*/ 2499360 w 4602480"/>
-                  <a:gd name="connsiteY1" fmla="*/ 894912 h 1755788"/>
-                  <a:gd name="connsiteX2" fmla="*/ 4602480 w 4602480"/>
-                  <a:gd name="connsiteY2" fmla="*/ 1748352 h 1755788"/>
-                  <a:gd name="connsiteX0" fmla="*/ 0 w 4861560"/>
-                  <a:gd name="connsiteY0" fmla="*/ 26232 h 1728117"/>
-                  <a:gd name="connsiteX1" fmla="*/ 2499360 w 4861560"/>
-                  <a:gd name="connsiteY1" fmla="*/ 894912 h 1728117"/>
-                  <a:gd name="connsiteX2" fmla="*/ 4861560 w 4861560"/>
-                  <a:gd name="connsiteY2" fmla="*/ 1717872 h 1728117"/>
-                  <a:gd name="connsiteX0" fmla="*/ 0 w 4794504"/>
-                  <a:gd name="connsiteY0" fmla="*/ 20097 h 1752462"/>
-                  <a:gd name="connsiteX1" fmla="*/ 2432304 w 4794504"/>
-                  <a:gd name="connsiteY1" fmla="*/ 919257 h 1752462"/>
-                  <a:gd name="connsiteX2" fmla="*/ 4794504 w 4794504"/>
-                  <a:gd name="connsiteY2" fmla="*/ 1742217 h 1752462"/>
-                  <a:gd name="connsiteX0" fmla="*/ 0 w 4733544"/>
-                  <a:gd name="connsiteY0" fmla="*/ 20097 h 1757925"/>
-                  <a:gd name="connsiteX1" fmla="*/ 2432304 w 4733544"/>
-                  <a:gd name="connsiteY1" fmla="*/ 919257 h 1757925"/>
-                  <a:gd name="connsiteX2" fmla="*/ 4733544 w 4733544"/>
-                  <a:gd name="connsiteY2" fmla="*/ 1748313 h 1757925"/>
-                  <a:gd name="connsiteX0" fmla="*/ 0 w 4770120"/>
-                  <a:gd name="connsiteY0" fmla="*/ 20097 h 1791433"/>
-                  <a:gd name="connsiteX1" fmla="*/ 2432304 w 4770120"/>
-                  <a:gd name="connsiteY1" fmla="*/ 919257 h 1791433"/>
-                  <a:gd name="connsiteX2" fmla="*/ 4770120 w 4770120"/>
-                  <a:gd name="connsiteY2" fmla="*/ 1784889 h 1791433"/>
-                  <a:gd name="connsiteX0" fmla="*/ 0 w 4770120"/>
-                  <a:gd name="connsiteY0" fmla="*/ 27577 h 1796889"/>
-                  <a:gd name="connsiteX1" fmla="*/ 2395728 w 4770120"/>
-                  <a:gd name="connsiteY1" fmla="*/ 890161 h 1796889"/>
-                  <a:gd name="connsiteX2" fmla="*/ 4770120 w 4770120"/>
-                  <a:gd name="connsiteY2" fmla="*/ 1792369 h 1796889"/>
-                  <a:gd name="connsiteX0" fmla="*/ 0 w 4770120"/>
-                  <a:gd name="connsiteY0" fmla="*/ 21936 h 1791248"/>
-                  <a:gd name="connsiteX1" fmla="*/ 2395728 w 4770120"/>
-                  <a:gd name="connsiteY1" fmla="*/ 884520 h 1791248"/>
-                  <a:gd name="connsiteX2" fmla="*/ 4770120 w 4770120"/>
-                  <a:gd name="connsiteY2" fmla="*/ 1786728 h 1791248"/>
-                  <a:gd name="connsiteX0" fmla="*/ 0 w 4770120"/>
-                  <a:gd name="connsiteY0" fmla="*/ 21936 h 1791248"/>
-                  <a:gd name="connsiteX1" fmla="*/ 2395728 w 4770120"/>
-                  <a:gd name="connsiteY1" fmla="*/ 884520 h 1791248"/>
-                  <a:gd name="connsiteX2" fmla="*/ 4770120 w 4770120"/>
-                  <a:gd name="connsiteY2" fmla="*/ 1786728 h 1791248"/>
-                  <a:gd name="connsiteX0" fmla="*/ 0 w 4770120"/>
-                  <a:gd name="connsiteY0" fmla="*/ 21936 h 1786728"/>
-                  <a:gd name="connsiteX1" fmla="*/ 2395728 w 4770120"/>
-                  <a:gd name="connsiteY1" fmla="*/ 884520 h 1786728"/>
-                  <a:gd name="connsiteX2" fmla="*/ 4770120 w 4770120"/>
-                  <a:gd name="connsiteY2" fmla="*/ 1786728 h 1786728"/>
-                  <a:gd name="connsiteX0" fmla="*/ 0 w 4770120"/>
-                  <a:gd name="connsiteY0" fmla="*/ 21936 h 1786728"/>
-                  <a:gd name="connsiteX1" fmla="*/ 2395728 w 4770120"/>
-                  <a:gd name="connsiteY1" fmla="*/ 884520 h 1786728"/>
-                  <a:gd name="connsiteX2" fmla="*/ 4770120 w 4770120"/>
-                  <a:gd name="connsiteY2" fmla="*/ 1786728 h 1786728"/>
-                  <a:gd name="connsiteX0" fmla="*/ 0 w 4770120"/>
-                  <a:gd name="connsiteY0" fmla="*/ 21936 h 1786728"/>
-                  <a:gd name="connsiteX1" fmla="*/ 2395728 w 4770120"/>
-                  <a:gd name="connsiteY1" fmla="*/ 884520 h 1786728"/>
-                  <a:gd name="connsiteX2" fmla="*/ 4770120 w 4770120"/>
-                  <a:gd name="connsiteY2" fmla="*/ 1786728 h 1786728"/>
-                  <a:gd name="connsiteX0" fmla="*/ 0 w 4770120"/>
-                  <a:gd name="connsiteY0" fmla="*/ 21936 h 1786728"/>
-                  <a:gd name="connsiteX1" fmla="*/ 2395728 w 4770120"/>
-                  <a:gd name="connsiteY1" fmla="*/ 884520 h 1786728"/>
-                  <a:gd name="connsiteX2" fmla="*/ 4770120 w 4770120"/>
-                  <a:gd name="connsiteY2" fmla="*/ 1786728 h 1786728"/>
-                </a:gdLst>
-                <a:ahLst/>
-                <a:cxnLst>
-                  <a:cxn ang="0">
-                    <a:pos x="connsiteX0" y="connsiteY0"/>
-                  </a:cxn>
-                  <a:cxn ang="0">
-                    <a:pos x="connsiteX1" y="connsiteY1"/>
-                  </a:cxn>
-                  <a:cxn ang="0">
-                    <a:pos x="connsiteX2" y="connsiteY2"/>
-                  </a:cxn>
-                </a:cxnLst>
-                <a:rect l="l" t="t" r="r" b="b"/>
-                <a:pathLst>
-                  <a:path w="4770120" h="1786728">
-                    <a:moveTo>
-                      <a:pt x="0" y="21936"/>
-                    </a:moveTo>
-                    <a:cubicBezTo>
-                      <a:pt x="753110" y="10506"/>
-                      <a:pt x="1259332" y="-189900"/>
-                      <a:pt x="2395728" y="884520"/>
-                    </a:cubicBezTo>
-                    <a:cubicBezTo>
-                      <a:pt x="3205988" y="1806540"/>
-                      <a:pt x="4068856" y="1737214"/>
-                      <a:pt x="4770120" y="1786728"/>
-                    </a:cubicBezTo>
-                  </a:path>
-                </a:pathLst>
-              </a:custGeom>
-              <a:grpFill/>
-              <a:ln w="203200" cmpd="thinThick">
-                <a:solidFill>
-                  <a:srgbClr val="B5863B"/>
-                </a:solidFill>
-                <a:prstDash val="solid"/>
-                <a:round/>
-                <a:headEnd type="triangle" w="med" len="med"/>
-                <a:tailEnd type="triangle"/>
-              </a:ln>
-            </p:spPr>
-            <p:style>
-              <a:lnRef idx="2">
-                <a:schemeClr val="accent1">
-                  <a:shade val="50000"/>
-                </a:schemeClr>
-              </a:lnRef>
-              <a:fillRef idx="1">
-                <a:schemeClr val="accent1"/>
-              </a:fillRef>
-              <a:effectRef idx="0">
-                <a:schemeClr val="accent1"/>
-              </a:effectRef>
-              <a:fontRef idx="minor">
-                <a:schemeClr val="lt1"/>
-              </a:fontRef>
-            </p:style>
-            <p:txBody>
-              <a:bodyPr rtlCol="0" anchor="ctr"/>
-              <a:lstStyle/>
-              <a:p>
-                <a:pPr marL="0" marR="0" lvl="0" indent="0" algn="ctr" defTabSz="914400" rtl="0" eaLnBrk="1" fontAlgn="auto" latinLnBrk="0" hangingPunct="1">
-                  <a:lnSpc>
-                    <a:spcPct val="100000"/>
-                  </a:lnSpc>
-                  <a:spcBef>
-                    <a:spcPts val="0"/>
-                  </a:spcBef>
-                  <a:spcAft>
-                    <a:spcPts val="0"/>
-                  </a:spcAft>
-                  <a:buClrTx/>
-                  <a:buSzTx/>
-                  <a:buFontTx/>
-                  <a:buNone/>
-                  <a:tabLst/>
-                  <a:defRPr/>
-                </a:pPr>
-                <a:endParaRPr kumimoji="0" lang="en-GB" sz="1800" b="0" i="0" u="none" strike="noStrike" kern="1200" cap="none" spc="0" normalizeH="0" baseline="0" noProof="0" dirty="0">
-                  <a:ln>
-                    <a:noFill/>
-                  </a:ln>
-                  <a:solidFill>
-                    <a:schemeClr val="accent4">
-                      <a:lumMod val="60000"/>
-                      <a:lumOff val="40000"/>
-                    </a:schemeClr>
-                  </a:solidFill>
-                  <a:effectLst/>
-                  <a:uLnTx/>
-                  <a:uFillTx/>
-                  <a:latin typeface="Calibri" panose="020F0502020204030204"/>
-                  <a:ea typeface="+mn-ea"/>
-                  <a:cs typeface="+mn-cs"/>
-                </a:endParaRPr>
-              </a:p>
-            </p:txBody>
-          </p:sp>
-          <p:sp>
-            <p:nvSpPr>
-              <p:cNvPr id="13" name="Forma livre: Forma 12">
-                <a:extLst>
-                  <a:ext uri="{FF2B5EF4-FFF2-40B4-BE49-F238E27FC236}">
-                    <a16:creationId xmlns:a16="http://schemas.microsoft.com/office/drawing/2014/main" id="{38F551F0-C663-3ED2-2FCC-3F1956A4283F}"/>
-                  </a:ext>
-                </a:extLst>
-              </p:cNvPr>
-              <p:cNvSpPr/>
-              <p:nvPr/>
-            </p:nvSpPr>
-            <p:spPr>
-              <a:xfrm>
-                <a:off x="4479195" y="2697480"/>
-                <a:ext cx="3306923" cy="1452880"/>
-              </a:xfrm>
-              <a:custGeom>
-                <a:avLst/>
-                <a:gdLst>
-                  <a:gd name="connsiteX0" fmla="*/ 0 w 4221480"/>
-                  <a:gd name="connsiteY0" fmla="*/ 0 h 1518870"/>
-                  <a:gd name="connsiteX1" fmla="*/ 2148840 w 4221480"/>
-                  <a:gd name="connsiteY1" fmla="*/ 1295400 h 1518870"/>
-                  <a:gd name="connsiteX2" fmla="*/ 4221480 w 4221480"/>
-                  <a:gd name="connsiteY2" fmla="*/ 1508760 h 1518870"/>
-                  <a:gd name="connsiteX0" fmla="*/ 0 w 4221480"/>
-                  <a:gd name="connsiteY0" fmla="*/ 0 h 1509404"/>
-                  <a:gd name="connsiteX1" fmla="*/ 1859280 w 4221480"/>
-                  <a:gd name="connsiteY1" fmla="*/ 868680 h 1509404"/>
-                  <a:gd name="connsiteX2" fmla="*/ 4221480 w 4221480"/>
-                  <a:gd name="connsiteY2" fmla="*/ 1508760 h 1509404"/>
-                  <a:gd name="connsiteX0" fmla="*/ 0 w 4389120"/>
-                  <a:gd name="connsiteY0" fmla="*/ 0 h 1204604"/>
-                  <a:gd name="connsiteX1" fmla="*/ 2026920 w 4389120"/>
-                  <a:gd name="connsiteY1" fmla="*/ 563880 h 1204604"/>
-                  <a:gd name="connsiteX2" fmla="*/ 4389120 w 4389120"/>
-                  <a:gd name="connsiteY2" fmla="*/ 1203960 h 1204604"/>
-                  <a:gd name="connsiteX0" fmla="*/ 0 w 4389120"/>
-                  <a:gd name="connsiteY0" fmla="*/ 0 h 1204604"/>
-                  <a:gd name="connsiteX1" fmla="*/ 2026920 w 4389120"/>
-                  <a:gd name="connsiteY1" fmla="*/ 563880 h 1204604"/>
-                  <a:gd name="connsiteX2" fmla="*/ 4389120 w 4389120"/>
-                  <a:gd name="connsiteY2" fmla="*/ 1203960 h 1204604"/>
-                  <a:gd name="connsiteX0" fmla="*/ 0 w 4617720"/>
-                  <a:gd name="connsiteY0" fmla="*/ 0 h 1859532"/>
-                  <a:gd name="connsiteX1" fmla="*/ 2026920 w 4617720"/>
-                  <a:gd name="connsiteY1" fmla="*/ 563880 h 1859532"/>
-                  <a:gd name="connsiteX2" fmla="*/ 4617720 w 4617720"/>
-                  <a:gd name="connsiteY2" fmla="*/ 1859280 h 1859532"/>
-                  <a:gd name="connsiteX0" fmla="*/ 0 w 4617720"/>
-                  <a:gd name="connsiteY0" fmla="*/ 0 h 1859794"/>
-                  <a:gd name="connsiteX1" fmla="*/ 2560320 w 4617720"/>
-                  <a:gd name="connsiteY1" fmla="*/ 1112520 h 1859794"/>
-                  <a:gd name="connsiteX2" fmla="*/ 4617720 w 4617720"/>
-                  <a:gd name="connsiteY2" fmla="*/ 1859280 h 1859794"/>
-                  <a:gd name="connsiteX0" fmla="*/ 0 w 4617720"/>
-                  <a:gd name="connsiteY0" fmla="*/ 0 h 1862155"/>
-                  <a:gd name="connsiteX1" fmla="*/ 2560320 w 4617720"/>
-                  <a:gd name="connsiteY1" fmla="*/ 1112520 h 1862155"/>
-                  <a:gd name="connsiteX2" fmla="*/ 4617720 w 4617720"/>
-                  <a:gd name="connsiteY2" fmla="*/ 1859280 h 1862155"/>
-                  <a:gd name="connsiteX0" fmla="*/ 0 w 4617720"/>
-                  <a:gd name="connsiteY0" fmla="*/ 0 h 1862155"/>
-                  <a:gd name="connsiteX1" fmla="*/ 2560320 w 4617720"/>
-                  <a:gd name="connsiteY1" fmla="*/ 1112520 h 1862155"/>
-                  <a:gd name="connsiteX2" fmla="*/ 4617720 w 4617720"/>
-                  <a:gd name="connsiteY2" fmla="*/ 1859280 h 1862155"/>
-                  <a:gd name="connsiteX0" fmla="*/ 0 w 4556760"/>
-                  <a:gd name="connsiteY0" fmla="*/ 0 h 1801195"/>
-                  <a:gd name="connsiteX1" fmla="*/ 2499360 w 4556760"/>
-                  <a:gd name="connsiteY1" fmla="*/ 1051560 h 1801195"/>
-                  <a:gd name="connsiteX2" fmla="*/ 4556760 w 4556760"/>
-                  <a:gd name="connsiteY2" fmla="*/ 1798320 h 1801195"/>
-                  <a:gd name="connsiteX0" fmla="*/ 0 w 4556760"/>
-                  <a:gd name="connsiteY0" fmla="*/ 15235 h 1816430"/>
-                  <a:gd name="connsiteX1" fmla="*/ 2499360 w 4556760"/>
-                  <a:gd name="connsiteY1" fmla="*/ 1066795 h 1816430"/>
-                  <a:gd name="connsiteX2" fmla="*/ 4556760 w 4556760"/>
-                  <a:gd name="connsiteY2" fmla="*/ 1813555 h 1816430"/>
-                  <a:gd name="connsiteX0" fmla="*/ 0 w 4602480"/>
-                  <a:gd name="connsiteY0" fmla="*/ 29116 h 1754111"/>
-                  <a:gd name="connsiteX1" fmla="*/ 2545080 w 4602480"/>
-                  <a:gd name="connsiteY1" fmla="*/ 1004476 h 1754111"/>
-                  <a:gd name="connsiteX2" fmla="*/ 4602480 w 4602480"/>
-                  <a:gd name="connsiteY2" fmla="*/ 1751236 h 1754111"/>
-                  <a:gd name="connsiteX0" fmla="*/ 0 w 4602480"/>
-                  <a:gd name="connsiteY0" fmla="*/ 89982 h 1813086"/>
-                  <a:gd name="connsiteX1" fmla="*/ 2301240 w 4602480"/>
-                  <a:gd name="connsiteY1" fmla="*/ 867222 h 1813086"/>
-                  <a:gd name="connsiteX2" fmla="*/ 4602480 w 4602480"/>
-                  <a:gd name="connsiteY2" fmla="*/ 1812102 h 1813086"/>
-                  <a:gd name="connsiteX0" fmla="*/ 0 w 4602480"/>
-                  <a:gd name="connsiteY0" fmla="*/ 50447 h 1773551"/>
-                  <a:gd name="connsiteX1" fmla="*/ 2301240 w 4602480"/>
-                  <a:gd name="connsiteY1" fmla="*/ 827687 h 1773551"/>
-                  <a:gd name="connsiteX2" fmla="*/ 4602480 w 4602480"/>
-                  <a:gd name="connsiteY2" fmla="*/ 1772567 h 1773551"/>
-                  <a:gd name="connsiteX0" fmla="*/ 0 w 4602480"/>
-                  <a:gd name="connsiteY0" fmla="*/ 32192 h 1755296"/>
-                  <a:gd name="connsiteX1" fmla="*/ 2301240 w 4602480"/>
-                  <a:gd name="connsiteY1" fmla="*/ 809432 h 1755296"/>
-                  <a:gd name="connsiteX2" fmla="*/ 4602480 w 4602480"/>
-                  <a:gd name="connsiteY2" fmla="*/ 1754312 h 1755296"/>
-                  <a:gd name="connsiteX0" fmla="*/ 0 w 4602480"/>
-                  <a:gd name="connsiteY0" fmla="*/ 36174 h 1759228"/>
-                  <a:gd name="connsiteX1" fmla="*/ 2362200 w 4602480"/>
-                  <a:gd name="connsiteY1" fmla="*/ 798174 h 1759228"/>
-                  <a:gd name="connsiteX2" fmla="*/ 4602480 w 4602480"/>
-                  <a:gd name="connsiteY2" fmla="*/ 1758294 h 1759228"/>
-                  <a:gd name="connsiteX0" fmla="*/ 0 w 4602480"/>
-                  <a:gd name="connsiteY0" fmla="*/ 36174 h 1762825"/>
-                  <a:gd name="connsiteX1" fmla="*/ 2362200 w 4602480"/>
-                  <a:gd name="connsiteY1" fmla="*/ 798174 h 1762825"/>
-                  <a:gd name="connsiteX2" fmla="*/ 4602480 w 4602480"/>
-                  <a:gd name="connsiteY2" fmla="*/ 1758294 h 1762825"/>
-                  <a:gd name="connsiteX0" fmla="*/ 0 w 4602480"/>
-                  <a:gd name="connsiteY0" fmla="*/ 13770 h 1749139"/>
-                  <a:gd name="connsiteX1" fmla="*/ 2499360 w 4602480"/>
-                  <a:gd name="connsiteY1" fmla="*/ 882450 h 1749139"/>
-                  <a:gd name="connsiteX2" fmla="*/ 4602480 w 4602480"/>
-                  <a:gd name="connsiteY2" fmla="*/ 1735890 h 1749139"/>
-                  <a:gd name="connsiteX0" fmla="*/ 0 w 4602480"/>
-                  <a:gd name="connsiteY0" fmla="*/ 26232 h 1761601"/>
-                  <a:gd name="connsiteX1" fmla="*/ 2499360 w 4602480"/>
-                  <a:gd name="connsiteY1" fmla="*/ 894912 h 1761601"/>
-                  <a:gd name="connsiteX2" fmla="*/ 4602480 w 4602480"/>
-                  <a:gd name="connsiteY2" fmla="*/ 1748352 h 1761601"/>
-                  <a:gd name="connsiteX0" fmla="*/ 0 w 4602480"/>
-                  <a:gd name="connsiteY0" fmla="*/ 26232 h 1755788"/>
-                  <a:gd name="connsiteX1" fmla="*/ 2499360 w 4602480"/>
-                  <a:gd name="connsiteY1" fmla="*/ 894912 h 1755788"/>
-                  <a:gd name="connsiteX2" fmla="*/ 4602480 w 4602480"/>
-                  <a:gd name="connsiteY2" fmla="*/ 1748352 h 1755788"/>
-                  <a:gd name="connsiteX0" fmla="*/ 0 w 4861560"/>
-                  <a:gd name="connsiteY0" fmla="*/ 26232 h 1728117"/>
-                  <a:gd name="connsiteX1" fmla="*/ 2499360 w 4861560"/>
-                  <a:gd name="connsiteY1" fmla="*/ 894912 h 1728117"/>
-                  <a:gd name="connsiteX2" fmla="*/ 4861560 w 4861560"/>
-                  <a:gd name="connsiteY2" fmla="*/ 1717872 h 1728117"/>
-                  <a:gd name="connsiteX0" fmla="*/ 0 w 4794504"/>
-                  <a:gd name="connsiteY0" fmla="*/ 20097 h 1752462"/>
-                  <a:gd name="connsiteX1" fmla="*/ 2432304 w 4794504"/>
-                  <a:gd name="connsiteY1" fmla="*/ 919257 h 1752462"/>
-                  <a:gd name="connsiteX2" fmla="*/ 4794504 w 4794504"/>
-                  <a:gd name="connsiteY2" fmla="*/ 1742217 h 1752462"/>
-                  <a:gd name="connsiteX0" fmla="*/ 0 w 4733544"/>
-                  <a:gd name="connsiteY0" fmla="*/ 20097 h 1757925"/>
-                  <a:gd name="connsiteX1" fmla="*/ 2432304 w 4733544"/>
-                  <a:gd name="connsiteY1" fmla="*/ 919257 h 1757925"/>
-                  <a:gd name="connsiteX2" fmla="*/ 4733544 w 4733544"/>
-                  <a:gd name="connsiteY2" fmla="*/ 1748313 h 1757925"/>
-                  <a:gd name="connsiteX0" fmla="*/ 0 w 4770120"/>
-                  <a:gd name="connsiteY0" fmla="*/ 20097 h 1791433"/>
-                  <a:gd name="connsiteX1" fmla="*/ 2432304 w 4770120"/>
-                  <a:gd name="connsiteY1" fmla="*/ 919257 h 1791433"/>
-                  <a:gd name="connsiteX2" fmla="*/ 4770120 w 4770120"/>
-                  <a:gd name="connsiteY2" fmla="*/ 1784889 h 1791433"/>
-                  <a:gd name="connsiteX0" fmla="*/ 0 w 4770120"/>
-                  <a:gd name="connsiteY0" fmla="*/ 27577 h 1796889"/>
-                  <a:gd name="connsiteX1" fmla="*/ 2395728 w 4770120"/>
-                  <a:gd name="connsiteY1" fmla="*/ 890161 h 1796889"/>
-                  <a:gd name="connsiteX2" fmla="*/ 4770120 w 4770120"/>
-                  <a:gd name="connsiteY2" fmla="*/ 1792369 h 1796889"/>
-                  <a:gd name="connsiteX0" fmla="*/ 0 w 4770120"/>
-                  <a:gd name="connsiteY0" fmla="*/ 21936 h 1791248"/>
-                  <a:gd name="connsiteX1" fmla="*/ 2395728 w 4770120"/>
-                  <a:gd name="connsiteY1" fmla="*/ 884520 h 1791248"/>
-                  <a:gd name="connsiteX2" fmla="*/ 4770120 w 4770120"/>
-                  <a:gd name="connsiteY2" fmla="*/ 1786728 h 1791248"/>
-                  <a:gd name="connsiteX0" fmla="*/ 0 w 4770120"/>
-                  <a:gd name="connsiteY0" fmla="*/ 21936 h 1791248"/>
-                  <a:gd name="connsiteX1" fmla="*/ 2395728 w 4770120"/>
-                  <a:gd name="connsiteY1" fmla="*/ 884520 h 1791248"/>
-                  <a:gd name="connsiteX2" fmla="*/ 4770120 w 4770120"/>
-                  <a:gd name="connsiteY2" fmla="*/ 1786728 h 1791248"/>
-                  <a:gd name="connsiteX0" fmla="*/ 0 w 4770120"/>
-                  <a:gd name="connsiteY0" fmla="*/ 21936 h 1786728"/>
-                  <a:gd name="connsiteX1" fmla="*/ 2395728 w 4770120"/>
-                  <a:gd name="connsiteY1" fmla="*/ 884520 h 1786728"/>
-                  <a:gd name="connsiteX2" fmla="*/ 4770120 w 4770120"/>
-                  <a:gd name="connsiteY2" fmla="*/ 1786728 h 1786728"/>
-                  <a:gd name="connsiteX0" fmla="*/ 0 w 4770120"/>
-                  <a:gd name="connsiteY0" fmla="*/ 21936 h 1786728"/>
-                  <a:gd name="connsiteX1" fmla="*/ 2395728 w 4770120"/>
-                  <a:gd name="connsiteY1" fmla="*/ 884520 h 1786728"/>
-                  <a:gd name="connsiteX2" fmla="*/ 4770120 w 4770120"/>
-                  <a:gd name="connsiteY2" fmla="*/ 1786728 h 1786728"/>
-                  <a:gd name="connsiteX0" fmla="*/ 0 w 4770120"/>
-                  <a:gd name="connsiteY0" fmla="*/ 21936 h 1786728"/>
-                  <a:gd name="connsiteX1" fmla="*/ 2395728 w 4770120"/>
-                  <a:gd name="connsiteY1" fmla="*/ 884520 h 1786728"/>
-                  <a:gd name="connsiteX2" fmla="*/ 4770120 w 4770120"/>
-                  <a:gd name="connsiteY2" fmla="*/ 1786728 h 1786728"/>
-                  <a:gd name="connsiteX0" fmla="*/ 0 w 4770120"/>
-                  <a:gd name="connsiteY0" fmla="*/ 21936 h 1786728"/>
-                  <a:gd name="connsiteX1" fmla="*/ 2395728 w 4770120"/>
-                  <a:gd name="connsiteY1" fmla="*/ 884520 h 1786728"/>
-                  <a:gd name="connsiteX2" fmla="*/ 4770120 w 4770120"/>
-                  <a:gd name="connsiteY2" fmla="*/ 1786728 h 1786728"/>
-                </a:gdLst>
-                <a:ahLst/>
-                <a:cxnLst>
-                  <a:cxn ang="0">
-                    <a:pos x="connsiteX0" y="connsiteY0"/>
-                  </a:cxn>
-                  <a:cxn ang="0">
-                    <a:pos x="connsiteX1" y="connsiteY1"/>
-                  </a:cxn>
-                  <a:cxn ang="0">
-                    <a:pos x="connsiteX2" y="connsiteY2"/>
-                  </a:cxn>
-                </a:cxnLst>
-                <a:rect l="l" t="t" r="r" b="b"/>
-                <a:pathLst>
-                  <a:path w="4770120" h="1786728">
-                    <a:moveTo>
-                      <a:pt x="0" y="21936"/>
-                    </a:moveTo>
-                    <a:cubicBezTo>
-                      <a:pt x="753110" y="10506"/>
-                      <a:pt x="1259332" y="-189900"/>
-                      <a:pt x="2395728" y="884520"/>
-                    </a:cubicBezTo>
-                    <a:cubicBezTo>
-                      <a:pt x="3205988" y="1806540"/>
-                      <a:pt x="4068856" y="1737214"/>
-                      <a:pt x="4770120" y="1786728"/>
-                    </a:cubicBezTo>
-                  </a:path>
-                </a:pathLst>
-              </a:custGeom>
-              <a:grpFill/>
-              <a:ln w="190500" cmpd="sng">
-                <a:solidFill>
-                  <a:srgbClr val="B5863B"/>
-                </a:solidFill>
-                <a:headEnd type="triangle" w="med" len="med"/>
-                <a:tailEnd type="triangle"/>
-              </a:ln>
-            </p:spPr>
-            <p:style>
-              <a:lnRef idx="2">
-                <a:schemeClr val="accent1">
-                  <a:shade val="50000"/>
-                </a:schemeClr>
-              </a:lnRef>
-              <a:fillRef idx="1">
-                <a:schemeClr val="accent1"/>
-              </a:fillRef>
-              <a:effectRef idx="0">
-                <a:schemeClr val="accent1"/>
-              </a:effectRef>
-              <a:fontRef idx="minor">
-                <a:schemeClr val="lt1"/>
-              </a:fontRef>
-            </p:style>
-            <p:txBody>
-              <a:bodyPr rtlCol="0" anchor="ctr"/>
-              <a:lstStyle/>
-              <a:p>
-                <a:pPr marL="0" marR="0" lvl="0" indent="0" algn="ctr" defTabSz="914400" rtl="0" eaLnBrk="1" fontAlgn="auto" latinLnBrk="0" hangingPunct="1">
-                  <a:lnSpc>
-                    <a:spcPct val="100000"/>
-                  </a:lnSpc>
-                  <a:spcBef>
-                    <a:spcPts val="0"/>
-                  </a:spcBef>
-                  <a:spcAft>
-                    <a:spcPts val="0"/>
-                  </a:spcAft>
-                  <a:buClrTx/>
-                  <a:buSzTx/>
-                  <a:buFontTx/>
-                  <a:buNone/>
-                  <a:tabLst/>
-                  <a:defRPr/>
-                </a:pPr>
-                <a:endParaRPr kumimoji="0" lang="en-GB" sz="1800" b="0" i="0" u="none" strike="noStrike" kern="1200" cap="none" spc="0" normalizeH="0" baseline="0" noProof="0" dirty="0">
-                  <a:ln>
-                    <a:noFill/>
-                  </a:ln>
-                  <a:solidFill>
-                    <a:schemeClr val="accent4">
-                      <a:lumMod val="60000"/>
-                      <a:lumOff val="40000"/>
-                    </a:schemeClr>
-                  </a:solidFill>
-                  <a:effectLst/>
-                  <a:uLnTx/>
-                  <a:uFillTx/>
-                  <a:latin typeface="Calibri" panose="020F0502020204030204"/>
-                  <a:ea typeface="+mn-ea"/>
-                  <a:cs typeface="+mn-cs"/>
-                </a:endParaRPr>
-              </a:p>
-            </p:txBody>
-          </p:sp>
-        </p:grpSp>
-        <p:sp>
-          <p:nvSpPr>
-            <p:cNvPr id="11" name="Retângulo 10">
-              <a:extLst>
-                <a:ext uri="{FF2B5EF4-FFF2-40B4-BE49-F238E27FC236}">
-                  <a16:creationId xmlns:a16="http://schemas.microsoft.com/office/drawing/2014/main" id="{21318823-5074-3EA1-CC3A-D9B8AB7C3609}"/>
-                </a:ext>
-              </a:extLst>
-            </p:cNvPr>
-            <p:cNvSpPr/>
-            <p:nvPr/>
-          </p:nvSpPr>
-          <p:spPr>
-            <a:xfrm rot="18487422">
-              <a:off x="5885804" y="3391608"/>
-              <a:ext cx="189172" cy="53446"/>
-            </a:xfrm>
-            <a:prstGeom prst="rect">
-              <a:avLst/>
-            </a:prstGeom>
-            <a:grpFill/>
-            <a:ln>
-              <a:solidFill>
-                <a:srgbClr val="B5863B"/>
-              </a:solidFill>
-            </a:ln>
-          </p:spPr>
-          <p:style>
-            <a:lnRef idx="2">
-              <a:schemeClr val="accent1">
-                <a:shade val="50000"/>
-              </a:schemeClr>
-            </a:lnRef>
-            <a:fillRef idx="1">
-              <a:schemeClr val="accent1"/>
-            </a:fillRef>
-            <a:effectRef idx="0">
-              <a:schemeClr val="accent1"/>
-            </a:effectRef>
-            <a:fontRef idx="minor">
-              <a:schemeClr val="lt1"/>
-            </a:fontRef>
-          </p:style>
-          <p:txBody>
-            <a:bodyPr rtlCol="0" anchor="ctr"/>
-            <a:lstStyle/>
-            <a:p>
-              <a:pPr algn="ctr"/>
-              <a:endParaRPr lang="pt-PT" dirty="0">
-                <a:solidFill>
-                  <a:schemeClr val="accent4">
-                    <a:lumMod val="60000"/>
-                    <a:lumOff val="40000"/>
-                  </a:schemeClr>
-                </a:solidFill>
-              </a:endParaRPr>
-            </a:p>
-          </p:txBody>
-        </p:sp>
-      </p:grpSp>
-      <p:grpSp>
-        <p:nvGrpSpPr>
-          <p:cNvPr id="7" name="Agrupar 6">
-            <a:extLst>
-              <a:ext uri="{FF2B5EF4-FFF2-40B4-BE49-F238E27FC236}">
-                <a16:creationId xmlns:a16="http://schemas.microsoft.com/office/drawing/2014/main" id="{E34B855B-01ED-4A0B-92AB-4728F59143EE}"/>
-              </a:ext>
-            </a:extLst>
-          </p:cNvPr>
-          <p:cNvGrpSpPr/>
-          <p:nvPr/>
-        </p:nvGrpSpPr>
-        <p:grpSpPr>
-          <a:xfrm>
-            <a:off x="3835400" y="504003"/>
+            <a:off x="3882000" y="382083"/>
             <a:ext cx="4428000" cy="5400000"/>
             <a:chOff x="1788502" y="728335"/>
             <a:chExt cx="8614997" cy="5400000"/>
@@ -8413,7 +4226,7 @@
         </p:nvGrpSpPr>
         <p:grpSpPr>
           <a:xfrm>
-            <a:off x="-7576986" y="-4871976"/>
+            <a:off x="1764072" y="-7724308"/>
             <a:ext cx="5760000" cy="5804997"/>
             <a:chOff x="3216000" y="504003"/>
             <a:chExt cx="5760000" cy="5804997"/>
@@ -9410,6 +5223,188 @@
           </p:sp>
         </p:grpSp>
       </p:grpSp>
+      <p:sp>
+        <p:nvSpPr>
+          <p:cNvPr id="3" name="Retângulo 2">
+            <a:extLst>
+              <a:ext uri="{FF2B5EF4-FFF2-40B4-BE49-F238E27FC236}">
+                <a16:creationId xmlns:a16="http://schemas.microsoft.com/office/drawing/2014/main" id="{707A29D7-F582-59AD-DE3F-7E1ED4EB6B51}"/>
+              </a:ext>
+            </a:extLst>
+          </p:cNvPr>
+          <p:cNvSpPr/>
+          <p:nvPr/>
+        </p:nvSpPr>
+        <p:spPr>
+          <a:xfrm>
+            <a:off x="-15167992" y="944880"/>
+            <a:ext cx="12192000" cy="6858000"/>
+          </a:xfrm>
+          <a:prstGeom prst="rect">
+            <a:avLst/>
+          </a:prstGeom>
+          <a:solidFill>
+            <a:srgbClr val="D20119"/>
+          </a:solidFill>
+          <a:ln>
+            <a:noFill/>
+          </a:ln>
+        </p:spPr>
+        <p:style>
+          <a:lnRef idx="2">
+            <a:schemeClr val="accent1">
+              <a:shade val="50000"/>
+            </a:schemeClr>
+          </a:lnRef>
+          <a:fillRef idx="1">
+            <a:schemeClr val="accent1"/>
+          </a:fillRef>
+          <a:effectRef idx="0">
+            <a:schemeClr val="accent1"/>
+          </a:effectRef>
+          <a:fontRef idx="minor">
+            <a:schemeClr val="lt1"/>
+          </a:fontRef>
+        </p:style>
+        <p:txBody>
+          <a:bodyPr rtlCol="0" anchor="ctr"/>
+          <a:lstStyle/>
+          <a:p>
+            <a:pPr algn="ctr"/>
+            <a:endParaRPr lang="pt-PT" dirty="0"/>
+          </a:p>
+        </p:txBody>
+      </p:sp>
+      <p:pic>
+        <p:nvPicPr>
+          <p:cNvPr id="26" name="Imagem 25">
+            <a:extLst>
+              <a:ext uri="{FF2B5EF4-FFF2-40B4-BE49-F238E27FC236}">
+                <a16:creationId xmlns:a16="http://schemas.microsoft.com/office/drawing/2014/main" id="{35B05F41-9CAD-E6FE-CD47-08A3E6D15090}"/>
+              </a:ext>
+            </a:extLst>
+          </p:cNvPr>
+          <p:cNvPicPr>
+            <a:picLocks noChangeAspect="1"/>
+          </p:cNvPicPr>
+          <p:nvPr/>
+        </p:nvPicPr>
+        <p:blipFill>
+          <a:blip r:embed="rId2"/>
+          <a:stretch>
+            <a:fillRect/>
+          </a:stretch>
+        </p:blipFill>
+        <p:spPr>
+          <a:xfrm>
+            <a:off x="4401503" y="1289098"/>
+            <a:ext cx="3555917" cy="4035964"/>
+          </a:xfrm>
+          <a:prstGeom prst="rect">
+            <a:avLst/>
+          </a:prstGeom>
+        </p:spPr>
+      </p:pic>
+      <p:pic>
+        <p:nvPicPr>
+          <p:cNvPr id="27" name="Imagem 26">
+            <a:extLst>
+              <a:ext uri="{FF2B5EF4-FFF2-40B4-BE49-F238E27FC236}">
+                <a16:creationId xmlns:a16="http://schemas.microsoft.com/office/drawing/2014/main" id="{6C463DC6-E769-60EF-09D9-D1BAF528497A}"/>
+              </a:ext>
+            </a:extLst>
+          </p:cNvPr>
+          <p:cNvPicPr>
+            <a:picLocks noChangeAspect="1"/>
+          </p:cNvPicPr>
+          <p:nvPr/>
+        </p:nvPicPr>
+        <p:blipFill rotWithShape="1">
+          <a:blip r:embed="rId3">
+            <a:extLst>
+              <a:ext uri="{BEBA8EAE-BF5A-486C-A8C5-ECC9F3942E4B}">
+                <a14:imgProps xmlns:a14="http://schemas.microsoft.com/office/drawing/2010/main">
+                  <a14:imgLayer r:embed="rId4">
+                    <a14:imgEffect>
+                      <a14:backgroundRemoval t="19567" b="95108" l="0" r="98256">
+                        <a14:foregroundMark x1="42209" y1="34804" x2="42558" y2="72735"/>
+                        <a14:foregroundMark x1="14884" y1="68966" x2="48372" y2="73216"/>
+                        <a14:foregroundMark x1="16163" y1="76985" x2="41860" y2="69848"/>
+                        <a14:foregroundMark x1="84070" y1="36969" x2="56744" y2="38974"/>
+                        <a14:foregroundMark x1="62558" y1="35686" x2="61860" y2="61668"/>
+                        <a14:foregroundMark x1="48953" y1="58140" x2="79884" y2="59423"/>
+                        <a14:foregroundMark x1="77326" y1="56776" x2="68023" y2="78107"/>
+                        <a14:foregroundMark x1="52209" y1="75461" x2="81512" y2="72334"/>
+                      </a14:backgroundRemoval>
+                    </a14:imgEffect>
+                  </a14:imgLayer>
+                </a14:imgProps>
+              </a:ext>
+            </a:extLst>
+          </a:blip>
+          <a:srcRect t="18228" b="4667"/>
+          <a:stretch/>
+        </p:blipFill>
+        <p:spPr>
+          <a:xfrm>
+            <a:off x="-8123464" y="-3106416"/>
+            <a:ext cx="1069937" cy="1196222"/>
+          </a:xfrm>
+          <a:prstGeom prst="rect">
+            <a:avLst/>
+          </a:prstGeom>
+        </p:spPr>
+      </p:pic>
+      <p:pic>
+        <p:nvPicPr>
+          <p:cNvPr id="28" name="Imagem 27">
+            <a:extLst>
+              <a:ext uri="{FF2B5EF4-FFF2-40B4-BE49-F238E27FC236}">
+                <a16:creationId xmlns:a16="http://schemas.microsoft.com/office/drawing/2014/main" id="{695BFBDC-8CCC-1E65-9DDB-0C98DC429D8A}"/>
+              </a:ext>
+            </a:extLst>
+          </p:cNvPr>
+          <p:cNvPicPr>
+            <a:picLocks noChangeAspect="1"/>
+          </p:cNvPicPr>
+          <p:nvPr/>
+        </p:nvPicPr>
+        <p:blipFill rotWithShape="1">
+          <a:blip r:embed="rId5">
+            <a:extLst>
+              <a:ext uri="{BEBA8EAE-BF5A-486C-A8C5-ECC9F3942E4B}">
+                <a14:imgProps xmlns:a14="http://schemas.microsoft.com/office/drawing/2010/main">
+                  <a14:imgLayer r:embed="rId6">
+                    <a14:imgEffect>
+                      <a14:backgroundRemoval t="2667" b="96444" l="6111" r="94000">
+                        <a14:foregroundMark x1="43111" y1="29111" x2="47556" y2="30444"/>
+                        <a14:foregroundMark x1="31333" y1="27333" x2="64889" y2="28222"/>
+                        <a14:foregroundMark x1="63333" y1="20222" x2="64889" y2="73333"/>
+                        <a14:foregroundMark x1="38444" y1="76667" x2="64222" y2="37333"/>
+                        <a14:foregroundMark x1="27111" y1="44444" x2="68222" y2="56222"/>
+                        <a14:foregroundMark x1="25333" y1="61778" x2="78667" y2="86667"/>
+                        <a14:foregroundMark x1="54222" y1="51556" x2="61556" y2="83778"/>
+                        <a14:foregroundMark x1="21778" y1="48000" x2="48444" y2="68000"/>
+                      </a14:backgroundRemoval>
+                    </a14:imgEffect>
+                  </a14:imgLayer>
+                </a14:imgProps>
+              </a:ext>
+            </a:extLst>
+          </a:blip>
+          <a:srcRect l="8455" t="4419" r="8717" b="4247"/>
+          <a:stretch/>
+        </p:blipFill>
+        <p:spPr>
+          <a:xfrm rot="1072585">
+            <a:off x="-5007556" y="-1022741"/>
+            <a:ext cx="936127" cy="1032266"/>
+          </a:xfrm>
+          <a:prstGeom prst="rect">
+            <a:avLst/>
+          </a:prstGeom>
+        </p:spPr>
+      </p:pic>
     </p:spTree>
     <p:extLst>
       <p:ext uri="{BB962C8B-B14F-4D97-AF65-F5344CB8AC3E}">
@@ -9420,10 +5415,696 @@
   <p:clrMapOvr>
     <a:masterClrMapping/>
   </p:clrMapOvr>
+  <p:timing>
+    <p:tnLst>
+      <p:par>
+        <p:cTn id="1" dur="indefinite" restart="never" nodeType="tmRoot">
+          <p:childTnLst>
+            <p:seq concurrent="1" nextAc="seek">
+              <p:cTn id="2" dur="indefinite" nodeType="mainSeq">
+                <p:childTnLst>
+                  <p:par>
+                    <p:cTn id="3" fill="hold">
+                      <p:stCondLst>
+                        <p:cond delay="indefinite"/>
+                      </p:stCondLst>
+                      <p:childTnLst>
+                        <p:par>
+                          <p:cTn id="4" fill="hold">
+                            <p:stCondLst>
+                              <p:cond delay="0"/>
+                            </p:stCondLst>
+                            <p:childTnLst>
+                              <p:par>
+                                <p:cTn id="5" presetID="16" presetClass="entr" presetSubtype="37" fill="hold" nodeType="clickEffect">
+                                  <p:stCondLst>
+                                    <p:cond delay="0"/>
+                                  </p:stCondLst>
+                                  <p:childTnLst>
+                                    <p:set>
+                                      <p:cBhvr>
+                                        <p:cTn id="6" dur="1" fill="hold">
+                                          <p:stCondLst>
+                                            <p:cond delay="0"/>
+                                          </p:stCondLst>
+                                        </p:cTn>
+                                        <p:tgtEl>
+                                          <p:spTgt spid="26"/>
+                                        </p:tgtEl>
+                                        <p:attrNameLst>
+                                          <p:attrName>style.visibility</p:attrName>
+                                        </p:attrNameLst>
+                                      </p:cBhvr>
+                                      <p:to>
+                                        <p:strVal val="visible"/>
+                                      </p:to>
+                                    </p:set>
+                                    <p:animEffect transition="in" filter="barn(outVertical)">
+                                      <p:cBhvr>
+                                        <p:cTn id="7" dur="1250"/>
+                                        <p:tgtEl>
+                                          <p:spTgt spid="26"/>
+                                        </p:tgtEl>
+                                      </p:cBhvr>
+                                    </p:animEffect>
+                                  </p:childTnLst>
+                                </p:cTn>
+                              </p:par>
+                              <p:par>
+                                <p:cTn id="8" presetID="53" presetClass="entr" presetSubtype="528" fill="hold" nodeType="withEffect">
+                                  <p:stCondLst>
+                                    <p:cond delay="0"/>
+                                  </p:stCondLst>
+                                  <p:childTnLst>
+                                    <p:set>
+                                      <p:cBhvr>
+                                        <p:cTn id="9" dur="1" fill="hold">
+                                          <p:stCondLst>
+                                            <p:cond delay="0"/>
+                                          </p:stCondLst>
+                                        </p:cTn>
+                                        <p:tgtEl>
+                                          <p:spTgt spid="26"/>
+                                        </p:tgtEl>
+                                        <p:attrNameLst>
+                                          <p:attrName>style.visibility</p:attrName>
+                                        </p:attrNameLst>
+                                      </p:cBhvr>
+                                      <p:to>
+                                        <p:strVal val="visible"/>
+                                      </p:to>
+                                    </p:set>
+                                    <p:anim calcmode="lin" valueType="num">
+                                      <p:cBhvr>
+                                        <p:cTn id="10" dur="1000" fill="hold"/>
+                                        <p:tgtEl>
+                                          <p:spTgt spid="26"/>
+                                        </p:tgtEl>
+                                        <p:attrNameLst>
+                                          <p:attrName>ppt_w</p:attrName>
+                                        </p:attrNameLst>
+                                      </p:cBhvr>
+                                      <p:tavLst>
+                                        <p:tav tm="0">
+                                          <p:val>
+                                            <p:fltVal val="0"/>
+                                          </p:val>
+                                        </p:tav>
+                                        <p:tav tm="100000">
+                                          <p:val>
+                                            <p:strVal val="#ppt_w"/>
+                                          </p:val>
+                                        </p:tav>
+                                      </p:tavLst>
+                                    </p:anim>
+                                    <p:anim calcmode="lin" valueType="num">
+                                      <p:cBhvr>
+                                        <p:cTn id="11" dur="1000" fill="hold"/>
+                                        <p:tgtEl>
+                                          <p:spTgt spid="26"/>
+                                        </p:tgtEl>
+                                        <p:attrNameLst>
+                                          <p:attrName>ppt_h</p:attrName>
+                                        </p:attrNameLst>
+                                      </p:cBhvr>
+                                      <p:tavLst>
+                                        <p:tav tm="0">
+                                          <p:val>
+                                            <p:fltVal val="0"/>
+                                          </p:val>
+                                        </p:tav>
+                                        <p:tav tm="100000">
+                                          <p:val>
+                                            <p:strVal val="#ppt_h"/>
+                                          </p:val>
+                                        </p:tav>
+                                      </p:tavLst>
+                                    </p:anim>
+                                    <p:animEffect transition="in" filter="fade">
+                                      <p:cBhvr>
+                                        <p:cTn id="12" dur="1000"/>
+                                        <p:tgtEl>
+                                          <p:spTgt spid="26"/>
+                                        </p:tgtEl>
+                                      </p:cBhvr>
+                                    </p:animEffect>
+                                    <p:anim calcmode="lin" valueType="num">
+                                      <p:cBhvr>
+                                        <p:cTn id="13" dur="1000" fill="hold"/>
+                                        <p:tgtEl>
+                                          <p:spTgt spid="26"/>
+                                        </p:tgtEl>
+                                        <p:attrNameLst>
+                                          <p:attrName>ppt_x</p:attrName>
+                                        </p:attrNameLst>
+                                      </p:cBhvr>
+                                      <p:tavLst>
+                                        <p:tav tm="0">
+                                          <p:val>
+                                            <p:fltVal val="0.5"/>
+                                          </p:val>
+                                        </p:tav>
+                                        <p:tav tm="100000">
+                                          <p:val>
+                                            <p:strVal val="#ppt_x"/>
+                                          </p:val>
+                                        </p:tav>
+                                      </p:tavLst>
+                                    </p:anim>
+                                    <p:anim calcmode="lin" valueType="num">
+                                      <p:cBhvr>
+                                        <p:cTn id="14" dur="1000" fill="hold"/>
+                                        <p:tgtEl>
+                                          <p:spTgt spid="26"/>
+                                        </p:tgtEl>
+                                        <p:attrNameLst>
+                                          <p:attrName>ppt_y</p:attrName>
+                                        </p:attrNameLst>
+                                      </p:cBhvr>
+                                      <p:tavLst>
+                                        <p:tav tm="0">
+                                          <p:val>
+                                            <p:fltVal val="0.5"/>
+                                          </p:val>
+                                        </p:tav>
+                                        <p:tav tm="100000">
+                                          <p:val>
+                                            <p:strVal val="#ppt_y"/>
+                                          </p:val>
+                                        </p:tav>
+                                      </p:tavLst>
+                                    </p:anim>
+                                  </p:childTnLst>
+                                </p:cTn>
+                              </p:par>
+                            </p:childTnLst>
+                          </p:cTn>
+                        </p:par>
+                        <p:par>
+                          <p:cTn id="15" fill="hold">
+                            <p:stCondLst>
+                              <p:cond delay="1250"/>
+                            </p:stCondLst>
+                            <p:childTnLst>
+                              <p:par>
+                                <p:cTn id="16" presetID="12" presetClass="exit" presetSubtype="4" fill="hold" nodeType="afterEffect">
+                                  <p:stCondLst>
+                                    <p:cond delay="0"/>
+                                  </p:stCondLst>
+                                  <p:childTnLst>
+                                    <p:anim calcmode="lin" valueType="num">
+                                      <p:cBhvr additive="base">
+                                        <p:cTn id="17" dur="1000"/>
+                                        <p:tgtEl>
+                                          <p:spTgt spid="26"/>
+                                        </p:tgtEl>
+                                        <p:attrNameLst>
+                                          <p:attrName>ppt_y</p:attrName>
+                                        </p:attrNameLst>
+                                      </p:cBhvr>
+                                      <p:tavLst>
+                                        <p:tav tm="0">
+                                          <p:val>
+                                            <p:strVal val="#ppt_y"/>
+                                          </p:val>
+                                        </p:tav>
+                                        <p:tav tm="100000">
+                                          <p:val>
+                                            <p:strVal val="#ppt_y+#ppt_h*1.125000"/>
+                                          </p:val>
+                                        </p:tav>
+                                      </p:tavLst>
+                                    </p:anim>
+                                    <p:animEffect transition="out" filter="wipe(down)">
+                                      <p:cBhvr>
+                                        <p:cTn id="18" dur="1000"/>
+                                        <p:tgtEl>
+                                          <p:spTgt spid="26"/>
+                                        </p:tgtEl>
+                                      </p:cBhvr>
+                                    </p:animEffect>
+                                    <p:set>
+                                      <p:cBhvr>
+                                        <p:cTn id="19" dur="1" fill="hold">
+                                          <p:stCondLst>
+                                            <p:cond delay="999"/>
+                                          </p:stCondLst>
+                                        </p:cTn>
+                                        <p:tgtEl>
+                                          <p:spTgt spid="26"/>
+                                        </p:tgtEl>
+                                        <p:attrNameLst>
+                                          <p:attrName>style.visibility</p:attrName>
+                                        </p:attrNameLst>
+                                      </p:cBhvr>
+                                      <p:to>
+                                        <p:strVal val="hidden"/>
+                                      </p:to>
+                                    </p:set>
+                                  </p:childTnLst>
+                                </p:cTn>
+                              </p:par>
+                            </p:childTnLst>
+                          </p:cTn>
+                        </p:par>
+                        <p:par>
+                          <p:cTn id="20" fill="hold">
+                            <p:stCondLst>
+                              <p:cond delay="2250"/>
+                            </p:stCondLst>
+                            <p:childTnLst>
+                              <p:par>
+                                <p:cTn id="21" presetID="42" presetClass="entr" presetSubtype="0" fill="hold" grpId="0" nodeType="afterEffect">
+                                  <p:stCondLst>
+                                    <p:cond delay="0"/>
+                                  </p:stCondLst>
+                                  <p:childTnLst>
+                                    <p:set>
+                                      <p:cBhvr>
+                                        <p:cTn id="22" dur="1" fill="hold">
+                                          <p:stCondLst>
+                                            <p:cond delay="0"/>
+                                          </p:stCondLst>
+                                        </p:cTn>
+                                        <p:tgtEl>
+                                          <p:spTgt spid="5"/>
+                                        </p:tgtEl>
+                                        <p:attrNameLst>
+                                          <p:attrName>style.visibility</p:attrName>
+                                        </p:attrNameLst>
+                                      </p:cBhvr>
+                                      <p:to>
+                                        <p:strVal val="visible"/>
+                                      </p:to>
+                                    </p:set>
+                                    <p:animEffect transition="in" filter="fade">
+                                      <p:cBhvr>
+                                        <p:cTn id="23" dur="1000"/>
+                                        <p:tgtEl>
+                                          <p:spTgt spid="5"/>
+                                        </p:tgtEl>
+                                      </p:cBhvr>
+                                    </p:animEffect>
+                                    <p:anim calcmode="lin" valueType="num">
+                                      <p:cBhvr>
+                                        <p:cTn id="24" dur="1000" fill="hold"/>
+                                        <p:tgtEl>
+                                          <p:spTgt spid="5"/>
+                                        </p:tgtEl>
+                                        <p:attrNameLst>
+                                          <p:attrName>ppt_x</p:attrName>
+                                        </p:attrNameLst>
+                                      </p:cBhvr>
+                                      <p:tavLst>
+                                        <p:tav tm="0">
+                                          <p:val>
+                                            <p:strVal val="#ppt_x"/>
+                                          </p:val>
+                                        </p:tav>
+                                        <p:tav tm="100000">
+                                          <p:val>
+                                            <p:strVal val="#ppt_x"/>
+                                          </p:val>
+                                        </p:tav>
+                                      </p:tavLst>
+                                    </p:anim>
+                                    <p:anim calcmode="lin" valueType="num">
+                                      <p:cBhvr>
+                                        <p:cTn id="25" dur="1000" fill="hold"/>
+                                        <p:tgtEl>
+                                          <p:spTgt spid="5"/>
+                                        </p:tgtEl>
+                                        <p:attrNameLst>
+                                          <p:attrName>ppt_y</p:attrName>
+                                        </p:attrNameLst>
+                                      </p:cBhvr>
+                                      <p:tavLst>
+                                        <p:tav tm="0">
+                                          <p:val>
+                                            <p:strVal val="#ppt_y+.1"/>
+                                          </p:val>
+                                        </p:tav>
+                                        <p:tav tm="100000">
+                                          <p:val>
+                                            <p:strVal val="#ppt_y"/>
+                                          </p:val>
+                                        </p:tav>
+                                      </p:tavLst>
+                                    </p:anim>
+                                  </p:childTnLst>
+                                </p:cTn>
+                              </p:par>
+                            </p:childTnLst>
+                          </p:cTn>
+                        </p:par>
+                        <p:par>
+                          <p:cTn id="26" fill="hold">
+                            <p:stCondLst>
+                              <p:cond delay="3250"/>
+                            </p:stCondLst>
+                            <p:childTnLst>
+                              <p:par>
+                                <p:cTn id="27" presetID="6" presetClass="entr" presetSubtype="32" fill="hold" grpId="0" nodeType="afterEffect">
+                                  <p:stCondLst>
+                                    <p:cond delay="0"/>
+                                  </p:stCondLst>
+                                  <p:childTnLst>
+                                    <p:set>
+                                      <p:cBhvr>
+                                        <p:cTn id="28" dur="1" fill="hold">
+                                          <p:stCondLst>
+                                            <p:cond delay="0"/>
+                                          </p:stCondLst>
+                                        </p:cTn>
+                                        <p:tgtEl>
+                                          <p:spTgt spid="24"/>
+                                        </p:tgtEl>
+                                        <p:attrNameLst>
+                                          <p:attrName>style.visibility</p:attrName>
+                                        </p:attrNameLst>
+                                      </p:cBhvr>
+                                      <p:to>
+                                        <p:strVal val="visible"/>
+                                      </p:to>
+                                    </p:set>
+                                    <p:animEffect transition="in" filter="circle(out)">
+                                      <p:cBhvr>
+                                        <p:cTn id="29" dur="1000"/>
+                                        <p:tgtEl>
+                                          <p:spTgt spid="24"/>
+                                        </p:tgtEl>
+                                      </p:cBhvr>
+                                    </p:animEffect>
+                                  </p:childTnLst>
+                                </p:cTn>
+                              </p:par>
+                            </p:childTnLst>
+                          </p:cTn>
+                        </p:par>
+                        <p:par>
+                          <p:cTn id="30" fill="hold">
+                            <p:stCondLst>
+                              <p:cond delay="4250"/>
+                            </p:stCondLst>
+                            <p:childTnLst>
+                              <p:par>
+                                <p:cTn id="31" presetID="22" presetClass="entr" presetSubtype="4" fill="hold" grpId="0" nodeType="afterEffect">
+                                  <p:stCondLst>
+                                    <p:cond delay="0"/>
+                                  </p:stCondLst>
+                                  <p:childTnLst>
+                                    <p:set>
+                                      <p:cBhvr>
+                                        <p:cTn id="32" dur="1" fill="hold">
+                                          <p:stCondLst>
+                                            <p:cond delay="0"/>
+                                          </p:stCondLst>
+                                        </p:cTn>
+                                        <p:tgtEl>
+                                          <p:spTgt spid="13"/>
+                                        </p:tgtEl>
+                                        <p:attrNameLst>
+                                          <p:attrName>style.visibility</p:attrName>
+                                        </p:attrNameLst>
+                                      </p:cBhvr>
+                                      <p:to>
+                                        <p:strVal val="visible"/>
+                                      </p:to>
+                                    </p:set>
+                                    <p:animEffect transition="in" filter="wipe(down)">
+                                      <p:cBhvr>
+                                        <p:cTn id="33" dur="500"/>
+                                        <p:tgtEl>
+                                          <p:spTgt spid="13"/>
+                                        </p:tgtEl>
+                                      </p:cBhvr>
+                                    </p:animEffect>
+                                  </p:childTnLst>
+                                </p:cTn>
+                              </p:par>
+                              <p:par>
+                                <p:cTn id="34" presetID="22" presetClass="entr" presetSubtype="8" fill="hold" grpId="0" nodeType="withEffect">
+                                  <p:stCondLst>
+                                    <p:cond delay="0"/>
+                                  </p:stCondLst>
+                                  <p:childTnLst>
+                                    <p:set>
+                                      <p:cBhvr>
+                                        <p:cTn id="35" dur="1" fill="hold">
+                                          <p:stCondLst>
+                                            <p:cond delay="0"/>
+                                          </p:stCondLst>
+                                        </p:cTn>
+                                        <p:tgtEl>
+                                          <p:spTgt spid="12"/>
+                                        </p:tgtEl>
+                                        <p:attrNameLst>
+                                          <p:attrName>style.visibility</p:attrName>
+                                        </p:attrNameLst>
+                                      </p:cBhvr>
+                                      <p:to>
+                                        <p:strVal val="visible"/>
+                                      </p:to>
+                                    </p:set>
+                                    <p:animEffect transition="in" filter="wipe(left)">
+                                      <p:cBhvr>
+                                        <p:cTn id="36" dur="500"/>
+                                        <p:tgtEl>
+                                          <p:spTgt spid="12"/>
+                                        </p:tgtEl>
+                                      </p:cBhvr>
+                                    </p:animEffect>
+                                  </p:childTnLst>
+                                </p:cTn>
+                              </p:par>
+                            </p:childTnLst>
+                          </p:cTn>
+                        </p:par>
+                        <p:par>
+                          <p:cTn id="37" fill="hold">
+                            <p:stCondLst>
+                              <p:cond delay="4750"/>
+                            </p:stCondLst>
+                            <p:childTnLst>
+                              <p:par>
+                                <p:cTn id="38" presetID="55" presetClass="entr" presetSubtype="0" fill="hold" nodeType="afterEffect">
+                                  <p:stCondLst>
+                                    <p:cond delay="0"/>
+                                  </p:stCondLst>
+                                  <p:childTnLst>
+                                    <p:set>
+                                      <p:cBhvr>
+                                        <p:cTn id="39" dur="1" fill="hold">
+                                          <p:stCondLst>
+                                            <p:cond delay="0"/>
+                                          </p:stCondLst>
+                                        </p:cTn>
+                                        <p:tgtEl>
+                                          <p:spTgt spid="7"/>
+                                        </p:tgtEl>
+                                        <p:attrNameLst>
+                                          <p:attrName>style.visibility</p:attrName>
+                                        </p:attrNameLst>
+                                      </p:cBhvr>
+                                      <p:to>
+                                        <p:strVal val="visible"/>
+                                      </p:to>
+                                    </p:set>
+                                    <p:anim calcmode="lin" valueType="num">
+                                      <p:cBhvr>
+                                        <p:cTn id="40" dur="750" fill="hold"/>
+                                        <p:tgtEl>
+                                          <p:spTgt spid="7"/>
+                                        </p:tgtEl>
+                                        <p:attrNameLst>
+                                          <p:attrName>ppt_w</p:attrName>
+                                        </p:attrNameLst>
+                                      </p:cBhvr>
+                                      <p:tavLst>
+                                        <p:tav tm="0">
+                                          <p:val>
+                                            <p:strVal val="#ppt_w*0.70"/>
+                                          </p:val>
+                                        </p:tav>
+                                        <p:tav tm="100000">
+                                          <p:val>
+                                            <p:strVal val="#ppt_w"/>
+                                          </p:val>
+                                        </p:tav>
+                                      </p:tavLst>
+                                    </p:anim>
+                                    <p:anim calcmode="lin" valueType="num">
+                                      <p:cBhvr>
+                                        <p:cTn id="41" dur="750" fill="hold"/>
+                                        <p:tgtEl>
+                                          <p:spTgt spid="7"/>
+                                        </p:tgtEl>
+                                        <p:attrNameLst>
+                                          <p:attrName>ppt_h</p:attrName>
+                                        </p:attrNameLst>
+                                      </p:cBhvr>
+                                      <p:tavLst>
+                                        <p:tav tm="0">
+                                          <p:val>
+                                            <p:strVal val="#ppt_h"/>
+                                          </p:val>
+                                        </p:tav>
+                                        <p:tav tm="100000">
+                                          <p:val>
+                                            <p:strVal val="#ppt_h"/>
+                                          </p:val>
+                                        </p:tav>
+                                      </p:tavLst>
+                                    </p:anim>
+                                    <p:animEffect transition="in" filter="fade">
+                                      <p:cBhvr>
+                                        <p:cTn id="42" dur="750"/>
+                                        <p:tgtEl>
+                                          <p:spTgt spid="7"/>
+                                        </p:tgtEl>
+                                      </p:cBhvr>
+                                    </p:animEffect>
+                                  </p:childTnLst>
+                                </p:cTn>
+                              </p:par>
+                            </p:childTnLst>
+                          </p:cTn>
+                        </p:par>
+                      </p:childTnLst>
+                    </p:cTn>
+                  </p:par>
+                </p:childTnLst>
+              </p:cTn>
+              <p:prevCondLst>
+                <p:cond evt="onPrev" delay="0">
+                  <p:tgtEl>
+                    <p:sldTgt/>
+                  </p:tgtEl>
+                </p:cond>
+              </p:prevCondLst>
+              <p:nextCondLst>
+                <p:cond evt="onNext" delay="0">
+                  <p:tgtEl>
+                    <p:sldTgt/>
+                  </p:tgtEl>
+                </p:cond>
+              </p:nextCondLst>
+            </p:seq>
+          </p:childTnLst>
+        </p:cTn>
+      </p:par>
+    </p:tnLst>
+    <p:bldLst>
+      <p:bldP spid="5" grpId="0" animBg="1"/>
+      <p:bldP spid="24" grpId="0" animBg="1"/>
+      <p:bldP spid="12" grpId="0" animBg="1"/>
+      <p:bldP spid="13" grpId="0" animBg="1"/>
+    </p:bldLst>
+  </p:timing>
 </p:sld>
 </file>
 
 <file path=ppt/slides/slide2.xml><?xml version="1.0" encoding="utf-8"?>
+<p:sld xmlns:a="http://schemas.openxmlformats.org/drawingml/2006/main" xmlns:r="http://schemas.openxmlformats.org/officeDocument/2006/relationships" xmlns:p="http://schemas.openxmlformats.org/presentationml/2006/main">
+  <p:cSld>
+    <p:spTree>
+      <p:nvGrpSpPr>
+        <p:cNvPr id="1" name=""/>
+        <p:cNvGrpSpPr/>
+        <p:nvPr/>
+      </p:nvGrpSpPr>
+      <p:grpSpPr>
+        <a:xfrm>
+          <a:off x="0" y="0"/>
+          <a:ext cx="0" cy="0"/>
+          <a:chOff x="0" y="0"/>
+          <a:chExt cx="0" cy="0"/>
+        </a:xfrm>
+      </p:grpSpPr>
+      <p:sp>
+        <p:nvSpPr>
+          <p:cNvPr id="2" name="CaixaDeTexto 1">
+            <a:extLst>
+              <a:ext uri="{FF2B5EF4-FFF2-40B4-BE49-F238E27FC236}">
+                <a16:creationId xmlns:a16="http://schemas.microsoft.com/office/drawing/2014/main" id="{16DB4112-5590-F5E3-9D76-CED2E68A3948}"/>
+              </a:ext>
+            </a:extLst>
+          </p:cNvPr>
+          <p:cNvSpPr txBox="1"/>
+          <p:nvPr/>
+        </p:nvSpPr>
+        <p:spPr>
+          <a:xfrm>
+            <a:off x="2225964" y="1681018"/>
+            <a:ext cx="1431636" cy="369332"/>
+          </a:xfrm>
+          <a:prstGeom prst="rect">
+            <a:avLst/>
+          </a:prstGeom>
+          <a:noFill/>
+        </p:spPr>
+        <p:txBody>
+          <a:bodyPr wrap="square" rtlCol="0">
+            <a:spAutoFit/>
+          </a:bodyPr>
+          <a:lstStyle/>
+          <a:p>
+            <a:r>
+              <a:rPr lang="pt-PT" dirty="0"/>
+              <a:t>Interface </a:t>
+            </a:r>
+          </a:p>
+        </p:txBody>
+      </p:sp>
+      <p:sp>
+        <p:nvSpPr>
+          <p:cNvPr id="3" name="CaixaDeTexto 2">
+            <a:extLst>
+              <a:ext uri="{FF2B5EF4-FFF2-40B4-BE49-F238E27FC236}">
+                <a16:creationId xmlns:a16="http://schemas.microsoft.com/office/drawing/2014/main" id="{EE6F9A6E-1174-5750-AF32-7194725741A1}"/>
+              </a:ext>
+            </a:extLst>
+          </p:cNvPr>
+          <p:cNvSpPr txBox="1"/>
+          <p:nvPr/>
+        </p:nvSpPr>
+        <p:spPr>
+          <a:xfrm>
+            <a:off x="5985164" y="1034473"/>
+            <a:ext cx="1524000" cy="369332"/>
+          </a:xfrm>
+          <a:prstGeom prst="rect">
+            <a:avLst/>
+          </a:prstGeom>
+          <a:noFill/>
+        </p:spPr>
+        <p:txBody>
+          <a:bodyPr wrap="square" rtlCol="0">
+            <a:spAutoFit/>
+          </a:bodyPr>
+          <a:lstStyle/>
+          <a:p>
+            <a:r>
+              <a:rPr lang="pt-PT" dirty="0"/>
+              <a:t>Estética</a:t>
+            </a:r>
+          </a:p>
+        </p:txBody>
+      </p:sp>
+    </p:spTree>
+    <p:extLst>
+      <p:ext uri="{BB962C8B-B14F-4D97-AF65-F5344CB8AC3E}">
+        <p14:creationId xmlns:p14="http://schemas.microsoft.com/office/powerpoint/2010/main" val="2201630525"/>
+      </p:ext>
+    </p:extLst>
+  </p:cSld>
+  <p:clrMapOvr>
+    <a:masterClrMapping/>
+  </p:clrMapOvr>
+</p:sld>
+</file>
+
+<file path=ppt/slides/slide3.xml><?xml version="1.0" encoding="utf-8"?>
 <p:sld xmlns:a="http://schemas.openxmlformats.org/drawingml/2006/main" xmlns:r="http://schemas.openxmlformats.org/officeDocument/2006/relationships" xmlns:p="http://schemas.openxmlformats.org/presentationml/2006/main">
   <p:cSld>
     <p:spTree>
@@ -9494,7 +6175,7 @@
 </p:sld>
 </file>
 
-<file path=ppt/slides/slide3.xml><?xml version="1.0" encoding="utf-8"?>
+<file path=ppt/slides/slide4.xml><?xml version="1.0" encoding="utf-8"?>
 <p:sld xmlns:a="http://schemas.openxmlformats.org/drawingml/2006/main" xmlns:r="http://schemas.openxmlformats.org/officeDocument/2006/relationships" xmlns:p="http://schemas.openxmlformats.org/presentationml/2006/main" showMasterSp="0">
   <p:cSld>
     <p:bg>
@@ -10977,285 +7658,4 @@
     </a:ext>
   </a:extLst>
 </a:theme>
-</file>
-
-<file path=ppt/theme/theme2.xml><?xml version="1.0" encoding="utf-8"?>
-<a:theme xmlns:a="http://schemas.openxmlformats.org/drawingml/2006/main" name="Sabão">
-  <a:themeElements>
-    <a:clrScheme name="Sabão">
-      <a:dk1>
-        <a:sysClr val="windowText" lastClr="000000"/>
-      </a:dk1>
-      <a:lt1>
-        <a:sysClr val="window" lastClr="FFFFFF"/>
-      </a:lt1>
-      <a:dk2>
-        <a:srgbClr val="1485A4"/>
-      </a:dk2>
-      <a:lt2>
-        <a:srgbClr val="E3DED1"/>
-      </a:lt2>
-      <a:accent1>
-        <a:srgbClr val="1CADE4"/>
-      </a:accent1>
-      <a:accent2>
-        <a:srgbClr val="2683C6"/>
-      </a:accent2>
-      <a:accent3>
-        <a:srgbClr val="27CED7"/>
-      </a:accent3>
-      <a:accent4>
-        <a:srgbClr val="42BA97"/>
-      </a:accent4>
-      <a:accent5>
-        <a:srgbClr val="3E8853"/>
-      </a:accent5>
-      <a:accent6>
-        <a:srgbClr val="62A39F"/>
-      </a:accent6>
-      <a:hlink>
-        <a:srgbClr val="F49100"/>
-      </a:hlink>
-      <a:folHlink>
-        <a:srgbClr val="739D9B"/>
-      </a:folHlink>
-    </a:clrScheme>
-    <a:fontScheme name="Sabão">
-      <a:majorFont>
-        <a:latin typeface="Century Gothic" panose="020B0502020202020204"/>
-        <a:ea typeface=""/>
-        <a:cs typeface=""/>
-        <a:font script="Jpan" typeface="ＭＳ ゴシック"/>
-        <a:font script="Hang" typeface="맑은 고딕"/>
-        <a:font script="Hans" typeface="宋体"/>
-        <a:font script="Hant" typeface="新細明體"/>
-        <a:font script="Arab" typeface="Tahoma"/>
-        <a:font script="Hebr" typeface="Gisha"/>
-        <a:font script="Thai" typeface="DilleniaUPC"/>
-        <a:font script="Ethi" typeface="Nyala"/>
-        <a:font script="Beng" typeface="Vrinda"/>
-        <a:font script="Gujr" typeface="Shruti"/>
-        <a:font script="Khmr" typeface="DaunPenh"/>
-        <a:font script="Knda" typeface="Tunga"/>
-        <a:font script="Guru" typeface="Raavi"/>
-        <a:font script="Cans" typeface="Euphemia"/>
-        <a:font script="Cher" typeface="Plantagenet Cherokee"/>
-        <a:font script="Yiii" typeface="Microsoft Yi Baiti"/>
-        <a:font script="Tibt" typeface="Microsoft Himalaya"/>
-        <a:font script="Thaa" typeface="MV Boli"/>
-        <a:font script="Deva" typeface="Mangal"/>
-        <a:font script="Telu" typeface="Gautami"/>
-        <a:font script="Taml" typeface="Latha"/>
-        <a:font script="Syrc" typeface="Estrangelo Edessa"/>
-        <a:font script="Orya" typeface="Kalinga"/>
-        <a:font script="Mlym" typeface="Kartika"/>
-        <a:font script="Laoo" typeface="DokChampa"/>
-        <a:font script="Sinh" typeface="Iskoola Pota"/>
-        <a:font script="Mong" typeface="Mongolian Baiti"/>
-        <a:font script="Viet" typeface="Tahoma"/>
-        <a:font script="Uigh" typeface="Microsoft Uighur"/>
-        <a:font script="Geor" typeface="Sylfaen"/>
-      </a:majorFont>
-      <a:minorFont>
-        <a:latin typeface="Century Gothic" panose="020B0502020202020204"/>
-        <a:ea typeface=""/>
-        <a:cs typeface=""/>
-        <a:font script="Jpan" typeface="ＭＳ ゴシック"/>
-        <a:font script="Hang" typeface="맑은 고딕"/>
-        <a:font script="Hans" typeface="宋体"/>
-        <a:font script="Hant" typeface="新細明體"/>
-        <a:font script="Arab" typeface="Tahoma"/>
-        <a:font script="Hebr" typeface="Gisha"/>
-        <a:font script="Thai" typeface="DilleniaUPC"/>
-        <a:font script="Ethi" typeface="Nyala"/>
-        <a:font script="Beng" typeface="Vrinda"/>
-        <a:font script="Gujr" typeface="Shruti"/>
-        <a:font script="Khmr" typeface="DaunPenh"/>
-        <a:font script="Knda" typeface="Tunga"/>
-        <a:font script="Guru" typeface="Raavi"/>
-        <a:font script="Cans" typeface="Euphemia"/>
-        <a:font script="Cher" typeface="Plantagenet Cherokee"/>
-        <a:font script="Yiii" typeface="Microsoft Yi Baiti"/>
-        <a:font script="Tibt" typeface="Microsoft Himalaya"/>
-        <a:font script="Thaa" typeface="MV Boli"/>
-        <a:font script="Deva" typeface="Mangal"/>
-        <a:font script="Telu" typeface="Gautami"/>
-        <a:font script="Taml" typeface="Latha"/>
-        <a:font script="Syrc" typeface="Estrangelo Edessa"/>
-        <a:font script="Orya" typeface="Kalinga"/>
-        <a:font script="Mlym" typeface="Kartika"/>
-        <a:font script="Laoo" typeface="DokChampa"/>
-        <a:font script="Sinh" typeface="Iskoola Pota"/>
-        <a:font script="Mong" typeface="Mongolian Baiti"/>
-        <a:font script="Viet" typeface="Verdana"/>
-        <a:font script="Uigh" typeface="Microsoft Uighur"/>
-        <a:font script="Geor" typeface="Sylfaen"/>
-      </a:minorFont>
-    </a:fontScheme>
-    <a:fmtScheme name="Sabão">
-      <a:fillStyleLst>
-        <a:solidFill>
-          <a:schemeClr val="phClr"/>
-        </a:solidFill>
-        <a:gradFill rotWithShape="1">
-          <a:gsLst>
-            <a:gs pos="0">
-              <a:schemeClr val="phClr">
-                <a:tint val="60000"/>
-                <a:satMod val="105000"/>
-                <a:lumMod val="105000"/>
-              </a:schemeClr>
-            </a:gs>
-            <a:gs pos="100000">
-              <a:schemeClr val="phClr">
-                <a:tint val="65000"/>
-                <a:satMod val="100000"/>
-                <a:lumMod val="100000"/>
-              </a:schemeClr>
-            </a:gs>
-            <a:gs pos="100000">
-              <a:schemeClr val="phClr">
-                <a:tint val="70000"/>
-                <a:satMod val="100000"/>
-                <a:lumMod val="100000"/>
-              </a:schemeClr>
-            </a:gs>
-          </a:gsLst>
-          <a:lin ang="5400000" scaled="0"/>
-        </a:gradFill>
-        <a:gradFill rotWithShape="1">
-          <a:gsLst>
-            <a:gs pos="0">
-              <a:schemeClr val="phClr">
-                <a:satMod val="100000"/>
-                <a:lumMod val="100000"/>
-              </a:schemeClr>
-            </a:gs>
-            <a:gs pos="50000">
-              <a:schemeClr val="phClr">
-                <a:shade val="99000"/>
-                <a:satMod val="105000"/>
-                <a:lumMod val="100000"/>
-              </a:schemeClr>
-            </a:gs>
-            <a:gs pos="100000">
-              <a:schemeClr val="phClr">
-                <a:shade val="98000"/>
-                <a:satMod val="105000"/>
-                <a:lumMod val="100000"/>
-              </a:schemeClr>
-            </a:gs>
-          </a:gsLst>
-          <a:lin ang="5400000" scaled="0"/>
-        </a:gradFill>
-      </a:fillStyleLst>
-      <a:lnStyleLst>
-        <a:ln w="6350" cap="flat" cmpd="sng" algn="ctr">
-          <a:solidFill>
-            <a:schemeClr val="phClr"/>
-          </a:solidFill>
-          <a:prstDash val="solid"/>
-        </a:ln>
-        <a:ln w="12700" cap="flat" cmpd="sng" algn="ctr">
-          <a:solidFill>
-            <a:schemeClr val="phClr"/>
-          </a:solidFill>
-          <a:prstDash val="solid"/>
-        </a:ln>
-        <a:ln w="19050" cap="flat" cmpd="sng" algn="ctr">
-          <a:solidFill>
-            <a:schemeClr val="phClr"/>
-          </a:solidFill>
-          <a:prstDash val="solid"/>
-        </a:ln>
-      </a:lnStyleLst>
-      <a:effectStyleLst>
-        <a:effectStyle>
-          <a:effectLst/>
-        </a:effectStyle>
-        <a:effectStyle>
-          <a:effectLst>
-            <a:outerShdw blurRad="38100" dist="12700" dir="5400000" algn="ctr" rotWithShape="0">
-              <a:srgbClr val="000000">
-                <a:alpha val="63000"/>
-              </a:srgbClr>
-            </a:outerShdw>
-          </a:effectLst>
-        </a:effectStyle>
-        <a:effectStyle>
-          <a:effectLst>
-            <a:outerShdw blurRad="57150" dist="19050" dir="5400000" algn="ctr" rotWithShape="0">
-              <a:srgbClr val="000000">
-                <a:alpha val="63000"/>
-              </a:srgbClr>
-            </a:outerShdw>
-          </a:effectLst>
-          <a:scene3d>
-            <a:camera prst="orthographicFront">
-              <a:rot lat="0" lon="0" rev="0"/>
-            </a:camera>
-            <a:lightRig rig="flat" dir="tl">
-              <a:rot lat="0" lon="0" rev="4200000"/>
-            </a:lightRig>
-          </a:scene3d>
-          <a:sp3d prstMaterial="flat">
-            <a:bevelT w="50800" h="63500" prst="riblet"/>
-          </a:sp3d>
-        </a:effectStyle>
-      </a:effectStyleLst>
-      <a:bgFillStyleLst>
-        <a:solidFill>
-          <a:schemeClr val="phClr"/>
-        </a:solidFill>
-        <a:gradFill rotWithShape="1">
-          <a:gsLst>
-            <a:gs pos="0">
-              <a:schemeClr val="phClr">
-                <a:tint val="90000"/>
-                <a:shade val="92000"/>
-                <a:satMod val="160000"/>
-              </a:schemeClr>
-            </a:gs>
-            <a:gs pos="77000">
-              <a:schemeClr val="phClr">
-                <a:tint val="100000"/>
-                <a:shade val="73000"/>
-                <a:satMod val="155000"/>
-              </a:schemeClr>
-            </a:gs>
-            <a:gs pos="100000">
-              <a:schemeClr val="phClr">
-                <a:tint val="100000"/>
-                <a:shade val="67000"/>
-                <a:satMod val="145000"/>
-              </a:schemeClr>
-            </a:gs>
-          </a:gsLst>
-          <a:lin ang="5400000" scaled="0"/>
-        </a:gradFill>
-        <a:blipFill rotWithShape="1">
-          <a:blip xmlns:r="http://schemas.openxmlformats.org/officeDocument/2006/relationships" r:embed="rId1">
-            <a:duotone>
-              <a:schemeClr val="phClr">
-                <a:tint val="95000"/>
-              </a:schemeClr>
-              <a:schemeClr val="phClr">
-                <a:shade val="92000"/>
-                <a:satMod val="115000"/>
-              </a:schemeClr>
-            </a:duotone>
-          </a:blip>
-          <a:tile tx="0" ty="0" sx="60000" sy="60000" flip="none" algn="tl"/>
-        </a:blipFill>
-      </a:bgFillStyleLst>
-    </a:fmtScheme>
-  </a:themeElements>
-  <a:objectDefaults/>
-  <a:extraClrSchemeLst/>
-  <a:extLst>
-    <a:ext uri="{05A4C25C-085E-4340-85A3-A5531E510DB2}">
-      <thm15:themeFamily xmlns:thm15="http://schemas.microsoft.com/office/thememl/2012/main" name="Savon" id="{1306E473-ED32-493B-A2D0-240A757EDD34}" vid="{C20BADFE-D095-436F-9677-9264042809F0}"/>
-    </a:ext>
-  </a:extLst>
-</a:theme>
 </file>